--- a/Presentation/Final Presentation/Final Presentation.pptx
+++ b/Presentation/Final Presentation/Final Presentation.pptx
@@ -11,8 +11,8 @@
     <p:sldId id="275" r:id="rId5"/>
     <p:sldId id="277" r:id="rId6"/>
     <p:sldId id="257" r:id="rId7"/>
-    <p:sldId id="280" r:id="rId8"/>
-    <p:sldId id="278" r:id="rId9"/>
+    <p:sldId id="278" r:id="rId8"/>
+    <p:sldId id="282" r:id="rId9"/>
     <p:sldId id="281" r:id="rId10"/>
     <p:sldId id="276" r:id="rId11"/>
     <p:sldId id="269" r:id="rId12"/>
@@ -348,7 +348,7 @@
           <a:p>
             <a:fld id="{BAAFB08A-6EA4-4239-B3C7-558C59471976}" type="datetimeFigureOut">
               <a:rPr lang="en-US" smtClean="0"/>
-              <a:t>6/20/2020</a:t>
+              <a:t>6/21/2020</a:t>
             </a:fld>
             <a:endParaRPr lang="en-US"/>
           </a:p>
@@ -556,7 +556,7 @@
           <a:p>
             <a:fld id="{BAAFB08A-6EA4-4239-B3C7-558C59471976}" type="datetimeFigureOut">
               <a:rPr lang="en-US" smtClean="0"/>
-              <a:t>6/20/2020</a:t>
+              <a:t>6/21/2020</a:t>
             </a:fld>
             <a:endParaRPr lang="en-US"/>
           </a:p>
@@ -812,7 +812,7 @@
           <a:p>
             <a:fld id="{BAAFB08A-6EA4-4239-B3C7-558C59471976}" type="datetimeFigureOut">
               <a:rPr lang="en-US" smtClean="0"/>
-              <a:t>6/20/2020</a:t>
+              <a:t>6/21/2020</a:t>
             </a:fld>
             <a:endParaRPr lang="en-US"/>
           </a:p>
@@ -986,7 +986,7 @@
           <a:p>
             <a:fld id="{BAAFB08A-6EA4-4239-B3C7-558C59471976}" type="datetimeFigureOut">
               <a:rPr lang="en-US" smtClean="0"/>
-              <a:t>6/20/2020</a:t>
+              <a:t>6/21/2020</a:t>
             </a:fld>
             <a:endParaRPr lang="en-US"/>
           </a:p>
@@ -1329,7 +1329,7 @@
           <a:p>
             <a:fld id="{BAAFB08A-6EA4-4239-B3C7-558C59471976}" type="datetimeFigureOut">
               <a:rPr lang="en-US" smtClean="0"/>
-              <a:t>6/20/2020</a:t>
+              <a:t>6/21/2020</a:t>
             </a:fld>
             <a:endParaRPr lang="en-US"/>
           </a:p>
@@ -1604,7 +1604,7 @@
           <a:p>
             <a:fld id="{BAAFB08A-6EA4-4239-B3C7-558C59471976}" type="datetimeFigureOut">
               <a:rPr lang="en-US" smtClean="0"/>
-              <a:t>6/20/2020</a:t>
+              <a:t>6/21/2020</a:t>
             </a:fld>
             <a:endParaRPr lang="en-US"/>
           </a:p>
@@ -1983,7 +1983,7 @@
           <a:p>
             <a:fld id="{BAAFB08A-6EA4-4239-B3C7-558C59471976}" type="datetimeFigureOut">
               <a:rPr lang="en-US" smtClean="0"/>
-              <a:t>6/20/2020</a:t>
+              <a:t>6/21/2020</a:t>
             </a:fld>
             <a:endParaRPr lang="en-US"/>
           </a:p>
@@ -2101,7 +2101,7 @@
           <a:p>
             <a:fld id="{BAAFB08A-6EA4-4239-B3C7-558C59471976}" type="datetimeFigureOut">
               <a:rPr lang="en-US" smtClean="0"/>
-              <a:t>6/20/2020</a:t>
+              <a:t>6/21/2020</a:t>
             </a:fld>
             <a:endParaRPr lang="en-US"/>
           </a:p>
@@ -2272,7 +2272,7 @@
           <a:p>
             <a:fld id="{BAAFB08A-6EA4-4239-B3C7-558C59471976}" type="datetimeFigureOut">
               <a:rPr lang="en-US" smtClean="0"/>
-              <a:t>6/20/2020</a:t>
+              <a:t>6/21/2020</a:t>
             </a:fld>
             <a:endParaRPr lang="en-US"/>
           </a:p>
@@ -2626,7 +2626,7 @@
           <a:p>
             <a:fld id="{BAAFB08A-6EA4-4239-B3C7-558C59471976}" type="datetimeFigureOut">
               <a:rPr lang="en-US" smtClean="0"/>
-              <a:t>6/20/2020</a:t>
+              <a:t>6/21/2020</a:t>
             </a:fld>
             <a:endParaRPr lang="en-US"/>
           </a:p>
@@ -3008,7 +3008,7 @@
           <a:p>
             <a:fld id="{BAAFB08A-6EA4-4239-B3C7-558C59471976}" type="datetimeFigureOut">
               <a:rPr lang="en-US" smtClean="0"/>
-              <a:t>6/20/2020</a:t>
+              <a:t>6/21/2020</a:t>
             </a:fld>
             <a:endParaRPr lang="en-US"/>
           </a:p>
@@ -3295,7 +3295,7 @@
           <a:p>
             <a:fld id="{BAAFB08A-6EA4-4239-B3C7-558C59471976}" type="datetimeFigureOut">
               <a:rPr lang="en-US" smtClean="0"/>
-              <a:t>6/20/2020</a:t>
+              <a:t>6/21/2020</a:t>
             </a:fld>
             <a:endParaRPr lang="en-US"/>
           </a:p>
@@ -3850,6 +3850,28 @@
               <a:rPr lang="en-US" sz="4400" dirty="0"/>
             </a:br>
             <a:r>
+              <a:rPr lang="tr-TR" sz="4400" dirty="0" err="1"/>
+              <a:t>Cmpe</a:t>
+            </a:r>
+            <a:r>
+              <a:rPr lang="tr-TR" sz="4400" dirty="0"/>
+              <a:t> 493</a:t>
+            </a:r>
+            <a:br>
+              <a:rPr lang="tr-TR" sz="4400" dirty="0"/>
+            </a:br>
+            <a:r>
+              <a:rPr lang="tr-TR" sz="4400" dirty="0"/>
+              <a:t>Information </a:t>
+            </a:r>
+            <a:r>
+              <a:rPr lang="tr-TR" sz="4400" dirty="0" err="1"/>
+              <a:t>Retrieval</a:t>
+            </a:r>
+            <a:br>
+              <a:rPr lang="tr-TR" sz="4400" dirty="0"/>
+            </a:br>
+            <a:r>
               <a:rPr lang="en-US" sz="4400" dirty="0"/>
               <a:t>Term Project </a:t>
             </a:r>
@@ -4209,10 +4231,6 @@
               <a:buChar char="Ø"/>
             </a:pPr>
             <a:r>
-              <a:rPr lang="en-US" sz="2500" dirty="0"/>
-              <a:t>Part 1: </a:t>
-            </a:r>
-            <a:r>
               <a:rPr lang="tr-TR" sz="2500" dirty="0" err="1"/>
               <a:t>What</a:t>
             </a:r>
@@ -4239,36 +4257,8 @@
               <a:buChar char="Ø"/>
             </a:pPr>
             <a:r>
-              <a:rPr lang="en-US" sz="2500" dirty="0"/>
-              <a:t>Part 2: </a:t>
-            </a:r>
-            <a:r>
               <a:rPr lang="tr-TR" sz="2500" dirty="0" err="1"/>
-              <a:t>What</a:t>
-            </a:r>
-            <a:r>
-              <a:rPr lang="tr-TR" sz="2500" dirty="0"/>
-              <a:t> </a:t>
-            </a:r>
-            <a:r>
-              <a:rPr lang="tr-TR" sz="2500" dirty="0" err="1"/>
-              <a:t>we</a:t>
-            </a:r>
-            <a:r>
-              <a:rPr lang="tr-TR" sz="2500" dirty="0"/>
-              <a:t> </a:t>
-            </a:r>
-            <a:r>
-              <a:rPr lang="tr-TR" sz="2500" dirty="0" err="1"/>
-              <a:t>have</a:t>
-            </a:r>
-            <a:r>
-              <a:rPr lang="tr-TR" sz="2500" dirty="0"/>
-              <a:t> </a:t>
-            </a:r>
-            <a:r>
-              <a:rPr lang="tr-TR" sz="2500" dirty="0" err="1"/>
-              <a:t>added</a:t>
+              <a:t>Improvements</a:t>
             </a:r>
             <a:r>
               <a:rPr lang="en-US" sz="2500" dirty="0"/>
@@ -4287,14 +4277,6 @@
             </a:pPr>
             <a:r>
               <a:rPr lang="tr-TR" sz="2500" dirty="0" err="1"/>
-              <a:t>Part</a:t>
-            </a:r>
-            <a:r>
-              <a:rPr lang="tr-TR" sz="2500" dirty="0"/>
-              <a:t> 3: </a:t>
-            </a:r>
-            <a:r>
-              <a:rPr lang="tr-TR" sz="2500" dirty="0" err="1"/>
               <a:t>Evaluations</a:t>
             </a:r>
             <a:r>
@@ -4309,16 +4291,16 @@
               <a:buChar char="Ø"/>
             </a:pPr>
             <a:r>
+              <a:rPr lang="tr-TR" sz="2500" dirty="0" err="1"/>
+              <a:t>Thoughts</a:t>
+            </a:r>
+            <a:r>
+              <a:rPr lang="tr-TR" sz="2500" dirty="0"/>
+              <a:t> on </a:t>
+            </a:r>
+            <a:r>
               <a:rPr lang="en-US" sz="2500" dirty="0"/>
-              <a:t>Part </a:t>
-            </a:r>
-            <a:r>
-              <a:rPr lang="tr-TR" sz="2500" dirty="0"/>
-              <a:t>4</a:t>
-            </a:r>
-            <a:r>
-              <a:rPr lang="en-US" sz="2500" dirty="0"/>
-              <a:t>: Future Work, Abdullah Yıldız</a:t>
+              <a:t>Future Work, Abdullah Yıldız</a:t>
             </a:r>
           </a:p>
         </p:txBody>
@@ -5474,7 +5456,7 @@
             </a:pPr>
             <a:r>
               <a:rPr lang="tr-TR" sz="2000" dirty="0" err="1"/>
-              <a:t>Jacard</a:t>
+              <a:t>Tf-idf</a:t>
             </a:r>
             <a:r>
               <a:rPr lang="tr-TR" sz="2000" dirty="0"/>
@@ -5482,7 +5464,7 @@
             </a:r>
             <a:r>
               <a:rPr lang="tr-TR" sz="2000" dirty="0" err="1"/>
-              <a:t>Similarity</a:t>
+              <a:t>Vectors</a:t>
             </a:r>
             <a:r>
               <a:rPr lang="tr-TR" sz="2000" dirty="0"/>
@@ -5490,7 +5472,7 @@
             </a:r>
             <a:r>
               <a:rPr lang="tr-TR" sz="2000" dirty="0" err="1"/>
-              <a:t>by</a:t>
+              <a:t>onto</a:t>
             </a:r>
             <a:r>
               <a:rPr lang="tr-TR" sz="2000" dirty="0"/>
@@ -5498,7 +5480,7 @@
             </a:r>
             <a:r>
               <a:rPr lang="tr-TR" sz="2000" dirty="0" err="1"/>
-              <a:t>tokens</a:t>
+              <a:t>Biotope</a:t>
             </a:r>
             <a:endParaRPr lang="tr-TR" sz="2000" dirty="0"/>
           </a:p>
@@ -5510,7 +5492,7 @@
             </a:pPr>
             <a:r>
               <a:rPr lang="tr-TR" sz="1800" dirty="0" err="1"/>
-              <a:t>Improved</a:t>
+              <a:t>Improvement</a:t>
             </a:r>
             <a:r>
               <a:rPr lang="tr-TR" sz="1800" dirty="0"/>
@@ -5518,19 +5500,11 @@
             </a:r>
             <a:r>
               <a:rPr lang="tr-TR" sz="1800" dirty="0" err="1"/>
-              <a:t>performance</a:t>
+              <a:t>by</a:t>
             </a:r>
             <a:r>
               <a:rPr lang="tr-TR" sz="1800" dirty="0"/>
-              <a:t> </a:t>
-            </a:r>
-            <a:r>
-              <a:rPr lang="tr-TR" sz="1800" dirty="0" err="1"/>
-              <a:t>by</a:t>
-            </a:r>
-            <a:r>
-              <a:rPr lang="tr-TR" sz="1800" dirty="0"/>
-              <a:t> .% </a:t>
+              <a:t>  1%</a:t>
             </a:r>
           </a:p>
           <a:p>
@@ -5545,11 +5519,11 @@
             </a:r>
             <a:r>
               <a:rPr lang="tr-TR" sz="1800" b="1" dirty="0"/>
-              <a:t>: .</a:t>
+              <a:t>: </a:t>
             </a:r>
             <a:r>
               <a:rPr lang="tr-TR" sz="1800" dirty="0"/>
-              <a:t>%  </a:t>
+              <a:t>39% </a:t>
             </a:r>
             <a:r>
               <a:rPr lang="tr-TR" sz="1800" dirty="0" err="1"/>
@@ -5567,6 +5541,7 @@
               <a:rPr lang="tr-TR" sz="1800" dirty="0"/>
               <a:t> in dev set</a:t>
             </a:r>
+            <a:endParaRPr lang="tr-TR" sz="2000" dirty="0"/>
           </a:p>
           <a:p>
             <a:pPr marL="91440" lvl="2" indent="-91440">
@@ -5602,8 +5577,13 @@
             </a:r>
             <a:r>
               <a:rPr lang="tr-TR" sz="2000" dirty="0"/>
-              <a:t> 2-grams</a:t>
-            </a:r>
+              <a:t> </a:t>
+            </a:r>
+            <a:r>
+              <a:rPr lang="tr-TR" sz="2000" dirty="0" err="1"/>
+              <a:t>tokens</a:t>
+            </a:r>
+            <a:endParaRPr lang="tr-TR" sz="2000" dirty="0"/>
           </a:p>
           <a:p>
             <a:pPr lvl="3">
@@ -5633,7 +5613,7 @@
             </a:r>
             <a:r>
               <a:rPr lang="tr-TR" sz="1800" dirty="0"/>
-              <a:t> .% </a:t>
+              <a:t> 2% </a:t>
             </a:r>
           </a:p>
           <a:p>
@@ -5648,11 +5628,11 @@
             </a:r>
             <a:r>
               <a:rPr lang="tr-TR" sz="1800" b="1" dirty="0"/>
-              <a:t>: .</a:t>
+              <a:t>: </a:t>
             </a:r>
             <a:r>
               <a:rPr lang="tr-TR" sz="1800" dirty="0"/>
-              <a:t>%  </a:t>
+              <a:t>41%  </a:t>
             </a:r>
             <a:r>
               <a:rPr lang="tr-TR" sz="1800" dirty="0" err="1"/>
@@ -5701,27 +5681,11 @@
             </a:r>
             <a:r>
               <a:rPr lang="tr-TR" sz="2000" dirty="0" err="1"/>
-              <a:t>Average</a:t>
+              <a:t>by</a:t>
             </a:r>
             <a:r>
               <a:rPr lang="tr-TR" sz="2000" dirty="0"/>
-              <a:t> (n-</a:t>
-            </a:r>
-            <a:r>
-              <a:rPr lang="tr-TR" sz="2000" dirty="0" err="1"/>
-              <a:t>grams</a:t>
-            </a:r>
-            <a:r>
-              <a:rPr lang="tr-TR" sz="2000" dirty="0"/>
-              <a:t> + </a:t>
-            </a:r>
-            <a:r>
-              <a:rPr lang="tr-TR" sz="2000" dirty="0" err="1"/>
-              <a:t>tokens</a:t>
-            </a:r>
-            <a:r>
-              <a:rPr lang="tr-TR" sz="2000" dirty="0"/>
-              <a:t>)</a:t>
+              <a:t> 2-grams</a:t>
             </a:r>
           </a:p>
           <a:p>
@@ -5752,7 +5716,7 @@
             </a:r>
             <a:r>
               <a:rPr lang="tr-TR" sz="1800" dirty="0"/>
-              <a:t> .% </a:t>
+              <a:t> 6% </a:t>
             </a:r>
           </a:p>
           <a:p>
@@ -5767,11 +5731,11 @@
             </a:r>
             <a:r>
               <a:rPr lang="tr-TR" sz="1800" b="1" dirty="0"/>
-              <a:t>: .</a:t>
+              <a:t>: </a:t>
             </a:r>
             <a:r>
               <a:rPr lang="tr-TR" sz="1800" dirty="0"/>
-              <a:t>%  </a:t>
+              <a:t>47%  </a:t>
             </a:r>
             <a:r>
               <a:rPr lang="tr-TR" sz="1800" dirty="0" err="1"/>
@@ -5789,8 +5753,6 @@
               <a:rPr lang="tr-TR" sz="1800" dirty="0"/>
               <a:t> in dev set</a:t>
             </a:r>
-          </a:p>
-          <a:p>
             <a:endParaRPr lang="en-US" dirty="0"/>
           </a:p>
           <a:p>
@@ -5853,7 +5815,12 @@
             <p:ph type="title"/>
           </p:nvPr>
         </p:nvSpPr>
-        <p:spPr/>
+        <p:spPr>
+          <a:xfrm>
+            <a:off x="1097280" y="258467"/>
+            <a:ext cx="10058400" cy="1450757"/>
+          </a:xfrm>
+        </p:spPr>
         <p:txBody>
           <a:bodyPr>
             <a:normAutofit/>
@@ -5910,16 +5877,324 @@
         </p:nvSpPr>
         <p:spPr/>
         <p:txBody>
-          <a:bodyPr/>
+          <a:bodyPr>
+            <a:normAutofit/>
+          </a:bodyPr>
           <a:lstStyle/>
           <a:p>
-            <a:pPr>
+            <a:pPr marL="91440" lvl="2" indent="-91440">
+              <a:spcBef>
+                <a:spcPts val="1200"/>
+              </a:spcBef>
+              <a:spcAft>
+                <a:spcPts val="200"/>
+              </a:spcAft>
+              <a:buSzPct val="100000"/>
               <a:buFont typeface="Wingdings" panose="05000000000000000000" pitchFamily="2" charset="2"/>
               <a:buChar char="Ø"/>
             </a:pPr>
             <a:r>
-              <a:rPr lang="en-US" dirty="0"/>
-              <a:t>TF-IDF</a:t>
+              <a:rPr lang="tr-TR" sz="2000" dirty="0" err="1"/>
+              <a:t>Jacard</a:t>
+            </a:r>
+            <a:r>
+              <a:rPr lang="tr-TR" sz="2000" dirty="0"/>
+              <a:t> </a:t>
+            </a:r>
+            <a:r>
+              <a:rPr lang="tr-TR" sz="2000" dirty="0" err="1"/>
+              <a:t>Similarity</a:t>
+            </a:r>
+            <a:r>
+              <a:rPr lang="tr-TR" sz="2000" dirty="0"/>
+              <a:t> </a:t>
+            </a:r>
+            <a:r>
+              <a:rPr lang="tr-TR" sz="2000" dirty="0" err="1"/>
+              <a:t>Average</a:t>
+            </a:r>
+            <a:r>
+              <a:rPr lang="tr-TR" sz="2000" dirty="0"/>
+              <a:t> (n-</a:t>
+            </a:r>
+            <a:r>
+              <a:rPr lang="tr-TR" sz="2000" dirty="0" err="1"/>
+              <a:t>grams</a:t>
+            </a:r>
+            <a:r>
+              <a:rPr lang="tr-TR" sz="2000" dirty="0"/>
+              <a:t> + </a:t>
+            </a:r>
+            <a:r>
+              <a:rPr lang="tr-TR" sz="2000" dirty="0" err="1"/>
+              <a:t>tokens</a:t>
+            </a:r>
+            <a:r>
+              <a:rPr lang="tr-TR" sz="2000" dirty="0"/>
+              <a:t>)</a:t>
+            </a:r>
+          </a:p>
+          <a:p>
+            <a:pPr lvl="3">
+              <a:lnSpc>
+                <a:spcPct val="100000"/>
+              </a:lnSpc>
+            </a:pPr>
+            <a:r>
+              <a:rPr lang="tr-TR" sz="1800" dirty="0" err="1"/>
+              <a:t>Improved</a:t>
+            </a:r>
+            <a:r>
+              <a:rPr lang="tr-TR" sz="1800" dirty="0"/>
+              <a:t> </a:t>
+            </a:r>
+            <a:r>
+              <a:rPr lang="tr-TR" sz="1800" dirty="0" err="1"/>
+              <a:t>performance</a:t>
+            </a:r>
+            <a:r>
+              <a:rPr lang="tr-TR" sz="1800" dirty="0"/>
+              <a:t> </a:t>
+            </a:r>
+            <a:r>
+              <a:rPr lang="tr-TR" sz="1800" dirty="0" err="1"/>
+              <a:t>by</a:t>
+            </a:r>
+            <a:r>
+              <a:rPr lang="tr-TR" sz="1800" dirty="0"/>
+              <a:t> 4% </a:t>
+            </a:r>
+          </a:p>
+          <a:p>
+            <a:pPr lvl="3">
+              <a:lnSpc>
+                <a:spcPct val="100000"/>
+              </a:lnSpc>
+            </a:pPr>
+            <a:r>
+              <a:rPr lang="tr-TR" sz="1800" b="1" dirty="0" err="1"/>
+              <a:t>Performance</a:t>
+            </a:r>
+            <a:r>
+              <a:rPr lang="tr-TR" sz="1800" b="1" dirty="0"/>
+              <a:t>: </a:t>
+            </a:r>
+            <a:r>
+              <a:rPr lang="tr-TR" sz="1800" dirty="0"/>
+              <a:t>51%  </a:t>
+            </a:r>
+            <a:r>
+              <a:rPr lang="tr-TR" sz="1800" dirty="0" err="1"/>
+              <a:t>correct</a:t>
+            </a:r>
+            <a:r>
+              <a:rPr lang="tr-TR" sz="1800" dirty="0"/>
+              <a:t> </a:t>
+            </a:r>
+            <a:r>
+              <a:rPr lang="tr-TR" sz="1800" dirty="0" err="1"/>
+              <a:t>normalization</a:t>
+            </a:r>
+            <a:r>
+              <a:rPr lang="tr-TR" sz="1800" dirty="0"/>
+              <a:t> in dev set</a:t>
+            </a:r>
+            <a:endParaRPr lang="tr-TR" sz="2000" dirty="0"/>
+          </a:p>
+          <a:p>
+            <a:pPr marL="91440" lvl="2" indent="-91440">
+              <a:spcBef>
+                <a:spcPts val="1200"/>
+              </a:spcBef>
+              <a:spcAft>
+                <a:spcPts val="200"/>
+              </a:spcAft>
+              <a:buSzPct val="100000"/>
+              <a:buFont typeface="Wingdings" panose="05000000000000000000" pitchFamily="2" charset="2"/>
+              <a:buChar char="Ø"/>
+            </a:pPr>
+            <a:r>
+              <a:rPr lang="tr-TR" sz="2000" dirty="0"/>
+              <a:t>Pos-</a:t>
+            </a:r>
+            <a:r>
+              <a:rPr lang="tr-TR" sz="2000" dirty="0" err="1"/>
+              <a:t>tagging</a:t>
+            </a:r>
+            <a:r>
+              <a:rPr lang="tr-TR" sz="2000" dirty="0"/>
+              <a:t> </a:t>
+            </a:r>
+            <a:r>
+              <a:rPr lang="tr-TR" sz="2000" dirty="0" err="1"/>
+              <a:t>and</a:t>
+            </a:r>
+            <a:r>
+              <a:rPr lang="tr-TR" sz="2000" dirty="0"/>
+              <a:t> </a:t>
+            </a:r>
+            <a:r>
+              <a:rPr lang="tr-TR" sz="2000" dirty="0" err="1"/>
+              <a:t>using</a:t>
+            </a:r>
+            <a:r>
+              <a:rPr lang="tr-TR" sz="2000" dirty="0"/>
+              <a:t> </a:t>
+            </a:r>
+            <a:r>
+              <a:rPr lang="tr-TR" sz="2000" dirty="0" err="1"/>
+              <a:t>Headword</a:t>
+            </a:r>
+            <a:endParaRPr lang="tr-TR" sz="2000" dirty="0"/>
+          </a:p>
+          <a:p>
+            <a:pPr lvl="3">
+              <a:lnSpc>
+                <a:spcPct val="100000"/>
+              </a:lnSpc>
+            </a:pPr>
+            <a:r>
+              <a:rPr lang="tr-TR" sz="1800" dirty="0" err="1"/>
+              <a:t>Improvement</a:t>
+            </a:r>
+            <a:r>
+              <a:rPr lang="tr-TR" sz="1800" dirty="0"/>
+              <a:t> </a:t>
+            </a:r>
+            <a:r>
+              <a:rPr lang="tr-TR" sz="1800" dirty="0" err="1"/>
+              <a:t>by</a:t>
+            </a:r>
+            <a:r>
+              <a:rPr lang="tr-TR" sz="1800" dirty="0"/>
+              <a:t>  4.4%</a:t>
+            </a:r>
+          </a:p>
+          <a:p>
+            <a:pPr lvl="3">
+              <a:lnSpc>
+                <a:spcPct val="100000"/>
+              </a:lnSpc>
+            </a:pPr>
+            <a:r>
+              <a:rPr lang="tr-TR" sz="1800" b="1" dirty="0" err="1"/>
+              <a:t>Performance</a:t>
+            </a:r>
+            <a:r>
+              <a:rPr lang="tr-TR" sz="1800" b="1" dirty="0"/>
+              <a:t>: </a:t>
+            </a:r>
+            <a:r>
+              <a:rPr lang="tr-TR" sz="1800" dirty="0"/>
+              <a:t>55.4% </a:t>
+            </a:r>
+            <a:r>
+              <a:rPr lang="tr-TR" sz="1800" dirty="0" err="1"/>
+              <a:t>correct</a:t>
+            </a:r>
+            <a:r>
+              <a:rPr lang="tr-TR" sz="1800" dirty="0"/>
+              <a:t> </a:t>
+            </a:r>
+            <a:r>
+              <a:rPr lang="tr-TR" sz="1800" dirty="0" err="1"/>
+              <a:t>normalization</a:t>
+            </a:r>
+            <a:r>
+              <a:rPr lang="tr-TR" sz="1800" dirty="0"/>
+              <a:t> in dev set</a:t>
+            </a:r>
+          </a:p>
+          <a:p>
+            <a:pPr marL="91440" lvl="2" indent="-91440">
+              <a:spcBef>
+                <a:spcPts val="1200"/>
+              </a:spcBef>
+              <a:spcAft>
+                <a:spcPts val="200"/>
+              </a:spcAft>
+              <a:buSzPct val="100000"/>
+              <a:buFont typeface="Wingdings" panose="05000000000000000000" pitchFamily="2" charset="2"/>
+              <a:buChar char="Ø"/>
+            </a:pPr>
+            <a:r>
+              <a:rPr lang="tr-TR" sz="2000" dirty="0" err="1"/>
+              <a:t>Rule</a:t>
+            </a:r>
+            <a:r>
+              <a:rPr lang="tr-TR" sz="2000" dirty="0"/>
+              <a:t> </a:t>
+            </a:r>
+            <a:r>
+              <a:rPr lang="tr-TR" sz="2000" dirty="0" err="1"/>
+              <a:t>based</a:t>
+            </a:r>
+            <a:r>
+              <a:rPr lang="tr-TR" sz="2000" dirty="0"/>
+              <a:t> </a:t>
+            </a:r>
+            <a:r>
+              <a:rPr lang="tr-TR" sz="2000" dirty="0" err="1"/>
+              <a:t>Normalization</a:t>
+            </a:r>
+            <a:endParaRPr lang="tr-TR" sz="2000" dirty="0"/>
+          </a:p>
+          <a:p>
+            <a:pPr lvl="3">
+              <a:lnSpc>
+                <a:spcPct val="100000"/>
+              </a:lnSpc>
+            </a:pPr>
+            <a:r>
+              <a:rPr lang="tr-TR" sz="1800" dirty="0" err="1"/>
+              <a:t>Improvement</a:t>
+            </a:r>
+            <a:r>
+              <a:rPr lang="tr-TR" sz="1800" dirty="0"/>
+              <a:t> </a:t>
+            </a:r>
+            <a:r>
+              <a:rPr lang="tr-TR" sz="1800" dirty="0" err="1"/>
+              <a:t>by</a:t>
+            </a:r>
+            <a:r>
+              <a:rPr lang="tr-TR" sz="1800" dirty="0"/>
+              <a:t>  4.3 %</a:t>
+            </a:r>
+          </a:p>
+          <a:p>
+            <a:pPr lvl="3">
+              <a:lnSpc>
+                <a:spcPct val="100000"/>
+              </a:lnSpc>
+            </a:pPr>
+            <a:r>
+              <a:rPr lang="tr-TR" sz="1800" b="1" dirty="0" err="1"/>
+              <a:t>Performance</a:t>
+            </a:r>
+            <a:r>
+              <a:rPr lang="tr-TR" sz="1800" b="1" dirty="0"/>
+              <a:t>: </a:t>
+            </a:r>
+            <a:r>
+              <a:rPr lang="tr-TR" sz="1800" dirty="0"/>
+              <a:t>59.7% </a:t>
+            </a:r>
+            <a:r>
+              <a:rPr lang="tr-TR" sz="1800" dirty="0" err="1"/>
+              <a:t>correct</a:t>
+            </a:r>
+            <a:r>
+              <a:rPr lang="tr-TR" sz="1800" dirty="0"/>
+              <a:t> </a:t>
+            </a:r>
+            <a:r>
+              <a:rPr lang="tr-TR" sz="1800" dirty="0" err="1"/>
+              <a:t>normalization</a:t>
+            </a:r>
+            <a:r>
+              <a:rPr lang="tr-TR" sz="1800" dirty="0"/>
+              <a:t> in dev set</a:t>
             </a:r>
           </a:p>
           <a:p>
@@ -5928,19 +6203,20 @@
               <a:buChar char="Ø"/>
             </a:pPr>
             <a:r>
+              <a:rPr lang="tr-TR" dirty="0" err="1"/>
+              <a:t>e.g</a:t>
+            </a:r>
+            <a:r>
               <a:rPr lang="tr-TR" dirty="0"/>
-              <a:t>.</a:t>
-            </a:r>
-            <a:endParaRPr lang="en-US" dirty="0"/>
-          </a:p>
-          <a:p>
-            <a:pPr>
-              <a:buFont typeface="Wingdings" panose="05000000000000000000" pitchFamily="2" charset="2"/>
-              <a:buChar char="Ø"/>
-            </a:pPr>
-            <a:r>
-              <a:rPr lang="en-US" dirty="0"/>
-              <a:t>Improving TF-IDF</a:t>
+              <a:t>. ‘</a:t>
+            </a:r>
+            <a:r>
+              <a:rPr lang="tr-TR" dirty="0" err="1"/>
+              <a:t>rind</a:t>
+            </a:r>
+            <a:r>
+              <a:rPr lang="tr-TR" dirty="0"/>
+              <a:t>’</a:t>
             </a:r>
           </a:p>
           <a:p>
@@ -5949,11 +6225,42 @@
               <a:buChar char="Ø"/>
             </a:pPr>
             <a:r>
-              <a:rPr lang="en-US" dirty="0"/>
-              <a:t>BOW model -&gt; character-level, n-grams [2]</a:t>
-            </a:r>
-          </a:p>
-          <a:p>
+              <a:rPr lang="tr-TR" dirty="0" err="1"/>
+              <a:t>Cheese</a:t>
+            </a:r>
+            <a:r>
+              <a:rPr lang="tr-TR" dirty="0"/>
+              <a:t> </a:t>
+            </a:r>
+            <a:r>
+              <a:rPr lang="tr-TR" dirty="0" err="1"/>
+              <a:t>rind</a:t>
+            </a:r>
+            <a:r>
+              <a:rPr lang="tr-TR" dirty="0"/>
+              <a:t>, </a:t>
+            </a:r>
+            <a:r>
+              <a:rPr lang="tr-TR" dirty="0" err="1"/>
+              <a:t>mozarella</a:t>
+            </a:r>
+            <a:r>
+              <a:rPr lang="tr-TR" dirty="0"/>
+              <a:t> </a:t>
+            </a:r>
+            <a:r>
+              <a:rPr lang="tr-TR" dirty="0" err="1"/>
+              <a:t>rind</a:t>
+            </a:r>
+            <a:endParaRPr lang="en-US" dirty="0"/>
+          </a:p>
+          <a:p>
+            <a:endParaRPr lang="en-US" dirty="0"/>
+          </a:p>
+          <a:p>
+            <a:pPr marL="0" indent="0">
+              <a:buNone/>
+            </a:pPr>
             <a:endParaRPr lang="en-US" dirty="0"/>
           </a:p>
         </p:txBody>
@@ -5961,7 +6268,7 @@
     </p:spTree>
     <p:extLst>
       <p:ext uri="{BB962C8B-B14F-4D97-AF65-F5344CB8AC3E}">
-        <p14:creationId xmlns:p14="http://schemas.microsoft.com/office/powerpoint/2010/main" val="136936580"/>
+        <p14:creationId xmlns:p14="http://schemas.microsoft.com/office/powerpoint/2010/main" val="62885129"/>
       </p:ext>
     </p:extLst>
   </p:cSld>
@@ -6083,16 +6390,12 @@
               <a:buChar char="Ø"/>
             </a:pPr>
             <a:r>
+              <a:rPr lang="tr-TR" sz="2000" dirty="0"/>
+              <a:t>Word </a:t>
+            </a:r>
+            <a:r>
               <a:rPr lang="tr-TR" sz="2000" dirty="0" err="1"/>
-              <a:t>Tf-idf</a:t>
-            </a:r>
-            <a:r>
-              <a:rPr lang="tr-TR" sz="2000" dirty="0"/>
-              <a:t> </a:t>
-            </a:r>
-            <a:r>
-              <a:rPr lang="tr-TR" sz="2000" dirty="0" err="1"/>
-              <a:t>Vectors</a:t>
+              <a:t>Embeddings</a:t>
             </a:r>
             <a:endParaRPr lang="tr-TR" sz="2000" dirty="0"/>
           </a:p>
@@ -6116,7 +6419,7 @@
             </a:r>
             <a:r>
               <a:rPr lang="tr-TR" sz="1800" dirty="0"/>
-              <a:t>  . %</a:t>
+              <a:t>  3.2%</a:t>
             </a:r>
           </a:p>
           <a:p>
@@ -6131,235 +6434,15 @@
             </a:r>
             <a:r>
               <a:rPr lang="tr-TR" sz="1800" b="1" dirty="0"/>
-              <a:t>: .</a:t>
+              <a:t>: </a:t>
             </a:r>
             <a:r>
               <a:rPr lang="tr-TR" sz="1800" dirty="0"/>
-              <a:t>% </a:t>
-            </a:r>
-            <a:r>
-              <a:rPr lang="tr-TR" sz="1800" dirty="0" err="1"/>
-              <a:t>correct</a:t>
-            </a:r>
-            <a:r>
-              <a:rPr lang="tr-TR" sz="1800" dirty="0"/>
+              <a:t>62.9</a:t>
+            </a:r>
+            <a:r>
+              <a:rPr lang="tr-TR" sz="1800" b="1" dirty="0"/>
               <a:t> </a:t>
-            </a:r>
-            <a:r>
-              <a:rPr lang="tr-TR" sz="1800" dirty="0" err="1"/>
-              <a:t>normalization</a:t>
-            </a:r>
-            <a:r>
-              <a:rPr lang="tr-TR" sz="1800" dirty="0"/>
-              <a:t> in dev set</a:t>
-            </a:r>
-          </a:p>
-          <a:p>
-            <a:pPr marL="91440" lvl="2" indent="-91440">
-              <a:spcBef>
-                <a:spcPts val="1200"/>
-              </a:spcBef>
-              <a:spcAft>
-                <a:spcPts val="200"/>
-              </a:spcAft>
-              <a:buSzPct val="100000"/>
-              <a:buFont typeface="Wingdings" panose="05000000000000000000" pitchFamily="2" charset="2"/>
-              <a:buChar char="Ø"/>
-            </a:pPr>
-            <a:r>
-              <a:rPr lang="tr-TR" sz="2000" dirty="0" err="1"/>
-              <a:t>Rule</a:t>
-            </a:r>
-            <a:r>
-              <a:rPr lang="tr-TR" sz="2000" dirty="0"/>
-              <a:t> </a:t>
-            </a:r>
-            <a:r>
-              <a:rPr lang="tr-TR" sz="2000" dirty="0" err="1"/>
-              <a:t>based</a:t>
-            </a:r>
-            <a:r>
-              <a:rPr lang="tr-TR" sz="2000" dirty="0"/>
-              <a:t> </a:t>
-            </a:r>
-            <a:r>
-              <a:rPr lang="tr-TR" sz="2000" dirty="0" err="1"/>
-              <a:t>Normalization</a:t>
-            </a:r>
-            <a:endParaRPr lang="tr-TR" sz="2000" dirty="0"/>
-          </a:p>
-          <a:p>
-            <a:pPr lvl="3">
-              <a:lnSpc>
-                <a:spcPct val="100000"/>
-              </a:lnSpc>
-            </a:pPr>
-            <a:r>
-              <a:rPr lang="tr-TR" sz="1800" dirty="0" err="1"/>
-              <a:t>Improvement</a:t>
-            </a:r>
-            <a:r>
-              <a:rPr lang="tr-TR" sz="1800" dirty="0"/>
-              <a:t> </a:t>
-            </a:r>
-            <a:r>
-              <a:rPr lang="tr-TR" sz="1800" dirty="0" err="1"/>
-              <a:t>by</a:t>
-            </a:r>
-            <a:r>
-              <a:rPr lang="tr-TR" sz="1800" dirty="0"/>
-              <a:t>  . %</a:t>
-            </a:r>
-          </a:p>
-          <a:p>
-            <a:pPr lvl="3">
-              <a:lnSpc>
-                <a:spcPct val="100000"/>
-              </a:lnSpc>
-            </a:pPr>
-            <a:r>
-              <a:rPr lang="tr-TR" sz="1800" b="1" dirty="0" err="1"/>
-              <a:t>Performance</a:t>
-            </a:r>
-            <a:r>
-              <a:rPr lang="tr-TR" sz="1800" b="1" dirty="0"/>
-              <a:t>: .</a:t>
-            </a:r>
-            <a:r>
-              <a:rPr lang="tr-TR" sz="1800" dirty="0"/>
-              <a:t>% </a:t>
-            </a:r>
-            <a:r>
-              <a:rPr lang="tr-TR" sz="1800" dirty="0" err="1"/>
-              <a:t>correct</a:t>
-            </a:r>
-            <a:r>
-              <a:rPr lang="tr-TR" sz="1800" dirty="0"/>
-              <a:t> </a:t>
-            </a:r>
-            <a:r>
-              <a:rPr lang="tr-TR" sz="1800" dirty="0" err="1"/>
-              <a:t>normalization</a:t>
-            </a:r>
-            <a:r>
-              <a:rPr lang="tr-TR" sz="1800" dirty="0"/>
-              <a:t> in dev set</a:t>
-            </a:r>
-          </a:p>
-          <a:p>
-            <a:pPr lvl="2">
-              <a:buFont typeface="Wingdings" panose="05000000000000000000" pitchFamily="2" charset="2"/>
-              <a:buChar char="Ø"/>
-            </a:pPr>
-            <a:r>
-              <a:rPr lang="tr-TR" dirty="0" err="1"/>
-              <a:t>e.g</a:t>
-            </a:r>
-            <a:r>
-              <a:rPr lang="tr-TR" dirty="0"/>
-              <a:t>. ‘</a:t>
-            </a:r>
-            <a:r>
-              <a:rPr lang="tr-TR" dirty="0" err="1"/>
-              <a:t>rind</a:t>
-            </a:r>
-            <a:r>
-              <a:rPr lang="tr-TR" dirty="0"/>
-              <a:t>’</a:t>
-            </a:r>
-          </a:p>
-          <a:p>
-            <a:pPr lvl="2">
-              <a:buFont typeface="Wingdings" panose="05000000000000000000" pitchFamily="2" charset="2"/>
-              <a:buChar char="Ø"/>
-            </a:pPr>
-            <a:r>
-              <a:rPr lang="tr-TR" dirty="0" err="1"/>
-              <a:t>Cheese</a:t>
-            </a:r>
-            <a:r>
-              <a:rPr lang="tr-TR" dirty="0"/>
-              <a:t> </a:t>
-            </a:r>
-            <a:r>
-              <a:rPr lang="tr-TR" dirty="0" err="1"/>
-              <a:t>rind</a:t>
-            </a:r>
-            <a:r>
-              <a:rPr lang="tr-TR" dirty="0"/>
-              <a:t>, </a:t>
-            </a:r>
-            <a:r>
-              <a:rPr lang="tr-TR" dirty="0" err="1"/>
-              <a:t>mozarella</a:t>
-            </a:r>
-            <a:r>
-              <a:rPr lang="tr-TR" dirty="0"/>
-              <a:t> </a:t>
-            </a:r>
-            <a:r>
-              <a:rPr lang="tr-TR" dirty="0" err="1"/>
-              <a:t>rind</a:t>
-            </a:r>
-            <a:endParaRPr lang="tr-TR" b="1" dirty="0"/>
-          </a:p>
-          <a:p>
-            <a:pPr marL="91440" lvl="2" indent="-91440">
-              <a:spcBef>
-                <a:spcPts val="1200"/>
-              </a:spcBef>
-              <a:spcAft>
-                <a:spcPts val="200"/>
-              </a:spcAft>
-              <a:buSzPct val="100000"/>
-              <a:buFont typeface="Wingdings" panose="05000000000000000000" pitchFamily="2" charset="2"/>
-              <a:buChar char="Ø"/>
-            </a:pPr>
-            <a:r>
-              <a:rPr lang="tr-TR" sz="2000" dirty="0" err="1"/>
-              <a:t>Bio</a:t>
-            </a:r>
-            <a:r>
-              <a:rPr lang="tr-TR" sz="2000" dirty="0"/>
-              <a:t>-bert</a:t>
-            </a:r>
-          </a:p>
-          <a:p>
-            <a:pPr lvl="3">
-              <a:lnSpc>
-                <a:spcPct val="100000"/>
-              </a:lnSpc>
-            </a:pPr>
-            <a:r>
-              <a:rPr lang="tr-TR" sz="1800" dirty="0" err="1"/>
-              <a:t>Improvement</a:t>
-            </a:r>
-            <a:r>
-              <a:rPr lang="tr-TR" sz="1800" dirty="0"/>
-              <a:t> </a:t>
-            </a:r>
-            <a:r>
-              <a:rPr lang="tr-TR" sz="1800" dirty="0" err="1"/>
-              <a:t>by</a:t>
-            </a:r>
-            <a:r>
-              <a:rPr lang="tr-TR" sz="1800" dirty="0"/>
-              <a:t>  . %</a:t>
-            </a:r>
-          </a:p>
-          <a:p>
-            <a:pPr lvl="3">
-              <a:lnSpc>
-                <a:spcPct val="100000"/>
-              </a:lnSpc>
-            </a:pPr>
-            <a:r>
-              <a:rPr lang="tr-TR" sz="1800" b="1" dirty="0" err="1"/>
-              <a:t>Performance</a:t>
-            </a:r>
-            <a:r>
-              <a:rPr lang="tr-TR" sz="1800" b="1" dirty="0"/>
-              <a:t>: .</a:t>
             </a:r>
             <a:r>
               <a:rPr lang="tr-TR" sz="1800" dirty="0"/>
@@ -6400,7 +6483,7 @@
     </p:spTree>
     <p:extLst>
       <p:ext uri="{BB962C8B-B14F-4D97-AF65-F5344CB8AC3E}">
-        <p14:creationId xmlns:p14="http://schemas.microsoft.com/office/powerpoint/2010/main" val="62885129"/>
+        <p14:creationId xmlns:p14="http://schemas.microsoft.com/office/powerpoint/2010/main" val="790233289"/>
       </p:ext>
     </p:extLst>
   </p:cSld>
@@ -6498,14 +6581,14 @@
             <p:ph idx="1"/>
             <p:extLst>
               <p:ext uri="{D42A27DB-BD31-4B8C-83A1-F6EECF244321}">
-                <p14:modId xmlns:p14="http://schemas.microsoft.com/office/powerpoint/2010/main" val="3988383441"/>
+                <p14:modId xmlns:p14="http://schemas.microsoft.com/office/powerpoint/2010/main" val="3093284775"/>
               </p:ext>
             </p:extLst>
           </p:nvPr>
         </p:nvGraphicFramePr>
         <p:xfrm>
           <a:off x="1096961" y="1846263"/>
-          <a:ext cx="10058400" cy="3820110"/>
+          <a:ext cx="10058400" cy="4240181"/>
         </p:xfrm>
         <a:graphic>
           <a:graphicData uri="http://schemas.openxmlformats.org/drawingml/2006/table">
@@ -6536,7 +6619,7 @@
                   </a:extLst>
                 </a:gridCol>
               </a:tblGrid>
-              <a:tr h="545730">
+              <a:tr h="501904">
                 <a:tc>
                   <a:txBody>
                     <a:bodyPr/>
@@ -6599,7 +6682,7 @@
                   </a:ext>
                 </a:extLst>
               </a:tr>
-              <a:tr h="545730">
+              <a:tr h="501904">
                 <a:tc>
                   <a:txBody>
                     <a:bodyPr/>
@@ -6607,7 +6690,7 @@
                     <a:p>
                       <a:r>
                         <a:rPr lang="tr-TR" dirty="0" err="1"/>
-                        <a:t>Jaccard</a:t>
+                        <a:t>Exact</a:t>
                       </a:r>
                       <a:r>
                         <a:rPr lang="tr-TR" dirty="0"/>
@@ -6615,7 +6698,15 @@
                       </a:r>
                       <a:r>
                         <a:rPr lang="tr-TR" dirty="0" err="1"/>
-                        <a:t>Similarity</a:t>
+                        <a:t>Match</a:t>
+                      </a:r>
+                      <a:r>
+                        <a:rPr lang="tr-TR" dirty="0"/>
+                        <a:t> + </a:t>
+                      </a:r>
+                      <a:r>
+                        <a:rPr lang="tr-TR" dirty="0" err="1"/>
+                        <a:t>tf-idf</a:t>
                       </a:r>
                       <a:r>
                         <a:rPr lang="tr-TR" dirty="0"/>
@@ -6623,7 +6714,7 @@
                       </a:r>
                       <a:r>
                         <a:rPr lang="tr-TR" dirty="0" err="1"/>
-                        <a:t>by</a:t>
+                        <a:t>onto</a:t>
                       </a:r>
                       <a:r>
                         <a:rPr lang="tr-TR" dirty="0"/>
@@ -6631,7 +6722,7 @@
                       </a:r>
                       <a:r>
                         <a:rPr lang="tr-TR" dirty="0" err="1"/>
-                        <a:t>Tokens</a:t>
+                        <a:t>Biotope</a:t>
                       </a:r>
                       <a:endParaRPr lang="en-US" dirty="0"/>
                     </a:p>
@@ -6643,7 +6734,12 @@
                     <a:bodyPr/>
                     <a:lstStyle/>
                     <a:p>
-                      <a:endParaRPr lang="en-US"/>
+                      <a:pPr algn="ctr"/>
+                      <a:r>
+                        <a:rPr lang="tr-TR" dirty="0"/>
+                        <a:t>1%</a:t>
+                      </a:r>
+                      <a:endParaRPr lang="en-US" dirty="0"/>
                     </a:p>
                   </a:txBody>
                   <a:tcPr anchor="ctr"/>
@@ -6653,7 +6749,12 @@
                     <a:bodyPr/>
                     <a:lstStyle/>
                     <a:p>
-                      <a:endParaRPr lang="en-US"/>
+                      <a:pPr algn="ctr"/>
+                      <a:r>
+                        <a:rPr lang="tr-TR" dirty="0"/>
+                        <a:t>39%</a:t>
+                      </a:r>
+                      <a:endParaRPr lang="en-US" dirty="0"/>
                     </a:p>
                   </a:txBody>
                   <a:tcPr anchor="ctr"/>
@@ -6664,7 +6765,102 @@
                   </a:ext>
                 </a:extLst>
               </a:tr>
-              <a:tr h="545730">
+              <a:tr h="588677">
+                <a:tc>
+                  <a:txBody>
+                    <a:bodyPr/>
+                    <a:lstStyle/>
+                    <a:p>
+                      <a:r>
+                        <a:rPr lang="tr-TR" dirty="0" err="1"/>
+                        <a:t>Jaccard</a:t>
+                      </a:r>
+                      <a:r>
+                        <a:rPr lang="tr-TR" dirty="0"/>
+                        <a:t> </a:t>
+                      </a:r>
+                      <a:r>
+                        <a:rPr lang="tr-TR" dirty="0" err="1"/>
+                        <a:t>Similarity</a:t>
+                      </a:r>
+                      <a:r>
+                        <a:rPr lang="tr-TR" dirty="0"/>
+                        <a:t> </a:t>
+                      </a:r>
+                      <a:r>
+                        <a:rPr lang="tr-TR" dirty="0" err="1"/>
+                        <a:t>by</a:t>
+                      </a:r>
+                      <a:r>
+                        <a:rPr lang="tr-TR" dirty="0"/>
+                        <a:t> </a:t>
+                      </a:r>
+                      <a:r>
+                        <a:rPr lang="tr-TR" dirty="0" err="1"/>
+                        <a:t>Tokens</a:t>
+                      </a:r>
+                      <a:endParaRPr lang="en-US" dirty="0"/>
+                    </a:p>
+                  </a:txBody>
+                  <a:tcPr anchor="ctr"/>
+                </a:tc>
+                <a:tc>
+                  <a:txBody>
+                    <a:bodyPr/>
+                    <a:lstStyle/>
+                    <a:p>
+                      <a:pPr algn="ctr"/>
+                      <a:r>
+                        <a:rPr lang="tr-TR" dirty="0"/>
+                        <a:t>2%</a:t>
+                      </a:r>
+                      <a:endParaRPr lang="en-US" dirty="0"/>
+                    </a:p>
+                  </a:txBody>
+                  <a:tcPr anchor="ctr"/>
+                </a:tc>
+                <a:tc>
+                  <a:txBody>
+                    <a:bodyPr/>
+                    <a:lstStyle/>
+                    <a:p>
+                      <a:pPr marL="0" marR="0" lvl="0" indent="0" algn="ctr" defTabSz="914400" rtl="0" eaLnBrk="1" fontAlgn="auto" latinLnBrk="0" hangingPunct="1">
+                        <a:lnSpc>
+                          <a:spcPct val="100000"/>
+                        </a:lnSpc>
+                        <a:spcBef>
+                          <a:spcPts val="0"/>
+                        </a:spcBef>
+                        <a:spcAft>
+                          <a:spcPts val="0"/>
+                        </a:spcAft>
+                        <a:buClrTx/>
+                        <a:buSzTx/>
+                        <a:buFontTx/>
+                        <a:buNone/>
+                        <a:tabLst/>
+                        <a:defRPr/>
+                      </a:pPr>
+                      <a:r>
+                        <a:rPr lang="tr-TR" dirty="0"/>
+                        <a:t>41%</a:t>
+                      </a:r>
+                      <a:endParaRPr lang="en-US" dirty="0"/>
+                    </a:p>
+                    <a:p>
+                      <a:pPr algn="ctr"/>
+                      <a:endParaRPr lang="en-US" dirty="0"/>
+                    </a:p>
+                  </a:txBody>
+                  <a:tcPr anchor="ctr"/>
+                </a:tc>
+                <a:extLst>
+                  <a:ext uri="{0D108BD9-81ED-4DB2-BD59-A6C34878D82A}">
+                    <a16:rowId xmlns:a16="http://schemas.microsoft.com/office/drawing/2014/main" val="2304387015"/>
+                  </a:ext>
+                </a:extLst>
+              </a:tr>
+              <a:tr h="501904">
                 <a:tc>
                   <a:txBody>
                     <a:bodyPr/>
@@ -6721,6 +6917,11 @@
                     <a:bodyPr/>
                     <a:lstStyle/>
                     <a:p>
+                      <a:pPr algn="ctr"/>
+                      <a:r>
+                        <a:rPr lang="tr-TR" dirty="0"/>
+                        <a:t>6%</a:t>
+                      </a:r>
                       <a:endParaRPr lang="en-US" dirty="0"/>
                     </a:p>
                   </a:txBody>
@@ -6731,18 +6932,23 @@
                     <a:bodyPr/>
                     <a:lstStyle/>
                     <a:p>
-                      <a:endParaRPr lang="en-US"/>
+                      <a:pPr algn="ctr"/>
+                      <a:r>
+                        <a:rPr lang="tr-TR" dirty="0"/>
+                        <a:t>47%</a:t>
+                      </a:r>
+                      <a:endParaRPr lang="en-US" dirty="0"/>
                     </a:p>
                   </a:txBody>
                   <a:tcPr anchor="ctr"/>
                 </a:tc>
                 <a:extLst>
                   <a:ext uri="{0D108BD9-81ED-4DB2-BD59-A6C34878D82A}">
-                    <a16:rowId xmlns:a16="http://schemas.microsoft.com/office/drawing/2014/main" val="2304387015"/>
+                    <a16:rowId xmlns:a16="http://schemas.microsoft.com/office/drawing/2014/main" val="3878349987"/>
                   </a:ext>
                 </a:extLst>
               </a:tr>
-              <a:tr h="545730">
+              <a:tr h="501904">
                 <a:tc>
                   <a:txBody>
                     <a:bodyPr/>
@@ -6778,6 +6984,11 @@
                     <a:bodyPr/>
                     <a:lstStyle/>
                     <a:p>
+                      <a:pPr algn="ctr"/>
+                      <a:r>
+                        <a:rPr lang="tr-TR" dirty="0"/>
+                        <a:t>4%</a:t>
+                      </a:r>
                       <a:endParaRPr lang="en-US" dirty="0"/>
                     </a:p>
                   </a:txBody>
@@ -6788,34 +6999,43 @@
                     <a:bodyPr/>
                     <a:lstStyle/>
                     <a:p>
-                      <a:endParaRPr lang="en-US"/>
+                      <a:pPr algn="ctr"/>
+                      <a:r>
+                        <a:rPr lang="tr-TR" dirty="0"/>
+                        <a:t>51%</a:t>
+                      </a:r>
+                      <a:endParaRPr lang="en-US" dirty="0"/>
                     </a:p>
                   </a:txBody>
                   <a:tcPr anchor="ctr"/>
                 </a:tc>
                 <a:extLst>
                   <a:ext uri="{0D108BD9-81ED-4DB2-BD59-A6C34878D82A}">
-                    <a16:rowId xmlns:a16="http://schemas.microsoft.com/office/drawing/2014/main" val="3878349987"/>
+                    <a16:rowId xmlns:a16="http://schemas.microsoft.com/office/drawing/2014/main" val="743764457"/>
                   </a:ext>
                 </a:extLst>
               </a:tr>
-              <a:tr h="545730">
+              <a:tr h="501904">
                 <a:tc>
                   <a:txBody>
                     <a:bodyPr/>
                     <a:lstStyle/>
                     <a:p>
                       <a:r>
+                        <a:rPr lang="tr-TR" dirty="0"/>
+                        <a:t>Pos-</a:t>
+                      </a:r>
+                      <a:r>
                         <a:rPr lang="tr-TR" dirty="0" err="1"/>
-                        <a:t>Tf-idf</a:t>
+                        <a:t>tagger</a:t>
                       </a:r>
                       <a:r>
                         <a:rPr lang="tr-TR" dirty="0"/>
-                        <a:t> </a:t>
+                        <a:t>, </a:t>
                       </a:r>
                       <a:r>
                         <a:rPr lang="tr-TR" dirty="0" err="1"/>
-                        <a:t>Vectors</a:t>
+                        <a:t>Headword</a:t>
                       </a:r>
                       <a:endParaRPr lang="tr-TR" dirty="0"/>
                     </a:p>
@@ -6827,6 +7047,11 @@
                     <a:bodyPr/>
                     <a:lstStyle/>
                     <a:p>
+                      <a:pPr algn="ctr"/>
+                      <a:r>
+                        <a:rPr lang="tr-TR" dirty="0"/>
+                        <a:t>4.4%</a:t>
+                      </a:r>
                       <a:endParaRPr lang="en-US" dirty="0"/>
                     </a:p>
                   </a:txBody>
@@ -6837,50 +7062,11 @@
                     <a:bodyPr/>
                     <a:lstStyle/>
                     <a:p>
-                      <a:endParaRPr lang="en-US"/>
-                    </a:p>
-                  </a:txBody>
-                  <a:tcPr anchor="ctr"/>
-                </a:tc>
-                <a:extLst>
-                  <a:ext uri="{0D108BD9-81ED-4DB2-BD59-A6C34878D82A}">
-                    <a16:rowId xmlns:a16="http://schemas.microsoft.com/office/drawing/2014/main" val="743764457"/>
-                  </a:ext>
-                </a:extLst>
-              </a:tr>
-              <a:tr h="545730">
-                <a:tc>
-                  <a:txBody>
-                    <a:bodyPr/>
-                    <a:lstStyle/>
-                    <a:p>
-                      <a:r>
-                        <a:rPr lang="tr-TR" dirty="0" err="1"/>
-                        <a:t>Bio</a:t>
-                      </a:r>
+                      <a:pPr algn="ctr"/>
                       <a:r>
                         <a:rPr lang="tr-TR" dirty="0"/>
-                        <a:t>-bert</a:t>
-                      </a:r>
-                    </a:p>
-                  </a:txBody>
-                  <a:tcPr anchor="ctr"/>
-                </a:tc>
-                <a:tc>
-                  <a:txBody>
-                    <a:bodyPr/>
-                    <a:lstStyle/>
-                    <a:p>
-                      <a:endParaRPr lang="en-US" dirty="0"/>
-                    </a:p>
-                  </a:txBody>
-                  <a:tcPr anchor="ctr"/>
-                </a:tc>
-                <a:tc>
-                  <a:txBody>
-                    <a:bodyPr/>
-                    <a:lstStyle/>
-                    <a:p>
+                        <a:t>55.4%</a:t>
+                      </a:r>
                       <a:endParaRPr lang="en-US" dirty="0"/>
                     </a:p>
                   </a:txBody>
@@ -6892,7 +7078,7 @@
                   </a:ext>
                 </a:extLst>
               </a:tr>
-              <a:tr h="545730">
+              <a:tr h="588677">
                 <a:tc>
                   <a:txBody>
                     <a:bodyPr/>
@@ -6900,7 +7086,7 @@
                     <a:p>
                       <a:r>
                         <a:rPr lang="tr-TR" dirty="0" err="1"/>
-                        <a:t>Rule-base</a:t>
+                        <a:t>Jaccard</a:t>
                       </a:r>
                       <a:r>
                         <a:rPr lang="tr-TR" dirty="0"/>
@@ -6908,7 +7094,65 @@
                       </a:r>
                       <a:r>
                         <a:rPr lang="tr-TR" dirty="0" err="1"/>
-                        <a:t>Normalization</a:t>
+                        <a:t>Average</a:t>
+                      </a:r>
+                      <a:r>
+                        <a:rPr lang="tr-TR" dirty="0"/>
+                        <a:t> + Rules</a:t>
+                      </a:r>
+                    </a:p>
+                  </a:txBody>
+                  <a:tcPr anchor="ctr"/>
+                </a:tc>
+                <a:tc>
+                  <a:txBody>
+                    <a:bodyPr/>
+                    <a:lstStyle/>
+                    <a:p>
+                      <a:pPr algn="ctr"/>
+                      <a:r>
+                        <a:rPr lang="tr-TR" dirty="0"/>
+                        <a:t>4.3%</a:t>
+                      </a:r>
+                      <a:endParaRPr lang="en-US" dirty="0"/>
+                    </a:p>
+                  </a:txBody>
+                  <a:tcPr anchor="ctr"/>
+                </a:tc>
+                <a:tc>
+                  <a:txBody>
+                    <a:bodyPr/>
+                    <a:lstStyle/>
+                    <a:p>
+                      <a:pPr algn="ctr"/>
+                      <a:r>
+                        <a:rPr lang="tr-TR" dirty="0"/>
+                        <a:t>59.7%</a:t>
+                      </a:r>
+                      <a:endParaRPr lang="en-US" dirty="0"/>
+                    </a:p>
+                  </a:txBody>
+                  <a:tcPr anchor="ctr"/>
+                </a:tc>
+                <a:extLst>
+                  <a:ext uri="{0D108BD9-81ED-4DB2-BD59-A6C34878D82A}">
+                    <a16:rowId xmlns:a16="http://schemas.microsoft.com/office/drawing/2014/main" val="416100336"/>
+                  </a:ext>
+                </a:extLst>
+              </a:tr>
+              <a:tr h="501904">
+                <a:tc>
+                  <a:txBody>
+                    <a:bodyPr/>
+                    <a:lstStyle/>
+                    <a:p>
+                      <a:r>
+                        <a:rPr lang="tr-TR" dirty="0"/>
+                        <a:t>Word </a:t>
+                      </a:r>
+                      <a:r>
+                        <a:rPr lang="tr-TR" dirty="0" err="1"/>
+                        <a:t>Embedding</a:t>
                       </a:r>
                       <a:endParaRPr lang="tr-TR" dirty="0"/>
                     </a:p>
@@ -6920,6 +7164,11 @@
                     <a:bodyPr/>
                     <a:lstStyle/>
                     <a:p>
+                      <a:pPr algn="ctr"/>
+                      <a:r>
+                        <a:rPr lang="tr-TR" dirty="0"/>
+                        <a:t>3.2%</a:t>
+                      </a:r>
                       <a:endParaRPr lang="en-US" dirty="0"/>
                     </a:p>
                   </a:txBody>
@@ -6930,6 +7179,11 @@
                     <a:bodyPr/>
                     <a:lstStyle/>
                     <a:p>
+                      <a:pPr algn="ctr"/>
+                      <a:r>
+                        <a:rPr lang="tr-TR" dirty="0"/>
+                        <a:t>62.9%</a:t>
+                      </a:r>
                       <a:endParaRPr lang="en-US" dirty="0"/>
                     </a:p>
                   </a:txBody>
@@ -6937,7 +7191,7 @@
                 </a:tc>
                 <a:extLst>
                   <a:ext uri="{0D108BD9-81ED-4DB2-BD59-A6C34878D82A}">
-                    <a16:rowId xmlns:a16="http://schemas.microsoft.com/office/drawing/2014/main" val="841159170"/>
+                    <a16:rowId xmlns:a16="http://schemas.microsoft.com/office/drawing/2014/main" val="4065768508"/>
                   </a:ext>
                 </a:extLst>
               </a:tr>

--- a/Presentation/Final Presentation/Final Presentation.pptx
+++ b/Presentation/Final Presentation/Final Presentation.pptx
@@ -25,9 +25,9 @@
     <p:sldId id="293" r:id="rId16"/>
     <p:sldId id="281" r:id="rId17"/>
     <p:sldId id="276" r:id="rId18"/>
-    <p:sldId id="294" r:id="rId19"/>
+    <p:sldId id="284" r:id="rId19"/>
     <p:sldId id="295" r:id="rId20"/>
-    <p:sldId id="284" r:id="rId21"/>
+    <p:sldId id="296" r:id="rId21"/>
     <p:sldId id="269" r:id="rId22"/>
   </p:sldIdLst>
   <p:sldSz cx="12192000" cy="6858000"/>
@@ -1058,7 +1058,7 @@
 <dgm:dataModel xmlns:dgm="http://schemas.openxmlformats.org/drawingml/2006/diagram" xmlns:a="http://schemas.openxmlformats.org/drawingml/2006/main">
   <dgm:ptLst>
     <dgm:pt modelId="{242B4E82-DA51-4FC5-9625-2627949757EE}" type="doc">
-      <dgm:prSet loTypeId="urn:microsoft.com/office/officeart/2005/8/layout/cycle6" loCatId="cycle" qsTypeId="urn:microsoft.com/office/officeart/2005/8/quickstyle/simple1" qsCatId="simple" csTypeId="urn:microsoft.com/office/officeart/2005/8/colors/colorful1" csCatId="colorful"/>
+      <dgm:prSet loTypeId="urn:microsoft.com/office/officeart/2005/8/layout/cycle6" loCatId="cycle" qsTypeId="urn:microsoft.com/office/officeart/2005/8/quickstyle/simple1" qsCatId="simple" csTypeId="urn:microsoft.com/office/officeart/2005/8/colors/colorful1" csCatId="colorful" phldr="1"/>
       <dgm:spPr/>
       <dgm:t>
         <a:bodyPr/>
@@ -1077,7 +1077,7 @@
         <a:p>
           <a:r>
             <a:rPr lang="en-US" dirty="0"/>
-            <a:t>11 different models tried</a:t>
+            <a:t>Tried 9 new models</a:t>
           </a:r>
         </a:p>
       </dgm:t>
@@ -1112,7 +1112,7 @@
         <a:lstStyle/>
         <a:p>
           <a:r>
-            <a:rPr lang="en-US"/>
+            <a:rPr lang="en-US" dirty="0"/>
             <a:t>Developed in an evolutionary way</a:t>
           </a:r>
         </a:p>
@@ -1283,7 +1283,7 @@
           </a:pPr>
           <a:r>
             <a:rPr lang="en-US" sz="3400" kern="1200" dirty="0"/>
-            <a:t>11 different models tried</a:t>
+            <a:t>Tried 9 new models</a:t>
           </a:r>
         </a:p>
       </dsp:txBody>
@@ -1411,7 +1411,7 @@
             <a:buNone/>
           </a:pPr>
           <a:r>
-            <a:rPr lang="en-US" sz="3400" kern="1200"/>
+            <a:rPr lang="en-US" sz="3400" kern="1200" dirty="0"/>
             <a:t>Developed in an evolutionary way</a:t>
           </a:r>
         </a:p>
@@ -3132,11 +3132,71 @@
           <a:bodyPr/>
           <a:lstStyle/>
           <a:p>
+            <a:pPr marL="0" marR="0" lvl="0" indent="0" algn="r" defTabSz="457200" rtl="0" eaLnBrk="1" fontAlgn="auto" latinLnBrk="0" hangingPunct="1">
+              <a:lnSpc>
+                <a:spcPct val="100000"/>
+              </a:lnSpc>
+              <a:spcBef>
+                <a:spcPts val="0"/>
+              </a:spcBef>
+              <a:spcAft>
+                <a:spcPts val="0"/>
+              </a:spcAft>
+              <a:buClrTx/>
+              <a:buSzTx/>
+              <a:buFontTx/>
+              <a:buNone/>
+              <a:tabLst/>
+              <a:defRPr/>
+            </a:pPr>
             <a:fld id="{57424EE7-0D86-4530-8458-5D7EDF287247}" type="slidenum">
-              <a:rPr lang="en-US" smtClean="0"/>
+              <a:rPr kumimoji="0" lang="en-US" sz="1200" b="0" i="0" u="none" strike="noStrike" kern="1200" cap="none" spc="0" normalizeH="0" baseline="0" noProof="0" smtClean="0">
+                <a:ln>
+                  <a:noFill/>
+                </a:ln>
+                <a:solidFill>
+                  <a:prstClr val="black"/>
+                </a:solidFill>
+                <a:effectLst/>
+                <a:uLnTx/>
+                <a:uFillTx/>
+                <a:latin typeface="Calibri" panose="020F0502020204030204"/>
+                <a:ea typeface="+mn-ea"/>
+                <a:cs typeface="+mn-cs"/>
+              </a:rPr>
+              <a:pPr marL="0" marR="0" lvl="0" indent="0" algn="r" defTabSz="457200" rtl="0" eaLnBrk="1" fontAlgn="auto" latinLnBrk="0" hangingPunct="1">
+                <a:lnSpc>
+                  <a:spcPct val="100000"/>
+                </a:lnSpc>
+                <a:spcBef>
+                  <a:spcPts val="0"/>
+                </a:spcBef>
+                <a:spcAft>
+                  <a:spcPts val="0"/>
+                </a:spcAft>
+                <a:buClrTx/>
+                <a:buSzTx/>
+                <a:buFontTx/>
+                <a:buNone/>
+                <a:tabLst/>
+                <a:defRPr/>
+              </a:pPr>
               <a:t>16</a:t>
             </a:fld>
-            <a:endParaRPr lang="en-US"/>
+            <a:endParaRPr kumimoji="0" lang="en-US" sz="1200" b="0" i="0" u="none" strike="noStrike" kern="1200" cap="none" spc="0" normalizeH="0" baseline="0" noProof="0">
+              <a:ln>
+                <a:noFill/>
+              </a:ln>
+              <a:solidFill>
+                <a:prstClr val="black"/>
+              </a:solidFill>
+              <a:effectLst/>
+              <a:uLnTx/>
+              <a:uFillTx/>
+              <a:latin typeface="Calibri" panose="020F0502020204030204"/>
+              <a:ea typeface="+mn-ea"/>
+              <a:cs typeface="+mn-cs"/>
+            </a:endParaRPr>
           </a:p>
         </p:txBody>
       </p:sp>
@@ -6949,18 +7009,19 @@
           </a:p>
           <a:p>
             <a:r>
+              <a:rPr lang="en-US" b="1" dirty="0"/>
+              <a:t>Can Devecİ</a:t>
+            </a:r>
+            <a:endParaRPr lang="en-US" b="1" dirty="0">
+              <a:latin typeface="+mn-lt"/>
+            </a:endParaRPr>
+          </a:p>
+          <a:p>
+            <a:r>
               <a:rPr lang="en-US" dirty="0">
                 <a:latin typeface="+mn-lt"/>
               </a:rPr>
               <a:t>Abdullah Yıldız</a:t>
-            </a:r>
-          </a:p>
-          <a:p>
-            <a:r>
-              <a:rPr lang="en-US" dirty="0">
-                <a:latin typeface="+mn-lt"/>
-              </a:rPr>
-              <a:t>Can Devecİ</a:t>
             </a:r>
           </a:p>
         </p:txBody>
@@ -6981,6 +7042,14 @@
 <file path=ppt/slides/slide10.xml><?xml version="1.0" encoding="utf-8"?>
 <p:sld xmlns:a="http://schemas.openxmlformats.org/drawingml/2006/main" xmlns:r="http://schemas.openxmlformats.org/officeDocument/2006/relationships" xmlns:p="http://schemas.openxmlformats.org/presentationml/2006/main">
   <p:cSld>
+    <p:bg>
+      <p:bgPr>
+        <a:solidFill>
+          <a:schemeClr val="bg1"/>
+        </a:solidFill>
+        <a:effectLst/>
+      </p:bgPr>
+    </p:bg>
     <p:spTree>
       <p:nvGrpSpPr>
         <p:cNvPr id="1" name=""/>
@@ -6995,6 +7064,260 @@
           <a:chExt cx="0" cy="0"/>
         </a:xfrm>
       </p:grpSpPr>
+      <p:sp>
+        <p:nvSpPr>
+          <p:cNvPr id="49" name="Rectangle 48">
+            <a:extLst>
+              <a:ext uri="{FF2B5EF4-FFF2-40B4-BE49-F238E27FC236}">
+                <a16:creationId xmlns:a16="http://schemas.microsoft.com/office/drawing/2014/main" id="{4E4490D0-3672-446A-AC12-B4830333BDDD}"/>
+              </a:ext>
+              <a:ext uri="{C183D7F6-B498-43B3-948B-1728B52AA6E4}">
+                <adec:decorative xmlns:adec="http://schemas.microsoft.com/office/drawing/2017/decorative" val="1"/>
+              </a:ext>
+            </a:extLst>
+          </p:cNvPr>
+          <p:cNvSpPr>
+            <a:spLocks noGrp="1" noRot="1" noChangeAspect="1" noMove="1" noResize="1" noEditPoints="1" noAdjustHandles="1" noChangeArrowheads="1" noChangeShapeType="1" noTextEdit="1"/>
+          </p:cNvSpPr>
+          <p:nvPr>
+            <p:extLst>
+              <p:ext uri="{386F3935-93C4-4BCD-93E2-E3B085C9AB24}">
+                <p16:designElem xmlns:p16="http://schemas.microsoft.com/office/powerpoint/2015/main" val="1"/>
+              </p:ext>
+            </p:extLst>
+          </p:nvPr>
+        </p:nvSpPr>
+        <p:spPr>
+          <a:xfrm>
+            <a:off x="3175" y="6400800"/>
+            <a:ext cx="12188825" cy="457200"/>
+          </a:xfrm>
+          <a:prstGeom prst="rect">
+            <a:avLst/>
+          </a:prstGeom>
+          <a:solidFill>
+            <a:schemeClr val="accent2"/>
+          </a:solidFill>
+          <a:ln>
+            <a:noFill/>
+          </a:ln>
+        </p:spPr>
+        <p:style>
+          <a:lnRef idx="2">
+            <a:schemeClr val="accent1">
+              <a:shade val="50000"/>
+            </a:schemeClr>
+          </a:lnRef>
+          <a:fillRef idx="1">
+            <a:schemeClr val="accent1"/>
+          </a:fillRef>
+          <a:effectRef idx="0">
+            <a:schemeClr val="accent1"/>
+          </a:effectRef>
+          <a:fontRef idx="minor">
+            <a:schemeClr val="lt1"/>
+          </a:fontRef>
+        </p:style>
+      </p:sp>
+      <p:sp>
+        <p:nvSpPr>
+          <p:cNvPr id="51" name="Rectangle 50">
+            <a:extLst>
+              <a:ext uri="{FF2B5EF4-FFF2-40B4-BE49-F238E27FC236}">
+                <a16:creationId xmlns:a16="http://schemas.microsoft.com/office/drawing/2014/main" id="{39CB82C2-DF65-4EC1-8280-F201D50F570B}"/>
+              </a:ext>
+              <a:ext uri="{C183D7F6-B498-43B3-948B-1728B52AA6E4}">
+                <adec:decorative xmlns:adec="http://schemas.microsoft.com/office/drawing/2017/decorative" val="1"/>
+              </a:ext>
+            </a:extLst>
+          </p:cNvPr>
+          <p:cNvSpPr>
+            <a:spLocks noGrp="1" noRot="1" noChangeAspect="1" noMove="1" noResize="1" noEditPoints="1" noAdjustHandles="1" noChangeArrowheads="1" noChangeShapeType="1" noTextEdit="1"/>
+          </p:cNvSpPr>
+          <p:nvPr>
+            <p:extLst>
+              <p:ext uri="{386F3935-93C4-4BCD-93E2-E3B085C9AB24}">
+                <p16:designElem xmlns:p16="http://schemas.microsoft.com/office/powerpoint/2015/main" val="1"/>
+              </p:ext>
+            </p:extLst>
+          </p:nvPr>
+        </p:nvSpPr>
+        <p:spPr>
+          <a:xfrm>
+            <a:off x="15" y="6334316"/>
+            <a:ext cx="12188825" cy="64008"/>
+          </a:xfrm>
+          <a:prstGeom prst="rect">
+            <a:avLst/>
+          </a:prstGeom>
+          <a:solidFill>
+            <a:schemeClr val="accent1"/>
+          </a:solidFill>
+          <a:ln>
+            <a:noFill/>
+          </a:ln>
+        </p:spPr>
+        <p:style>
+          <a:lnRef idx="2">
+            <a:schemeClr val="accent1">
+              <a:shade val="50000"/>
+            </a:schemeClr>
+          </a:lnRef>
+          <a:fillRef idx="1">
+            <a:schemeClr val="accent1"/>
+          </a:fillRef>
+          <a:effectRef idx="0">
+            <a:schemeClr val="accent1"/>
+          </a:effectRef>
+          <a:fontRef idx="minor">
+            <a:schemeClr val="lt1"/>
+          </a:fontRef>
+        </p:style>
+      </p:sp>
+      <p:cxnSp>
+        <p:nvCxnSpPr>
+          <p:cNvPr id="53" name="Straight Connector 52">
+            <a:extLst>
+              <a:ext uri="{FF2B5EF4-FFF2-40B4-BE49-F238E27FC236}">
+                <a16:creationId xmlns:a16="http://schemas.microsoft.com/office/drawing/2014/main" id="{7E1D4427-852B-4B37-8E76-0E9F1810BA2A}"/>
+              </a:ext>
+              <a:ext uri="{C183D7F6-B498-43B3-948B-1728B52AA6E4}">
+                <adec:decorative xmlns:adec="http://schemas.microsoft.com/office/drawing/2017/decorative" val="1"/>
+              </a:ext>
+            </a:extLst>
+          </p:cNvPr>
+          <p:cNvCxnSpPr>
+            <a:cxnSpLocks noGrp="1" noRot="1" noChangeAspect="1" noMove="1" noResize="1" noEditPoints="1" noAdjustHandles="1" noChangeArrowheads="1" noChangeShapeType="1"/>
+          </p:cNvCxnSpPr>
+          <p:nvPr>
+            <p:extLst>
+              <p:ext uri="{386F3935-93C4-4BCD-93E2-E3B085C9AB24}">
+                <p16:designElem xmlns:p16="http://schemas.microsoft.com/office/powerpoint/2015/main" val="1"/>
+              </p:ext>
+            </p:extLst>
+          </p:nvPr>
+        </p:nvCxnSpPr>
+        <p:spPr>
+          <a:xfrm>
+            <a:off x="1207658" y="4343400"/>
+            <a:ext cx="9875520" cy="0"/>
+          </a:xfrm>
+          <a:prstGeom prst="line">
+            <a:avLst/>
+          </a:prstGeom>
+          <a:ln w="6350">
+            <a:solidFill>
+              <a:schemeClr val="tx1">
+                <a:lumMod val="50000"/>
+                <a:lumOff val="50000"/>
+              </a:schemeClr>
+            </a:solidFill>
+          </a:ln>
+        </p:spPr>
+        <p:style>
+          <a:lnRef idx="1">
+            <a:schemeClr val="accent1"/>
+          </a:lnRef>
+          <a:fillRef idx="0">
+            <a:schemeClr val="accent1"/>
+          </a:fillRef>
+          <a:effectRef idx="0">
+            <a:schemeClr val="accent1"/>
+          </a:effectRef>
+          <a:fontRef idx="minor">
+            <a:schemeClr val="tx1"/>
+          </a:fontRef>
+        </p:style>
+      </p:cxnSp>
+      <p:sp useBgFill="1">
+        <p:nvSpPr>
+          <p:cNvPr id="55" name="Rectangle 54">
+            <a:extLst>
+              <a:ext uri="{FF2B5EF4-FFF2-40B4-BE49-F238E27FC236}">
+                <a16:creationId xmlns:a16="http://schemas.microsoft.com/office/drawing/2014/main" id="{FA4CD5CB-D209-4D70-8CA4-629731C59219}"/>
+              </a:ext>
+              <a:ext uri="{C183D7F6-B498-43B3-948B-1728B52AA6E4}">
+                <adec:decorative xmlns:adec="http://schemas.microsoft.com/office/drawing/2017/decorative" val="1"/>
+              </a:ext>
+            </a:extLst>
+          </p:cNvPr>
+          <p:cNvSpPr>
+            <a:spLocks noGrp="1" noRot="1" noChangeAspect="1" noMove="1" noResize="1" noEditPoints="1" noAdjustHandles="1" noChangeArrowheads="1" noChangeShapeType="1" noTextEdit="1"/>
+          </p:cNvSpPr>
+          <p:nvPr>
+            <p:extLst>
+              <p:ext uri="{386F3935-93C4-4BCD-93E2-E3B085C9AB24}">
+                <p16:designElem xmlns:p16="http://schemas.microsoft.com/office/powerpoint/2015/main" val="1"/>
+              </p:ext>
+            </p:extLst>
+          </p:nvPr>
+        </p:nvSpPr>
+        <p:spPr>
+          <a:xfrm>
+            <a:off x="0" y="0"/>
+            <a:ext cx="12192001" cy="6334316"/>
+          </a:xfrm>
+          <a:prstGeom prst="rect">
+            <a:avLst/>
+          </a:prstGeom>
+          <a:ln>
+            <a:noFill/>
+          </a:ln>
+        </p:spPr>
+        <p:style>
+          <a:lnRef idx="2">
+            <a:schemeClr val="accent1">
+              <a:shade val="50000"/>
+            </a:schemeClr>
+          </a:lnRef>
+          <a:fillRef idx="1">
+            <a:schemeClr val="accent1"/>
+          </a:fillRef>
+          <a:effectRef idx="0">
+            <a:schemeClr val="accent1"/>
+          </a:effectRef>
+          <a:fontRef idx="minor">
+            <a:schemeClr val="lt1"/>
+          </a:fontRef>
+        </p:style>
+        <p:txBody>
+          <a:bodyPr rtlCol="0" anchor="ctr"/>
+          <a:lstStyle/>
+          <a:p>
+            <a:pPr marL="0" marR="0" lvl="0" indent="0" algn="ctr" defTabSz="457200" rtl="0" eaLnBrk="1" fontAlgn="auto" latinLnBrk="0" hangingPunct="1">
+              <a:lnSpc>
+                <a:spcPct val="100000"/>
+              </a:lnSpc>
+              <a:spcBef>
+                <a:spcPts val="0"/>
+              </a:spcBef>
+              <a:spcAft>
+                <a:spcPts val="0"/>
+              </a:spcAft>
+              <a:buClrTx/>
+              <a:buSzTx/>
+              <a:buFontTx/>
+              <a:buNone/>
+              <a:tabLst/>
+              <a:defRPr/>
+            </a:pPr>
+            <a:endParaRPr kumimoji="0" lang="en-US" sz="1800" b="0" i="0" u="none" strike="noStrike" kern="1200" cap="none" spc="0" normalizeH="0" baseline="0" noProof="0">
+              <a:ln>
+                <a:noFill/>
+              </a:ln>
+              <a:solidFill>
+                <a:prstClr val="white"/>
+              </a:solidFill>
+              <a:effectLst/>
+              <a:uLnTx/>
+              <a:uFillTx/>
+              <a:latin typeface="Calibri" panose="020F0502020204030204"/>
+              <a:ea typeface="+mn-ea"/>
+              <a:cs typeface="+mn-cs"/>
+            </a:endParaRPr>
+          </a:p>
+        </p:txBody>
+      </p:sp>
       <p:sp>
         <p:nvSpPr>
           <p:cNvPr id="2" name="Title 1">
@@ -7073,6 +7396,170 @@
           </a:prstGeom>
         </p:spPr>
       </p:pic>
+      <p:cxnSp>
+        <p:nvCxnSpPr>
+          <p:cNvPr id="57" name="Straight Connector 56">
+            <a:extLst>
+              <a:ext uri="{FF2B5EF4-FFF2-40B4-BE49-F238E27FC236}">
+                <a16:creationId xmlns:a16="http://schemas.microsoft.com/office/drawing/2014/main" id="{5C6A2BAE-B461-4B55-8E1F-0722ABDD1393}"/>
+              </a:ext>
+              <a:ext uri="{C183D7F6-B498-43B3-948B-1728B52AA6E4}">
+                <adec:decorative xmlns:adec="http://schemas.microsoft.com/office/drawing/2017/decorative" val="1"/>
+              </a:ext>
+            </a:extLst>
+          </p:cNvPr>
+          <p:cNvCxnSpPr>
+            <a:cxnSpLocks noGrp="1" noRot="1" noChangeAspect="1" noMove="1" noResize="1" noEditPoints="1" noAdjustHandles="1" noChangeArrowheads="1" noChangeShapeType="1"/>
+          </p:cNvCxnSpPr>
+          <p:nvPr>
+            <p:extLst>
+              <p:ext uri="{386F3935-93C4-4BCD-93E2-E3B085C9AB24}">
+                <p16:designElem xmlns:p16="http://schemas.microsoft.com/office/powerpoint/2015/main" val="1"/>
+              </p:ext>
+            </p:extLst>
+          </p:nvPr>
+        </p:nvCxnSpPr>
+        <p:spPr>
+          <a:xfrm>
+            <a:off x="8209305" y="4343400"/>
+            <a:ext cx="3200400" cy="0"/>
+          </a:xfrm>
+          <a:prstGeom prst="line">
+            <a:avLst/>
+          </a:prstGeom>
+          <a:ln w="6350">
+            <a:solidFill>
+              <a:schemeClr val="tx2">
+                <a:alpha val="90000"/>
+              </a:schemeClr>
+            </a:solidFill>
+          </a:ln>
+        </p:spPr>
+        <p:style>
+          <a:lnRef idx="1">
+            <a:schemeClr val="accent1"/>
+          </a:lnRef>
+          <a:fillRef idx="0">
+            <a:schemeClr val="accent1"/>
+          </a:fillRef>
+          <a:effectRef idx="0">
+            <a:schemeClr val="accent1"/>
+          </a:effectRef>
+          <a:fontRef idx="minor">
+            <a:schemeClr val="tx1"/>
+          </a:fontRef>
+        </p:style>
+      </p:cxnSp>
+      <p:sp>
+        <p:nvSpPr>
+          <p:cNvPr id="59" name="Rectangle 58">
+            <a:extLst>
+              <a:ext uri="{FF2B5EF4-FFF2-40B4-BE49-F238E27FC236}">
+                <a16:creationId xmlns:a16="http://schemas.microsoft.com/office/drawing/2014/main" id="{B4C27B90-DF2B-4D00-BA07-18ED774CD2F1}"/>
+              </a:ext>
+              <a:ext uri="{C183D7F6-B498-43B3-948B-1728B52AA6E4}">
+                <adec:decorative xmlns:adec="http://schemas.microsoft.com/office/drawing/2017/decorative" val="1"/>
+              </a:ext>
+            </a:extLst>
+          </p:cNvPr>
+          <p:cNvSpPr>
+            <a:spLocks noGrp="1" noRot="1" noChangeAspect="1" noMove="1" noResize="1" noEditPoints="1" noAdjustHandles="1" noChangeArrowheads="1" noChangeShapeType="1" noTextEdit="1"/>
+          </p:cNvSpPr>
+          <p:nvPr>
+            <p:extLst>
+              <p:ext uri="{386F3935-93C4-4BCD-93E2-E3B085C9AB24}">
+                <p16:designElem xmlns:p16="http://schemas.microsoft.com/office/powerpoint/2015/main" val="1"/>
+              </p:ext>
+            </p:extLst>
+          </p:nvPr>
+        </p:nvSpPr>
+        <p:spPr>
+          <a:xfrm>
+            <a:off x="15" y="6334316"/>
+            <a:ext cx="12191985" cy="66484"/>
+          </a:xfrm>
+          <a:prstGeom prst="rect">
+            <a:avLst/>
+          </a:prstGeom>
+          <a:solidFill>
+            <a:schemeClr val="accent1"/>
+          </a:solidFill>
+          <a:ln>
+            <a:noFill/>
+          </a:ln>
+        </p:spPr>
+        <p:style>
+          <a:lnRef idx="2">
+            <a:schemeClr val="accent1">
+              <a:shade val="50000"/>
+            </a:schemeClr>
+          </a:lnRef>
+          <a:fillRef idx="1">
+            <a:schemeClr val="accent1"/>
+          </a:fillRef>
+          <a:effectRef idx="0">
+            <a:schemeClr val="accent1"/>
+          </a:effectRef>
+          <a:fontRef idx="minor">
+            <a:schemeClr val="lt1"/>
+          </a:fontRef>
+        </p:style>
+      </p:sp>
+      <p:sp>
+        <p:nvSpPr>
+          <p:cNvPr id="61" name="Rectangle 60">
+            <a:extLst>
+              <a:ext uri="{FF2B5EF4-FFF2-40B4-BE49-F238E27FC236}">
+                <a16:creationId xmlns:a16="http://schemas.microsoft.com/office/drawing/2014/main" id="{593ACC25-C262-417A-8AA9-0641C772BDB6}"/>
+              </a:ext>
+              <a:ext uri="{C183D7F6-B498-43B3-948B-1728B52AA6E4}">
+                <adec:decorative xmlns:adec="http://schemas.microsoft.com/office/drawing/2017/decorative" val="1"/>
+              </a:ext>
+            </a:extLst>
+          </p:cNvPr>
+          <p:cNvSpPr>
+            <a:spLocks noGrp="1" noRot="1" noChangeAspect="1" noMove="1" noResize="1" noEditPoints="1" noAdjustHandles="1" noChangeArrowheads="1" noChangeShapeType="1" noTextEdit="1"/>
+          </p:cNvSpPr>
+          <p:nvPr>
+            <p:extLst>
+              <p:ext uri="{386F3935-93C4-4BCD-93E2-E3B085C9AB24}">
+                <p16:designElem xmlns:p16="http://schemas.microsoft.com/office/powerpoint/2015/main" val="1"/>
+              </p:ext>
+            </p:extLst>
+          </p:nvPr>
+        </p:nvSpPr>
+        <p:spPr>
+          <a:xfrm>
+            <a:off x="1" y="6400800"/>
+            <a:ext cx="12192000" cy="457200"/>
+          </a:xfrm>
+          <a:prstGeom prst="rect">
+            <a:avLst/>
+          </a:prstGeom>
+          <a:solidFill>
+            <a:schemeClr val="accent2"/>
+          </a:solidFill>
+          <a:ln>
+            <a:noFill/>
+          </a:ln>
+        </p:spPr>
+        <p:style>
+          <a:lnRef idx="2">
+            <a:schemeClr val="accent1">
+              <a:shade val="50000"/>
+            </a:schemeClr>
+          </a:lnRef>
+          <a:fillRef idx="1">
+            <a:schemeClr val="accent1"/>
+          </a:fillRef>
+          <a:effectRef idx="0">
+            <a:schemeClr val="accent1"/>
+          </a:effectRef>
+          <a:fontRef idx="minor">
+            <a:schemeClr val="lt1"/>
+          </a:fontRef>
+        </p:style>
+      </p:sp>
       <p:graphicFrame>
         <p:nvGraphicFramePr>
           <p:cNvPr id="45" name="Table 12">
@@ -7364,6 +7851,14 @@
 <file path=ppt/slides/slide11.xml><?xml version="1.0" encoding="utf-8"?>
 <p:sld xmlns:a="http://schemas.openxmlformats.org/drawingml/2006/main" xmlns:r="http://schemas.openxmlformats.org/officeDocument/2006/relationships" xmlns:p="http://schemas.openxmlformats.org/presentationml/2006/main">
   <p:cSld>
+    <p:bg>
+      <p:bgPr>
+        <a:solidFill>
+          <a:schemeClr val="bg1"/>
+        </a:solidFill>
+        <a:effectLst/>
+      </p:bgPr>
+    </p:bg>
     <p:spTree>
       <p:nvGrpSpPr>
         <p:cNvPr id="1" name=""/>
@@ -7378,6 +7873,260 @@
           <a:chExt cx="0" cy="0"/>
         </a:xfrm>
       </p:grpSpPr>
+      <p:sp>
+        <p:nvSpPr>
+          <p:cNvPr id="36" name="Rectangle 35">
+            <a:extLst>
+              <a:ext uri="{FF2B5EF4-FFF2-40B4-BE49-F238E27FC236}">
+                <a16:creationId xmlns:a16="http://schemas.microsoft.com/office/drawing/2014/main" id="{4E4490D0-3672-446A-AC12-B4830333BDDD}"/>
+              </a:ext>
+              <a:ext uri="{C183D7F6-B498-43B3-948B-1728B52AA6E4}">
+                <adec:decorative xmlns:adec="http://schemas.microsoft.com/office/drawing/2017/decorative" val="1"/>
+              </a:ext>
+            </a:extLst>
+          </p:cNvPr>
+          <p:cNvSpPr>
+            <a:spLocks noGrp="1" noRot="1" noChangeAspect="1" noMove="1" noResize="1" noEditPoints="1" noAdjustHandles="1" noChangeArrowheads="1" noChangeShapeType="1" noTextEdit="1"/>
+          </p:cNvSpPr>
+          <p:nvPr>
+            <p:extLst>
+              <p:ext uri="{386F3935-93C4-4BCD-93E2-E3B085C9AB24}">
+                <p16:designElem xmlns:p16="http://schemas.microsoft.com/office/powerpoint/2015/main" val="1"/>
+              </p:ext>
+            </p:extLst>
+          </p:nvPr>
+        </p:nvSpPr>
+        <p:spPr>
+          <a:xfrm>
+            <a:off x="3175" y="6400800"/>
+            <a:ext cx="12188825" cy="457200"/>
+          </a:xfrm>
+          <a:prstGeom prst="rect">
+            <a:avLst/>
+          </a:prstGeom>
+          <a:solidFill>
+            <a:schemeClr val="accent2"/>
+          </a:solidFill>
+          <a:ln>
+            <a:noFill/>
+          </a:ln>
+        </p:spPr>
+        <p:style>
+          <a:lnRef idx="2">
+            <a:schemeClr val="accent1">
+              <a:shade val="50000"/>
+            </a:schemeClr>
+          </a:lnRef>
+          <a:fillRef idx="1">
+            <a:schemeClr val="accent1"/>
+          </a:fillRef>
+          <a:effectRef idx="0">
+            <a:schemeClr val="accent1"/>
+          </a:effectRef>
+          <a:fontRef idx="minor">
+            <a:schemeClr val="lt1"/>
+          </a:fontRef>
+        </p:style>
+      </p:sp>
+      <p:sp>
+        <p:nvSpPr>
+          <p:cNvPr id="38" name="Rectangle 37">
+            <a:extLst>
+              <a:ext uri="{FF2B5EF4-FFF2-40B4-BE49-F238E27FC236}">
+                <a16:creationId xmlns:a16="http://schemas.microsoft.com/office/drawing/2014/main" id="{39CB82C2-DF65-4EC1-8280-F201D50F570B}"/>
+              </a:ext>
+              <a:ext uri="{C183D7F6-B498-43B3-948B-1728B52AA6E4}">
+                <adec:decorative xmlns:adec="http://schemas.microsoft.com/office/drawing/2017/decorative" val="1"/>
+              </a:ext>
+            </a:extLst>
+          </p:cNvPr>
+          <p:cNvSpPr>
+            <a:spLocks noGrp="1" noRot="1" noChangeAspect="1" noMove="1" noResize="1" noEditPoints="1" noAdjustHandles="1" noChangeArrowheads="1" noChangeShapeType="1" noTextEdit="1"/>
+          </p:cNvSpPr>
+          <p:nvPr>
+            <p:extLst>
+              <p:ext uri="{386F3935-93C4-4BCD-93E2-E3B085C9AB24}">
+                <p16:designElem xmlns:p16="http://schemas.microsoft.com/office/powerpoint/2015/main" val="1"/>
+              </p:ext>
+            </p:extLst>
+          </p:nvPr>
+        </p:nvSpPr>
+        <p:spPr>
+          <a:xfrm>
+            <a:off x="15" y="6334316"/>
+            <a:ext cx="12188825" cy="64008"/>
+          </a:xfrm>
+          <a:prstGeom prst="rect">
+            <a:avLst/>
+          </a:prstGeom>
+          <a:solidFill>
+            <a:schemeClr val="accent1"/>
+          </a:solidFill>
+          <a:ln>
+            <a:noFill/>
+          </a:ln>
+        </p:spPr>
+        <p:style>
+          <a:lnRef idx="2">
+            <a:schemeClr val="accent1">
+              <a:shade val="50000"/>
+            </a:schemeClr>
+          </a:lnRef>
+          <a:fillRef idx="1">
+            <a:schemeClr val="accent1"/>
+          </a:fillRef>
+          <a:effectRef idx="0">
+            <a:schemeClr val="accent1"/>
+          </a:effectRef>
+          <a:fontRef idx="minor">
+            <a:schemeClr val="lt1"/>
+          </a:fontRef>
+        </p:style>
+      </p:sp>
+      <p:cxnSp>
+        <p:nvCxnSpPr>
+          <p:cNvPr id="40" name="Straight Connector 39">
+            <a:extLst>
+              <a:ext uri="{FF2B5EF4-FFF2-40B4-BE49-F238E27FC236}">
+                <a16:creationId xmlns:a16="http://schemas.microsoft.com/office/drawing/2014/main" id="{7E1D4427-852B-4B37-8E76-0E9F1810BA2A}"/>
+              </a:ext>
+              <a:ext uri="{C183D7F6-B498-43B3-948B-1728B52AA6E4}">
+                <adec:decorative xmlns:adec="http://schemas.microsoft.com/office/drawing/2017/decorative" val="1"/>
+              </a:ext>
+            </a:extLst>
+          </p:cNvPr>
+          <p:cNvCxnSpPr>
+            <a:cxnSpLocks noGrp="1" noRot="1" noChangeAspect="1" noMove="1" noResize="1" noEditPoints="1" noAdjustHandles="1" noChangeArrowheads="1" noChangeShapeType="1"/>
+          </p:cNvCxnSpPr>
+          <p:nvPr>
+            <p:extLst>
+              <p:ext uri="{386F3935-93C4-4BCD-93E2-E3B085C9AB24}">
+                <p16:designElem xmlns:p16="http://schemas.microsoft.com/office/powerpoint/2015/main" val="1"/>
+              </p:ext>
+            </p:extLst>
+          </p:nvPr>
+        </p:nvCxnSpPr>
+        <p:spPr>
+          <a:xfrm>
+            <a:off x="1207658" y="4343400"/>
+            <a:ext cx="9875520" cy="0"/>
+          </a:xfrm>
+          <a:prstGeom prst="line">
+            <a:avLst/>
+          </a:prstGeom>
+          <a:ln w="6350">
+            <a:solidFill>
+              <a:schemeClr val="tx1">
+                <a:lumMod val="50000"/>
+                <a:lumOff val="50000"/>
+              </a:schemeClr>
+            </a:solidFill>
+          </a:ln>
+        </p:spPr>
+        <p:style>
+          <a:lnRef idx="1">
+            <a:schemeClr val="accent1"/>
+          </a:lnRef>
+          <a:fillRef idx="0">
+            <a:schemeClr val="accent1"/>
+          </a:fillRef>
+          <a:effectRef idx="0">
+            <a:schemeClr val="accent1"/>
+          </a:effectRef>
+          <a:fontRef idx="minor">
+            <a:schemeClr val="tx1"/>
+          </a:fontRef>
+        </p:style>
+      </p:cxnSp>
+      <p:sp useBgFill="1">
+        <p:nvSpPr>
+          <p:cNvPr id="42" name="Rectangle 41">
+            <a:extLst>
+              <a:ext uri="{FF2B5EF4-FFF2-40B4-BE49-F238E27FC236}">
+                <a16:creationId xmlns:a16="http://schemas.microsoft.com/office/drawing/2014/main" id="{FA4CD5CB-D209-4D70-8CA4-629731C59219}"/>
+              </a:ext>
+              <a:ext uri="{C183D7F6-B498-43B3-948B-1728B52AA6E4}">
+                <adec:decorative xmlns:adec="http://schemas.microsoft.com/office/drawing/2017/decorative" val="1"/>
+              </a:ext>
+            </a:extLst>
+          </p:cNvPr>
+          <p:cNvSpPr>
+            <a:spLocks noGrp="1" noRot="1" noChangeAspect="1" noMove="1" noResize="1" noEditPoints="1" noAdjustHandles="1" noChangeArrowheads="1" noChangeShapeType="1" noTextEdit="1"/>
+          </p:cNvSpPr>
+          <p:nvPr>
+            <p:extLst>
+              <p:ext uri="{386F3935-93C4-4BCD-93E2-E3B085C9AB24}">
+                <p16:designElem xmlns:p16="http://schemas.microsoft.com/office/powerpoint/2015/main" val="1"/>
+              </p:ext>
+            </p:extLst>
+          </p:nvPr>
+        </p:nvSpPr>
+        <p:spPr>
+          <a:xfrm>
+            <a:off x="0" y="0"/>
+            <a:ext cx="12192001" cy="6334316"/>
+          </a:xfrm>
+          <a:prstGeom prst="rect">
+            <a:avLst/>
+          </a:prstGeom>
+          <a:ln>
+            <a:noFill/>
+          </a:ln>
+        </p:spPr>
+        <p:style>
+          <a:lnRef idx="2">
+            <a:schemeClr val="accent1">
+              <a:shade val="50000"/>
+            </a:schemeClr>
+          </a:lnRef>
+          <a:fillRef idx="1">
+            <a:schemeClr val="accent1"/>
+          </a:fillRef>
+          <a:effectRef idx="0">
+            <a:schemeClr val="accent1"/>
+          </a:effectRef>
+          <a:fontRef idx="minor">
+            <a:schemeClr val="lt1"/>
+          </a:fontRef>
+        </p:style>
+        <p:txBody>
+          <a:bodyPr rtlCol="0" anchor="ctr"/>
+          <a:lstStyle/>
+          <a:p>
+            <a:pPr marL="0" marR="0" lvl="0" indent="0" algn="ctr" defTabSz="457200" rtl="0" eaLnBrk="1" fontAlgn="auto" latinLnBrk="0" hangingPunct="1">
+              <a:lnSpc>
+                <a:spcPct val="100000"/>
+              </a:lnSpc>
+              <a:spcBef>
+                <a:spcPts val="0"/>
+              </a:spcBef>
+              <a:spcAft>
+                <a:spcPts val="0"/>
+              </a:spcAft>
+              <a:buClrTx/>
+              <a:buSzTx/>
+              <a:buFontTx/>
+              <a:buNone/>
+              <a:tabLst/>
+              <a:defRPr/>
+            </a:pPr>
+            <a:endParaRPr kumimoji="0" lang="en-US" sz="1800" b="0" i="0" u="none" strike="noStrike" kern="1200" cap="none" spc="0" normalizeH="0" baseline="0" noProof="0">
+              <a:ln>
+                <a:noFill/>
+              </a:ln>
+              <a:solidFill>
+                <a:prstClr val="white"/>
+              </a:solidFill>
+              <a:effectLst/>
+              <a:uLnTx/>
+              <a:uFillTx/>
+              <a:latin typeface="Calibri" panose="020F0502020204030204"/>
+              <a:ea typeface="+mn-ea"/>
+              <a:cs typeface="+mn-cs"/>
+            </a:endParaRPr>
+          </a:p>
+        </p:txBody>
+      </p:sp>
       <p:sp>
         <p:nvSpPr>
           <p:cNvPr id="2" name="Title 1">
@@ -7456,6 +8205,170 @@
           </a:prstGeom>
         </p:spPr>
       </p:pic>
+      <p:cxnSp>
+        <p:nvCxnSpPr>
+          <p:cNvPr id="44" name="Straight Connector 43">
+            <a:extLst>
+              <a:ext uri="{FF2B5EF4-FFF2-40B4-BE49-F238E27FC236}">
+                <a16:creationId xmlns:a16="http://schemas.microsoft.com/office/drawing/2014/main" id="{5C6A2BAE-B461-4B55-8E1F-0722ABDD1393}"/>
+              </a:ext>
+              <a:ext uri="{C183D7F6-B498-43B3-948B-1728B52AA6E4}">
+                <adec:decorative xmlns:adec="http://schemas.microsoft.com/office/drawing/2017/decorative" val="1"/>
+              </a:ext>
+            </a:extLst>
+          </p:cNvPr>
+          <p:cNvCxnSpPr>
+            <a:cxnSpLocks noGrp="1" noRot="1" noChangeAspect="1" noMove="1" noResize="1" noEditPoints="1" noAdjustHandles="1" noChangeArrowheads="1" noChangeShapeType="1"/>
+          </p:cNvCxnSpPr>
+          <p:nvPr>
+            <p:extLst>
+              <p:ext uri="{386F3935-93C4-4BCD-93E2-E3B085C9AB24}">
+                <p16:designElem xmlns:p16="http://schemas.microsoft.com/office/powerpoint/2015/main" val="1"/>
+              </p:ext>
+            </p:extLst>
+          </p:nvPr>
+        </p:nvCxnSpPr>
+        <p:spPr>
+          <a:xfrm>
+            <a:off x="8209305" y="4343400"/>
+            <a:ext cx="3200400" cy="0"/>
+          </a:xfrm>
+          <a:prstGeom prst="line">
+            <a:avLst/>
+          </a:prstGeom>
+          <a:ln w="6350">
+            <a:solidFill>
+              <a:schemeClr val="tx2">
+                <a:alpha val="90000"/>
+              </a:schemeClr>
+            </a:solidFill>
+          </a:ln>
+        </p:spPr>
+        <p:style>
+          <a:lnRef idx="1">
+            <a:schemeClr val="accent1"/>
+          </a:lnRef>
+          <a:fillRef idx="0">
+            <a:schemeClr val="accent1"/>
+          </a:fillRef>
+          <a:effectRef idx="0">
+            <a:schemeClr val="accent1"/>
+          </a:effectRef>
+          <a:fontRef idx="minor">
+            <a:schemeClr val="tx1"/>
+          </a:fontRef>
+        </p:style>
+      </p:cxnSp>
+      <p:sp>
+        <p:nvSpPr>
+          <p:cNvPr id="46" name="Rectangle 45">
+            <a:extLst>
+              <a:ext uri="{FF2B5EF4-FFF2-40B4-BE49-F238E27FC236}">
+                <a16:creationId xmlns:a16="http://schemas.microsoft.com/office/drawing/2014/main" id="{B4C27B90-DF2B-4D00-BA07-18ED774CD2F1}"/>
+              </a:ext>
+              <a:ext uri="{C183D7F6-B498-43B3-948B-1728B52AA6E4}">
+                <adec:decorative xmlns:adec="http://schemas.microsoft.com/office/drawing/2017/decorative" val="1"/>
+              </a:ext>
+            </a:extLst>
+          </p:cNvPr>
+          <p:cNvSpPr>
+            <a:spLocks noGrp="1" noRot="1" noChangeAspect="1" noMove="1" noResize="1" noEditPoints="1" noAdjustHandles="1" noChangeArrowheads="1" noChangeShapeType="1" noTextEdit="1"/>
+          </p:cNvSpPr>
+          <p:nvPr>
+            <p:extLst>
+              <p:ext uri="{386F3935-93C4-4BCD-93E2-E3B085C9AB24}">
+                <p16:designElem xmlns:p16="http://schemas.microsoft.com/office/powerpoint/2015/main" val="1"/>
+              </p:ext>
+            </p:extLst>
+          </p:nvPr>
+        </p:nvSpPr>
+        <p:spPr>
+          <a:xfrm>
+            <a:off x="15" y="6334316"/>
+            <a:ext cx="12191985" cy="66484"/>
+          </a:xfrm>
+          <a:prstGeom prst="rect">
+            <a:avLst/>
+          </a:prstGeom>
+          <a:solidFill>
+            <a:schemeClr val="accent1"/>
+          </a:solidFill>
+          <a:ln>
+            <a:noFill/>
+          </a:ln>
+        </p:spPr>
+        <p:style>
+          <a:lnRef idx="2">
+            <a:schemeClr val="accent1">
+              <a:shade val="50000"/>
+            </a:schemeClr>
+          </a:lnRef>
+          <a:fillRef idx="1">
+            <a:schemeClr val="accent1"/>
+          </a:fillRef>
+          <a:effectRef idx="0">
+            <a:schemeClr val="accent1"/>
+          </a:effectRef>
+          <a:fontRef idx="minor">
+            <a:schemeClr val="lt1"/>
+          </a:fontRef>
+        </p:style>
+      </p:sp>
+      <p:sp>
+        <p:nvSpPr>
+          <p:cNvPr id="48" name="Rectangle 47">
+            <a:extLst>
+              <a:ext uri="{FF2B5EF4-FFF2-40B4-BE49-F238E27FC236}">
+                <a16:creationId xmlns:a16="http://schemas.microsoft.com/office/drawing/2014/main" id="{593ACC25-C262-417A-8AA9-0641C772BDB6}"/>
+              </a:ext>
+              <a:ext uri="{C183D7F6-B498-43B3-948B-1728B52AA6E4}">
+                <adec:decorative xmlns:adec="http://schemas.microsoft.com/office/drawing/2017/decorative" val="1"/>
+              </a:ext>
+            </a:extLst>
+          </p:cNvPr>
+          <p:cNvSpPr>
+            <a:spLocks noGrp="1" noRot="1" noChangeAspect="1" noMove="1" noResize="1" noEditPoints="1" noAdjustHandles="1" noChangeArrowheads="1" noChangeShapeType="1" noTextEdit="1"/>
+          </p:cNvSpPr>
+          <p:nvPr>
+            <p:extLst>
+              <p:ext uri="{386F3935-93C4-4BCD-93E2-E3B085C9AB24}">
+                <p16:designElem xmlns:p16="http://schemas.microsoft.com/office/powerpoint/2015/main" val="1"/>
+              </p:ext>
+            </p:extLst>
+          </p:nvPr>
+        </p:nvSpPr>
+        <p:spPr>
+          <a:xfrm>
+            <a:off x="1" y="6400800"/>
+            <a:ext cx="12192000" cy="457200"/>
+          </a:xfrm>
+          <a:prstGeom prst="rect">
+            <a:avLst/>
+          </a:prstGeom>
+          <a:solidFill>
+            <a:schemeClr val="accent2"/>
+          </a:solidFill>
+          <a:ln>
+            <a:noFill/>
+          </a:ln>
+        </p:spPr>
+        <p:style>
+          <a:lnRef idx="2">
+            <a:schemeClr val="accent1">
+              <a:shade val="50000"/>
+            </a:schemeClr>
+          </a:lnRef>
+          <a:fillRef idx="1">
+            <a:schemeClr val="accent1"/>
+          </a:fillRef>
+          <a:effectRef idx="0">
+            <a:schemeClr val="accent1"/>
+          </a:effectRef>
+          <a:fontRef idx="minor">
+            <a:schemeClr val="lt1"/>
+          </a:fontRef>
+        </p:style>
+      </p:sp>
       <p:graphicFrame>
         <p:nvGraphicFramePr>
           <p:cNvPr id="30" name="Table 12">
@@ -7747,6 +8660,14 @@
 <file path=ppt/slides/slide12.xml><?xml version="1.0" encoding="utf-8"?>
 <p:sld xmlns:a="http://schemas.openxmlformats.org/drawingml/2006/main" xmlns:r="http://schemas.openxmlformats.org/officeDocument/2006/relationships" xmlns:p="http://schemas.openxmlformats.org/presentationml/2006/main">
   <p:cSld>
+    <p:bg>
+      <p:bgPr>
+        <a:solidFill>
+          <a:schemeClr val="bg1"/>
+        </a:solidFill>
+        <a:effectLst/>
+      </p:bgPr>
+    </p:bg>
     <p:spTree>
       <p:nvGrpSpPr>
         <p:cNvPr id="1" name=""/>
@@ -7761,6 +8682,260 @@
           <a:chExt cx="0" cy="0"/>
         </a:xfrm>
       </p:grpSpPr>
+      <p:sp>
+        <p:nvSpPr>
+          <p:cNvPr id="36" name="Rectangle 35">
+            <a:extLst>
+              <a:ext uri="{FF2B5EF4-FFF2-40B4-BE49-F238E27FC236}">
+                <a16:creationId xmlns:a16="http://schemas.microsoft.com/office/drawing/2014/main" id="{4E4490D0-3672-446A-AC12-B4830333BDDD}"/>
+              </a:ext>
+              <a:ext uri="{C183D7F6-B498-43B3-948B-1728B52AA6E4}">
+                <adec:decorative xmlns:adec="http://schemas.microsoft.com/office/drawing/2017/decorative" val="1"/>
+              </a:ext>
+            </a:extLst>
+          </p:cNvPr>
+          <p:cNvSpPr>
+            <a:spLocks noGrp="1" noRot="1" noChangeAspect="1" noMove="1" noResize="1" noEditPoints="1" noAdjustHandles="1" noChangeArrowheads="1" noChangeShapeType="1" noTextEdit="1"/>
+          </p:cNvSpPr>
+          <p:nvPr>
+            <p:extLst>
+              <p:ext uri="{386F3935-93C4-4BCD-93E2-E3B085C9AB24}">
+                <p16:designElem xmlns:p16="http://schemas.microsoft.com/office/powerpoint/2015/main" val="1"/>
+              </p:ext>
+            </p:extLst>
+          </p:nvPr>
+        </p:nvSpPr>
+        <p:spPr>
+          <a:xfrm>
+            <a:off x="3175" y="6400800"/>
+            <a:ext cx="12188825" cy="457200"/>
+          </a:xfrm>
+          <a:prstGeom prst="rect">
+            <a:avLst/>
+          </a:prstGeom>
+          <a:solidFill>
+            <a:schemeClr val="accent2"/>
+          </a:solidFill>
+          <a:ln>
+            <a:noFill/>
+          </a:ln>
+        </p:spPr>
+        <p:style>
+          <a:lnRef idx="2">
+            <a:schemeClr val="accent1">
+              <a:shade val="50000"/>
+            </a:schemeClr>
+          </a:lnRef>
+          <a:fillRef idx="1">
+            <a:schemeClr val="accent1"/>
+          </a:fillRef>
+          <a:effectRef idx="0">
+            <a:schemeClr val="accent1"/>
+          </a:effectRef>
+          <a:fontRef idx="minor">
+            <a:schemeClr val="lt1"/>
+          </a:fontRef>
+        </p:style>
+      </p:sp>
+      <p:sp>
+        <p:nvSpPr>
+          <p:cNvPr id="38" name="Rectangle 37">
+            <a:extLst>
+              <a:ext uri="{FF2B5EF4-FFF2-40B4-BE49-F238E27FC236}">
+                <a16:creationId xmlns:a16="http://schemas.microsoft.com/office/drawing/2014/main" id="{39CB82C2-DF65-4EC1-8280-F201D50F570B}"/>
+              </a:ext>
+              <a:ext uri="{C183D7F6-B498-43B3-948B-1728B52AA6E4}">
+                <adec:decorative xmlns:adec="http://schemas.microsoft.com/office/drawing/2017/decorative" val="1"/>
+              </a:ext>
+            </a:extLst>
+          </p:cNvPr>
+          <p:cNvSpPr>
+            <a:spLocks noGrp="1" noRot="1" noChangeAspect="1" noMove="1" noResize="1" noEditPoints="1" noAdjustHandles="1" noChangeArrowheads="1" noChangeShapeType="1" noTextEdit="1"/>
+          </p:cNvSpPr>
+          <p:nvPr>
+            <p:extLst>
+              <p:ext uri="{386F3935-93C4-4BCD-93E2-E3B085C9AB24}">
+                <p16:designElem xmlns:p16="http://schemas.microsoft.com/office/powerpoint/2015/main" val="1"/>
+              </p:ext>
+            </p:extLst>
+          </p:nvPr>
+        </p:nvSpPr>
+        <p:spPr>
+          <a:xfrm>
+            <a:off x="15" y="6334316"/>
+            <a:ext cx="12188825" cy="64008"/>
+          </a:xfrm>
+          <a:prstGeom prst="rect">
+            <a:avLst/>
+          </a:prstGeom>
+          <a:solidFill>
+            <a:schemeClr val="accent1"/>
+          </a:solidFill>
+          <a:ln>
+            <a:noFill/>
+          </a:ln>
+        </p:spPr>
+        <p:style>
+          <a:lnRef idx="2">
+            <a:schemeClr val="accent1">
+              <a:shade val="50000"/>
+            </a:schemeClr>
+          </a:lnRef>
+          <a:fillRef idx="1">
+            <a:schemeClr val="accent1"/>
+          </a:fillRef>
+          <a:effectRef idx="0">
+            <a:schemeClr val="accent1"/>
+          </a:effectRef>
+          <a:fontRef idx="minor">
+            <a:schemeClr val="lt1"/>
+          </a:fontRef>
+        </p:style>
+      </p:sp>
+      <p:cxnSp>
+        <p:nvCxnSpPr>
+          <p:cNvPr id="40" name="Straight Connector 39">
+            <a:extLst>
+              <a:ext uri="{FF2B5EF4-FFF2-40B4-BE49-F238E27FC236}">
+                <a16:creationId xmlns:a16="http://schemas.microsoft.com/office/drawing/2014/main" id="{7E1D4427-852B-4B37-8E76-0E9F1810BA2A}"/>
+              </a:ext>
+              <a:ext uri="{C183D7F6-B498-43B3-948B-1728B52AA6E4}">
+                <adec:decorative xmlns:adec="http://schemas.microsoft.com/office/drawing/2017/decorative" val="1"/>
+              </a:ext>
+            </a:extLst>
+          </p:cNvPr>
+          <p:cNvCxnSpPr>
+            <a:cxnSpLocks noGrp="1" noRot="1" noChangeAspect="1" noMove="1" noResize="1" noEditPoints="1" noAdjustHandles="1" noChangeArrowheads="1" noChangeShapeType="1"/>
+          </p:cNvCxnSpPr>
+          <p:nvPr>
+            <p:extLst>
+              <p:ext uri="{386F3935-93C4-4BCD-93E2-E3B085C9AB24}">
+                <p16:designElem xmlns:p16="http://schemas.microsoft.com/office/powerpoint/2015/main" val="1"/>
+              </p:ext>
+            </p:extLst>
+          </p:nvPr>
+        </p:nvCxnSpPr>
+        <p:spPr>
+          <a:xfrm>
+            <a:off x="1207658" y="4343400"/>
+            <a:ext cx="9875520" cy="0"/>
+          </a:xfrm>
+          <a:prstGeom prst="line">
+            <a:avLst/>
+          </a:prstGeom>
+          <a:ln w="6350">
+            <a:solidFill>
+              <a:schemeClr val="tx1">
+                <a:lumMod val="50000"/>
+                <a:lumOff val="50000"/>
+              </a:schemeClr>
+            </a:solidFill>
+          </a:ln>
+        </p:spPr>
+        <p:style>
+          <a:lnRef idx="1">
+            <a:schemeClr val="accent1"/>
+          </a:lnRef>
+          <a:fillRef idx="0">
+            <a:schemeClr val="accent1"/>
+          </a:fillRef>
+          <a:effectRef idx="0">
+            <a:schemeClr val="accent1"/>
+          </a:effectRef>
+          <a:fontRef idx="minor">
+            <a:schemeClr val="tx1"/>
+          </a:fontRef>
+        </p:style>
+      </p:cxnSp>
+      <p:sp useBgFill="1">
+        <p:nvSpPr>
+          <p:cNvPr id="42" name="Rectangle 41">
+            <a:extLst>
+              <a:ext uri="{FF2B5EF4-FFF2-40B4-BE49-F238E27FC236}">
+                <a16:creationId xmlns:a16="http://schemas.microsoft.com/office/drawing/2014/main" id="{FA4CD5CB-D209-4D70-8CA4-629731C59219}"/>
+              </a:ext>
+              <a:ext uri="{C183D7F6-B498-43B3-948B-1728B52AA6E4}">
+                <adec:decorative xmlns:adec="http://schemas.microsoft.com/office/drawing/2017/decorative" val="1"/>
+              </a:ext>
+            </a:extLst>
+          </p:cNvPr>
+          <p:cNvSpPr>
+            <a:spLocks noGrp="1" noRot="1" noChangeAspect="1" noMove="1" noResize="1" noEditPoints="1" noAdjustHandles="1" noChangeArrowheads="1" noChangeShapeType="1" noTextEdit="1"/>
+          </p:cNvSpPr>
+          <p:nvPr>
+            <p:extLst>
+              <p:ext uri="{386F3935-93C4-4BCD-93E2-E3B085C9AB24}">
+                <p16:designElem xmlns:p16="http://schemas.microsoft.com/office/powerpoint/2015/main" val="1"/>
+              </p:ext>
+            </p:extLst>
+          </p:nvPr>
+        </p:nvSpPr>
+        <p:spPr>
+          <a:xfrm>
+            <a:off x="0" y="0"/>
+            <a:ext cx="12192001" cy="6334316"/>
+          </a:xfrm>
+          <a:prstGeom prst="rect">
+            <a:avLst/>
+          </a:prstGeom>
+          <a:ln>
+            <a:noFill/>
+          </a:ln>
+        </p:spPr>
+        <p:style>
+          <a:lnRef idx="2">
+            <a:schemeClr val="accent1">
+              <a:shade val="50000"/>
+            </a:schemeClr>
+          </a:lnRef>
+          <a:fillRef idx="1">
+            <a:schemeClr val="accent1"/>
+          </a:fillRef>
+          <a:effectRef idx="0">
+            <a:schemeClr val="accent1"/>
+          </a:effectRef>
+          <a:fontRef idx="minor">
+            <a:schemeClr val="lt1"/>
+          </a:fontRef>
+        </p:style>
+        <p:txBody>
+          <a:bodyPr rtlCol="0" anchor="ctr"/>
+          <a:lstStyle/>
+          <a:p>
+            <a:pPr marL="0" marR="0" lvl="0" indent="0" algn="ctr" defTabSz="457200" rtl="0" eaLnBrk="1" fontAlgn="auto" latinLnBrk="0" hangingPunct="1">
+              <a:lnSpc>
+                <a:spcPct val="100000"/>
+              </a:lnSpc>
+              <a:spcBef>
+                <a:spcPts val="0"/>
+              </a:spcBef>
+              <a:spcAft>
+                <a:spcPts val="0"/>
+              </a:spcAft>
+              <a:buClrTx/>
+              <a:buSzTx/>
+              <a:buFontTx/>
+              <a:buNone/>
+              <a:tabLst/>
+              <a:defRPr/>
+            </a:pPr>
+            <a:endParaRPr kumimoji="0" lang="en-US" sz="1800" b="0" i="0" u="none" strike="noStrike" kern="1200" cap="none" spc="0" normalizeH="0" baseline="0" noProof="0">
+              <a:ln>
+                <a:noFill/>
+              </a:ln>
+              <a:solidFill>
+                <a:prstClr val="white"/>
+              </a:solidFill>
+              <a:effectLst/>
+              <a:uLnTx/>
+              <a:uFillTx/>
+              <a:latin typeface="Calibri" panose="020F0502020204030204"/>
+              <a:ea typeface="+mn-ea"/>
+              <a:cs typeface="+mn-cs"/>
+            </a:endParaRPr>
+          </a:p>
+        </p:txBody>
+      </p:sp>
       <p:sp>
         <p:nvSpPr>
           <p:cNvPr id="2" name="Title 1">
@@ -7839,6 +9014,170 @@
           </a:prstGeom>
         </p:spPr>
       </p:pic>
+      <p:cxnSp>
+        <p:nvCxnSpPr>
+          <p:cNvPr id="44" name="Straight Connector 43">
+            <a:extLst>
+              <a:ext uri="{FF2B5EF4-FFF2-40B4-BE49-F238E27FC236}">
+                <a16:creationId xmlns:a16="http://schemas.microsoft.com/office/drawing/2014/main" id="{5C6A2BAE-B461-4B55-8E1F-0722ABDD1393}"/>
+              </a:ext>
+              <a:ext uri="{C183D7F6-B498-43B3-948B-1728B52AA6E4}">
+                <adec:decorative xmlns:adec="http://schemas.microsoft.com/office/drawing/2017/decorative" val="1"/>
+              </a:ext>
+            </a:extLst>
+          </p:cNvPr>
+          <p:cNvCxnSpPr>
+            <a:cxnSpLocks noGrp="1" noRot="1" noChangeAspect="1" noMove="1" noResize="1" noEditPoints="1" noAdjustHandles="1" noChangeArrowheads="1" noChangeShapeType="1"/>
+          </p:cNvCxnSpPr>
+          <p:nvPr>
+            <p:extLst>
+              <p:ext uri="{386F3935-93C4-4BCD-93E2-E3B085C9AB24}">
+                <p16:designElem xmlns:p16="http://schemas.microsoft.com/office/powerpoint/2015/main" val="1"/>
+              </p:ext>
+            </p:extLst>
+          </p:nvPr>
+        </p:nvCxnSpPr>
+        <p:spPr>
+          <a:xfrm>
+            <a:off x="8209305" y="4343400"/>
+            <a:ext cx="3200400" cy="0"/>
+          </a:xfrm>
+          <a:prstGeom prst="line">
+            <a:avLst/>
+          </a:prstGeom>
+          <a:ln w="6350">
+            <a:solidFill>
+              <a:schemeClr val="tx2">
+                <a:alpha val="90000"/>
+              </a:schemeClr>
+            </a:solidFill>
+          </a:ln>
+        </p:spPr>
+        <p:style>
+          <a:lnRef idx="1">
+            <a:schemeClr val="accent1"/>
+          </a:lnRef>
+          <a:fillRef idx="0">
+            <a:schemeClr val="accent1"/>
+          </a:fillRef>
+          <a:effectRef idx="0">
+            <a:schemeClr val="accent1"/>
+          </a:effectRef>
+          <a:fontRef idx="minor">
+            <a:schemeClr val="tx1"/>
+          </a:fontRef>
+        </p:style>
+      </p:cxnSp>
+      <p:sp>
+        <p:nvSpPr>
+          <p:cNvPr id="46" name="Rectangle 45">
+            <a:extLst>
+              <a:ext uri="{FF2B5EF4-FFF2-40B4-BE49-F238E27FC236}">
+                <a16:creationId xmlns:a16="http://schemas.microsoft.com/office/drawing/2014/main" id="{B4C27B90-DF2B-4D00-BA07-18ED774CD2F1}"/>
+              </a:ext>
+              <a:ext uri="{C183D7F6-B498-43B3-948B-1728B52AA6E4}">
+                <adec:decorative xmlns:adec="http://schemas.microsoft.com/office/drawing/2017/decorative" val="1"/>
+              </a:ext>
+            </a:extLst>
+          </p:cNvPr>
+          <p:cNvSpPr>
+            <a:spLocks noGrp="1" noRot="1" noChangeAspect="1" noMove="1" noResize="1" noEditPoints="1" noAdjustHandles="1" noChangeArrowheads="1" noChangeShapeType="1" noTextEdit="1"/>
+          </p:cNvSpPr>
+          <p:nvPr>
+            <p:extLst>
+              <p:ext uri="{386F3935-93C4-4BCD-93E2-E3B085C9AB24}">
+                <p16:designElem xmlns:p16="http://schemas.microsoft.com/office/powerpoint/2015/main" val="1"/>
+              </p:ext>
+            </p:extLst>
+          </p:nvPr>
+        </p:nvSpPr>
+        <p:spPr>
+          <a:xfrm>
+            <a:off x="15" y="6334316"/>
+            <a:ext cx="12191985" cy="66484"/>
+          </a:xfrm>
+          <a:prstGeom prst="rect">
+            <a:avLst/>
+          </a:prstGeom>
+          <a:solidFill>
+            <a:schemeClr val="accent1"/>
+          </a:solidFill>
+          <a:ln>
+            <a:noFill/>
+          </a:ln>
+        </p:spPr>
+        <p:style>
+          <a:lnRef idx="2">
+            <a:schemeClr val="accent1">
+              <a:shade val="50000"/>
+            </a:schemeClr>
+          </a:lnRef>
+          <a:fillRef idx="1">
+            <a:schemeClr val="accent1"/>
+          </a:fillRef>
+          <a:effectRef idx="0">
+            <a:schemeClr val="accent1"/>
+          </a:effectRef>
+          <a:fontRef idx="minor">
+            <a:schemeClr val="lt1"/>
+          </a:fontRef>
+        </p:style>
+      </p:sp>
+      <p:sp>
+        <p:nvSpPr>
+          <p:cNvPr id="48" name="Rectangle 47">
+            <a:extLst>
+              <a:ext uri="{FF2B5EF4-FFF2-40B4-BE49-F238E27FC236}">
+                <a16:creationId xmlns:a16="http://schemas.microsoft.com/office/drawing/2014/main" id="{593ACC25-C262-417A-8AA9-0641C772BDB6}"/>
+              </a:ext>
+              <a:ext uri="{C183D7F6-B498-43B3-948B-1728B52AA6E4}">
+                <adec:decorative xmlns:adec="http://schemas.microsoft.com/office/drawing/2017/decorative" val="1"/>
+              </a:ext>
+            </a:extLst>
+          </p:cNvPr>
+          <p:cNvSpPr>
+            <a:spLocks noGrp="1" noRot="1" noChangeAspect="1" noMove="1" noResize="1" noEditPoints="1" noAdjustHandles="1" noChangeArrowheads="1" noChangeShapeType="1" noTextEdit="1"/>
+          </p:cNvSpPr>
+          <p:nvPr>
+            <p:extLst>
+              <p:ext uri="{386F3935-93C4-4BCD-93E2-E3B085C9AB24}">
+                <p16:designElem xmlns:p16="http://schemas.microsoft.com/office/powerpoint/2015/main" val="1"/>
+              </p:ext>
+            </p:extLst>
+          </p:nvPr>
+        </p:nvSpPr>
+        <p:spPr>
+          <a:xfrm>
+            <a:off x="1" y="6400800"/>
+            <a:ext cx="12192000" cy="457200"/>
+          </a:xfrm>
+          <a:prstGeom prst="rect">
+            <a:avLst/>
+          </a:prstGeom>
+          <a:solidFill>
+            <a:schemeClr val="accent2"/>
+          </a:solidFill>
+          <a:ln>
+            <a:noFill/>
+          </a:ln>
+        </p:spPr>
+        <p:style>
+          <a:lnRef idx="2">
+            <a:schemeClr val="accent1">
+              <a:shade val="50000"/>
+            </a:schemeClr>
+          </a:lnRef>
+          <a:fillRef idx="1">
+            <a:schemeClr val="accent1"/>
+          </a:fillRef>
+          <a:effectRef idx="0">
+            <a:schemeClr val="accent1"/>
+          </a:effectRef>
+          <a:fontRef idx="minor">
+            <a:schemeClr val="lt1"/>
+          </a:fontRef>
+        </p:style>
+      </p:sp>
       <p:graphicFrame>
         <p:nvGraphicFramePr>
           <p:cNvPr id="20" name="Table 12">
@@ -8130,6 +9469,14 @@
 <file path=ppt/slides/slide13.xml><?xml version="1.0" encoding="utf-8"?>
 <p:sld xmlns:a="http://schemas.openxmlformats.org/drawingml/2006/main" xmlns:r="http://schemas.openxmlformats.org/officeDocument/2006/relationships" xmlns:p="http://schemas.openxmlformats.org/presentationml/2006/main">
   <p:cSld>
+    <p:bg>
+      <p:bgPr>
+        <a:solidFill>
+          <a:schemeClr val="bg1"/>
+        </a:solidFill>
+        <a:effectLst/>
+      </p:bgPr>
+    </p:bg>
     <p:spTree>
       <p:nvGrpSpPr>
         <p:cNvPr id="1" name=""/>
@@ -8144,6 +9491,260 @@
           <a:chExt cx="0" cy="0"/>
         </a:xfrm>
       </p:grpSpPr>
+      <p:sp>
+        <p:nvSpPr>
+          <p:cNvPr id="36" name="Rectangle 35">
+            <a:extLst>
+              <a:ext uri="{FF2B5EF4-FFF2-40B4-BE49-F238E27FC236}">
+                <a16:creationId xmlns:a16="http://schemas.microsoft.com/office/drawing/2014/main" id="{4E4490D0-3672-446A-AC12-B4830333BDDD}"/>
+              </a:ext>
+              <a:ext uri="{C183D7F6-B498-43B3-948B-1728B52AA6E4}">
+                <adec:decorative xmlns:adec="http://schemas.microsoft.com/office/drawing/2017/decorative" val="1"/>
+              </a:ext>
+            </a:extLst>
+          </p:cNvPr>
+          <p:cNvSpPr>
+            <a:spLocks noGrp="1" noRot="1" noChangeAspect="1" noMove="1" noResize="1" noEditPoints="1" noAdjustHandles="1" noChangeArrowheads="1" noChangeShapeType="1" noTextEdit="1"/>
+          </p:cNvSpPr>
+          <p:nvPr>
+            <p:extLst>
+              <p:ext uri="{386F3935-93C4-4BCD-93E2-E3B085C9AB24}">
+                <p16:designElem xmlns:p16="http://schemas.microsoft.com/office/powerpoint/2015/main" val="1"/>
+              </p:ext>
+            </p:extLst>
+          </p:nvPr>
+        </p:nvSpPr>
+        <p:spPr>
+          <a:xfrm>
+            <a:off x="3175" y="6400800"/>
+            <a:ext cx="12188825" cy="457200"/>
+          </a:xfrm>
+          <a:prstGeom prst="rect">
+            <a:avLst/>
+          </a:prstGeom>
+          <a:solidFill>
+            <a:schemeClr val="accent2"/>
+          </a:solidFill>
+          <a:ln>
+            <a:noFill/>
+          </a:ln>
+        </p:spPr>
+        <p:style>
+          <a:lnRef idx="2">
+            <a:schemeClr val="accent1">
+              <a:shade val="50000"/>
+            </a:schemeClr>
+          </a:lnRef>
+          <a:fillRef idx="1">
+            <a:schemeClr val="accent1"/>
+          </a:fillRef>
+          <a:effectRef idx="0">
+            <a:schemeClr val="accent1"/>
+          </a:effectRef>
+          <a:fontRef idx="minor">
+            <a:schemeClr val="lt1"/>
+          </a:fontRef>
+        </p:style>
+      </p:sp>
+      <p:sp>
+        <p:nvSpPr>
+          <p:cNvPr id="38" name="Rectangle 37">
+            <a:extLst>
+              <a:ext uri="{FF2B5EF4-FFF2-40B4-BE49-F238E27FC236}">
+                <a16:creationId xmlns:a16="http://schemas.microsoft.com/office/drawing/2014/main" id="{39CB82C2-DF65-4EC1-8280-F201D50F570B}"/>
+              </a:ext>
+              <a:ext uri="{C183D7F6-B498-43B3-948B-1728B52AA6E4}">
+                <adec:decorative xmlns:adec="http://schemas.microsoft.com/office/drawing/2017/decorative" val="1"/>
+              </a:ext>
+            </a:extLst>
+          </p:cNvPr>
+          <p:cNvSpPr>
+            <a:spLocks noGrp="1" noRot="1" noChangeAspect="1" noMove="1" noResize="1" noEditPoints="1" noAdjustHandles="1" noChangeArrowheads="1" noChangeShapeType="1" noTextEdit="1"/>
+          </p:cNvSpPr>
+          <p:nvPr>
+            <p:extLst>
+              <p:ext uri="{386F3935-93C4-4BCD-93E2-E3B085C9AB24}">
+                <p16:designElem xmlns:p16="http://schemas.microsoft.com/office/powerpoint/2015/main" val="1"/>
+              </p:ext>
+            </p:extLst>
+          </p:nvPr>
+        </p:nvSpPr>
+        <p:spPr>
+          <a:xfrm>
+            <a:off x="15" y="6334316"/>
+            <a:ext cx="12188825" cy="64008"/>
+          </a:xfrm>
+          <a:prstGeom prst="rect">
+            <a:avLst/>
+          </a:prstGeom>
+          <a:solidFill>
+            <a:schemeClr val="accent1"/>
+          </a:solidFill>
+          <a:ln>
+            <a:noFill/>
+          </a:ln>
+        </p:spPr>
+        <p:style>
+          <a:lnRef idx="2">
+            <a:schemeClr val="accent1">
+              <a:shade val="50000"/>
+            </a:schemeClr>
+          </a:lnRef>
+          <a:fillRef idx="1">
+            <a:schemeClr val="accent1"/>
+          </a:fillRef>
+          <a:effectRef idx="0">
+            <a:schemeClr val="accent1"/>
+          </a:effectRef>
+          <a:fontRef idx="minor">
+            <a:schemeClr val="lt1"/>
+          </a:fontRef>
+        </p:style>
+      </p:sp>
+      <p:cxnSp>
+        <p:nvCxnSpPr>
+          <p:cNvPr id="40" name="Straight Connector 39">
+            <a:extLst>
+              <a:ext uri="{FF2B5EF4-FFF2-40B4-BE49-F238E27FC236}">
+                <a16:creationId xmlns:a16="http://schemas.microsoft.com/office/drawing/2014/main" id="{7E1D4427-852B-4B37-8E76-0E9F1810BA2A}"/>
+              </a:ext>
+              <a:ext uri="{C183D7F6-B498-43B3-948B-1728B52AA6E4}">
+                <adec:decorative xmlns:adec="http://schemas.microsoft.com/office/drawing/2017/decorative" val="1"/>
+              </a:ext>
+            </a:extLst>
+          </p:cNvPr>
+          <p:cNvCxnSpPr>
+            <a:cxnSpLocks noGrp="1" noRot="1" noChangeAspect="1" noMove="1" noResize="1" noEditPoints="1" noAdjustHandles="1" noChangeArrowheads="1" noChangeShapeType="1"/>
+          </p:cNvCxnSpPr>
+          <p:nvPr>
+            <p:extLst>
+              <p:ext uri="{386F3935-93C4-4BCD-93E2-E3B085C9AB24}">
+                <p16:designElem xmlns:p16="http://schemas.microsoft.com/office/powerpoint/2015/main" val="1"/>
+              </p:ext>
+            </p:extLst>
+          </p:nvPr>
+        </p:nvCxnSpPr>
+        <p:spPr>
+          <a:xfrm>
+            <a:off x="1207658" y="4343400"/>
+            <a:ext cx="9875520" cy="0"/>
+          </a:xfrm>
+          <a:prstGeom prst="line">
+            <a:avLst/>
+          </a:prstGeom>
+          <a:ln w="6350">
+            <a:solidFill>
+              <a:schemeClr val="tx1">
+                <a:lumMod val="50000"/>
+                <a:lumOff val="50000"/>
+              </a:schemeClr>
+            </a:solidFill>
+          </a:ln>
+        </p:spPr>
+        <p:style>
+          <a:lnRef idx="1">
+            <a:schemeClr val="accent1"/>
+          </a:lnRef>
+          <a:fillRef idx="0">
+            <a:schemeClr val="accent1"/>
+          </a:fillRef>
+          <a:effectRef idx="0">
+            <a:schemeClr val="accent1"/>
+          </a:effectRef>
+          <a:fontRef idx="minor">
+            <a:schemeClr val="tx1"/>
+          </a:fontRef>
+        </p:style>
+      </p:cxnSp>
+      <p:sp useBgFill="1">
+        <p:nvSpPr>
+          <p:cNvPr id="42" name="Rectangle 41">
+            <a:extLst>
+              <a:ext uri="{FF2B5EF4-FFF2-40B4-BE49-F238E27FC236}">
+                <a16:creationId xmlns:a16="http://schemas.microsoft.com/office/drawing/2014/main" id="{FA4CD5CB-D209-4D70-8CA4-629731C59219}"/>
+              </a:ext>
+              <a:ext uri="{C183D7F6-B498-43B3-948B-1728B52AA6E4}">
+                <adec:decorative xmlns:adec="http://schemas.microsoft.com/office/drawing/2017/decorative" val="1"/>
+              </a:ext>
+            </a:extLst>
+          </p:cNvPr>
+          <p:cNvSpPr>
+            <a:spLocks noGrp="1" noRot="1" noChangeAspect="1" noMove="1" noResize="1" noEditPoints="1" noAdjustHandles="1" noChangeArrowheads="1" noChangeShapeType="1" noTextEdit="1"/>
+          </p:cNvSpPr>
+          <p:nvPr>
+            <p:extLst>
+              <p:ext uri="{386F3935-93C4-4BCD-93E2-E3B085C9AB24}">
+                <p16:designElem xmlns:p16="http://schemas.microsoft.com/office/powerpoint/2015/main" val="1"/>
+              </p:ext>
+            </p:extLst>
+          </p:nvPr>
+        </p:nvSpPr>
+        <p:spPr>
+          <a:xfrm>
+            <a:off x="0" y="0"/>
+            <a:ext cx="12192001" cy="6334316"/>
+          </a:xfrm>
+          <a:prstGeom prst="rect">
+            <a:avLst/>
+          </a:prstGeom>
+          <a:ln>
+            <a:noFill/>
+          </a:ln>
+        </p:spPr>
+        <p:style>
+          <a:lnRef idx="2">
+            <a:schemeClr val="accent1">
+              <a:shade val="50000"/>
+            </a:schemeClr>
+          </a:lnRef>
+          <a:fillRef idx="1">
+            <a:schemeClr val="accent1"/>
+          </a:fillRef>
+          <a:effectRef idx="0">
+            <a:schemeClr val="accent1"/>
+          </a:effectRef>
+          <a:fontRef idx="minor">
+            <a:schemeClr val="lt1"/>
+          </a:fontRef>
+        </p:style>
+        <p:txBody>
+          <a:bodyPr rtlCol="0" anchor="ctr"/>
+          <a:lstStyle/>
+          <a:p>
+            <a:pPr marL="0" marR="0" lvl="0" indent="0" algn="ctr" defTabSz="457200" rtl="0" eaLnBrk="1" fontAlgn="auto" latinLnBrk="0" hangingPunct="1">
+              <a:lnSpc>
+                <a:spcPct val="100000"/>
+              </a:lnSpc>
+              <a:spcBef>
+                <a:spcPts val="0"/>
+              </a:spcBef>
+              <a:spcAft>
+                <a:spcPts val="0"/>
+              </a:spcAft>
+              <a:buClrTx/>
+              <a:buSzTx/>
+              <a:buFontTx/>
+              <a:buNone/>
+              <a:tabLst/>
+              <a:defRPr/>
+            </a:pPr>
+            <a:endParaRPr kumimoji="0" lang="en-US" sz="1800" b="0" i="0" u="none" strike="noStrike" kern="1200" cap="none" spc="0" normalizeH="0" baseline="0" noProof="0">
+              <a:ln>
+                <a:noFill/>
+              </a:ln>
+              <a:solidFill>
+                <a:prstClr val="white"/>
+              </a:solidFill>
+              <a:effectLst/>
+              <a:uLnTx/>
+              <a:uFillTx/>
+              <a:latin typeface="Calibri" panose="020F0502020204030204"/>
+              <a:ea typeface="+mn-ea"/>
+              <a:cs typeface="+mn-cs"/>
+            </a:endParaRPr>
+          </a:p>
+        </p:txBody>
+      </p:sp>
       <p:sp>
         <p:nvSpPr>
           <p:cNvPr id="2" name="Title 1">
@@ -8222,6 +9823,170 @@
           </a:prstGeom>
         </p:spPr>
       </p:pic>
+      <p:cxnSp>
+        <p:nvCxnSpPr>
+          <p:cNvPr id="44" name="Straight Connector 43">
+            <a:extLst>
+              <a:ext uri="{FF2B5EF4-FFF2-40B4-BE49-F238E27FC236}">
+                <a16:creationId xmlns:a16="http://schemas.microsoft.com/office/drawing/2014/main" id="{5C6A2BAE-B461-4B55-8E1F-0722ABDD1393}"/>
+              </a:ext>
+              <a:ext uri="{C183D7F6-B498-43B3-948B-1728B52AA6E4}">
+                <adec:decorative xmlns:adec="http://schemas.microsoft.com/office/drawing/2017/decorative" val="1"/>
+              </a:ext>
+            </a:extLst>
+          </p:cNvPr>
+          <p:cNvCxnSpPr>
+            <a:cxnSpLocks noGrp="1" noRot="1" noChangeAspect="1" noMove="1" noResize="1" noEditPoints="1" noAdjustHandles="1" noChangeArrowheads="1" noChangeShapeType="1"/>
+          </p:cNvCxnSpPr>
+          <p:nvPr>
+            <p:extLst>
+              <p:ext uri="{386F3935-93C4-4BCD-93E2-E3B085C9AB24}">
+                <p16:designElem xmlns:p16="http://schemas.microsoft.com/office/powerpoint/2015/main" val="1"/>
+              </p:ext>
+            </p:extLst>
+          </p:nvPr>
+        </p:nvCxnSpPr>
+        <p:spPr>
+          <a:xfrm>
+            <a:off x="8209305" y="4343400"/>
+            <a:ext cx="3200400" cy="0"/>
+          </a:xfrm>
+          <a:prstGeom prst="line">
+            <a:avLst/>
+          </a:prstGeom>
+          <a:ln w="6350">
+            <a:solidFill>
+              <a:schemeClr val="tx2">
+                <a:alpha val="90000"/>
+              </a:schemeClr>
+            </a:solidFill>
+          </a:ln>
+        </p:spPr>
+        <p:style>
+          <a:lnRef idx="1">
+            <a:schemeClr val="accent1"/>
+          </a:lnRef>
+          <a:fillRef idx="0">
+            <a:schemeClr val="accent1"/>
+          </a:fillRef>
+          <a:effectRef idx="0">
+            <a:schemeClr val="accent1"/>
+          </a:effectRef>
+          <a:fontRef idx="minor">
+            <a:schemeClr val="tx1"/>
+          </a:fontRef>
+        </p:style>
+      </p:cxnSp>
+      <p:sp>
+        <p:nvSpPr>
+          <p:cNvPr id="46" name="Rectangle 45">
+            <a:extLst>
+              <a:ext uri="{FF2B5EF4-FFF2-40B4-BE49-F238E27FC236}">
+                <a16:creationId xmlns:a16="http://schemas.microsoft.com/office/drawing/2014/main" id="{B4C27B90-DF2B-4D00-BA07-18ED774CD2F1}"/>
+              </a:ext>
+              <a:ext uri="{C183D7F6-B498-43B3-948B-1728B52AA6E4}">
+                <adec:decorative xmlns:adec="http://schemas.microsoft.com/office/drawing/2017/decorative" val="1"/>
+              </a:ext>
+            </a:extLst>
+          </p:cNvPr>
+          <p:cNvSpPr>
+            <a:spLocks noGrp="1" noRot="1" noChangeAspect="1" noMove="1" noResize="1" noEditPoints="1" noAdjustHandles="1" noChangeArrowheads="1" noChangeShapeType="1" noTextEdit="1"/>
+          </p:cNvSpPr>
+          <p:nvPr>
+            <p:extLst>
+              <p:ext uri="{386F3935-93C4-4BCD-93E2-E3B085C9AB24}">
+                <p16:designElem xmlns:p16="http://schemas.microsoft.com/office/powerpoint/2015/main" val="1"/>
+              </p:ext>
+            </p:extLst>
+          </p:nvPr>
+        </p:nvSpPr>
+        <p:spPr>
+          <a:xfrm>
+            <a:off x="15" y="6334316"/>
+            <a:ext cx="12191985" cy="66484"/>
+          </a:xfrm>
+          <a:prstGeom prst="rect">
+            <a:avLst/>
+          </a:prstGeom>
+          <a:solidFill>
+            <a:schemeClr val="accent1"/>
+          </a:solidFill>
+          <a:ln>
+            <a:noFill/>
+          </a:ln>
+        </p:spPr>
+        <p:style>
+          <a:lnRef idx="2">
+            <a:schemeClr val="accent1">
+              <a:shade val="50000"/>
+            </a:schemeClr>
+          </a:lnRef>
+          <a:fillRef idx="1">
+            <a:schemeClr val="accent1"/>
+          </a:fillRef>
+          <a:effectRef idx="0">
+            <a:schemeClr val="accent1"/>
+          </a:effectRef>
+          <a:fontRef idx="minor">
+            <a:schemeClr val="lt1"/>
+          </a:fontRef>
+        </p:style>
+      </p:sp>
+      <p:sp>
+        <p:nvSpPr>
+          <p:cNvPr id="48" name="Rectangle 47">
+            <a:extLst>
+              <a:ext uri="{FF2B5EF4-FFF2-40B4-BE49-F238E27FC236}">
+                <a16:creationId xmlns:a16="http://schemas.microsoft.com/office/drawing/2014/main" id="{593ACC25-C262-417A-8AA9-0641C772BDB6}"/>
+              </a:ext>
+              <a:ext uri="{C183D7F6-B498-43B3-948B-1728B52AA6E4}">
+                <adec:decorative xmlns:adec="http://schemas.microsoft.com/office/drawing/2017/decorative" val="1"/>
+              </a:ext>
+            </a:extLst>
+          </p:cNvPr>
+          <p:cNvSpPr>
+            <a:spLocks noGrp="1" noRot="1" noChangeAspect="1" noMove="1" noResize="1" noEditPoints="1" noAdjustHandles="1" noChangeArrowheads="1" noChangeShapeType="1" noTextEdit="1"/>
+          </p:cNvSpPr>
+          <p:nvPr>
+            <p:extLst>
+              <p:ext uri="{386F3935-93C4-4BCD-93E2-E3B085C9AB24}">
+                <p16:designElem xmlns:p16="http://schemas.microsoft.com/office/powerpoint/2015/main" val="1"/>
+              </p:ext>
+            </p:extLst>
+          </p:nvPr>
+        </p:nvSpPr>
+        <p:spPr>
+          <a:xfrm>
+            <a:off x="1" y="6400800"/>
+            <a:ext cx="12192000" cy="457200"/>
+          </a:xfrm>
+          <a:prstGeom prst="rect">
+            <a:avLst/>
+          </a:prstGeom>
+          <a:solidFill>
+            <a:schemeClr val="accent2"/>
+          </a:solidFill>
+          <a:ln>
+            <a:noFill/>
+          </a:ln>
+        </p:spPr>
+        <p:style>
+          <a:lnRef idx="2">
+            <a:schemeClr val="accent1">
+              <a:shade val="50000"/>
+            </a:schemeClr>
+          </a:lnRef>
+          <a:fillRef idx="1">
+            <a:schemeClr val="accent1"/>
+          </a:fillRef>
+          <a:effectRef idx="0">
+            <a:schemeClr val="accent1"/>
+          </a:effectRef>
+          <a:fontRef idx="minor">
+            <a:schemeClr val="lt1"/>
+          </a:fontRef>
+        </p:style>
+      </p:sp>
       <p:graphicFrame>
         <p:nvGraphicFramePr>
           <p:cNvPr id="30" name="Table 12">
@@ -8513,6 +10278,14 @@
 <file path=ppt/slides/slide14.xml><?xml version="1.0" encoding="utf-8"?>
 <p:sld xmlns:a="http://schemas.openxmlformats.org/drawingml/2006/main" xmlns:r="http://schemas.openxmlformats.org/officeDocument/2006/relationships" xmlns:p="http://schemas.openxmlformats.org/presentationml/2006/main">
   <p:cSld>
+    <p:bg>
+      <p:bgPr>
+        <a:solidFill>
+          <a:schemeClr val="bg1"/>
+        </a:solidFill>
+        <a:effectLst/>
+      </p:bgPr>
+    </p:bg>
     <p:spTree>
       <p:nvGrpSpPr>
         <p:cNvPr id="1" name=""/>
@@ -8527,6 +10300,260 @@
           <a:chExt cx="0" cy="0"/>
         </a:xfrm>
       </p:grpSpPr>
+      <p:sp>
+        <p:nvSpPr>
+          <p:cNvPr id="41" name="Rectangle 40">
+            <a:extLst>
+              <a:ext uri="{FF2B5EF4-FFF2-40B4-BE49-F238E27FC236}">
+                <a16:creationId xmlns:a16="http://schemas.microsoft.com/office/drawing/2014/main" id="{4E4490D0-3672-446A-AC12-B4830333BDDD}"/>
+              </a:ext>
+              <a:ext uri="{C183D7F6-B498-43B3-948B-1728B52AA6E4}">
+                <adec:decorative xmlns:adec="http://schemas.microsoft.com/office/drawing/2017/decorative" val="1"/>
+              </a:ext>
+            </a:extLst>
+          </p:cNvPr>
+          <p:cNvSpPr>
+            <a:spLocks noGrp="1" noRot="1" noChangeAspect="1" noMove="1" noResize="1" noEditPoints="1" noAdjustHandles="1" noChangeArrowheads="1" noChangeShapeType="1" noTextEdit="1"/>
+          </p:cNvSpPr>
+          <p:nvPr>
+            <p:extLst>
+              <p:ext uri="{386F3935-93C4-4BCD-93E2-E3B085C9AB24}">
+                <p16:designElem xmlns:p16="http://schemas.microsoft.com/office/powerpoint/2015/main" val="1"/>
+              </p:ext>
+            </p:extLst>
+          </p:nvPr>
+        </p:nvSpPr>
+        <p:spPr>
+          <a:xfrm>
+            <a:off x="3175" y="6400800"/>
+            <a:ext cx="12188825" cy="457200"/>
+          </a:xfrm>
+          <a:prstGeom prst="rect">
+            <a:avLst/>
+          </a:prstGeom>
+          <a:solidFill>
+            <a:schemeClr val="accent2"/>
+          </a:solidFill>
+          <a:ln>
+            <a:noFill/>
+          </a:ln>
+        </p:spPr>
+        <p:style>
+          <a:lnRef idx="2">
+            <a:schemeClr val="accent1">
+              <a:shade val="50000"/>
+            </a:schemeClr>
+          </a:lnRef>
+          <a:fillRef idx="1">
+            <a:schemeClr val="accent1"/>
+          </a:fillRef>
+          <a:effectRef idx="0">
+            <a:schemeClr val="accent1"/>
+          </a:effectRef>
+          <a:fontRef idx="minor">
+            <a:schemeClr val="lt1"/>
+          </a:fontRef>
+        </p:style>
+      </p:sp>
+      <p:sp>
+        <p:nvSpPr>
+          <p:cNvPr id="43" name="Rectangle 42">
+            <a:extLst>
+              <a:ext uri="{FF2B5EF4-FFF2-40B4-BE49-F238E27FC236}">
+                <a16:creationId xmlns:a16="http://schemas.microsoft.com/office/drawing/2014/main" id="{39CB82C2-DF65-4EC1-8280-F201D50F570B}"/>
+              </a:ext>
+              <a:ext uri="{C183D7F6-B498-43B3-948B-1728B52AA6E4}">
+                <adec:decorative xmlns:adec="http://schemas.microsoft.com/office/drawing/2017/decorative" val="1"/>
+              </a:ext>
+            </a:extLst>
+          </p:cNvPr>
+          <p:cNvSpPr>
+            <a:spLocks noGrp="1" noRot="1" noChangeAspect="1" noMove="1" noResize="1" noEditPoints="1" noAdjustHandles="1" noChangeArrowheads="1" noChangeShapeType="1" noTextEdit="1"/>
+          </p:cNvSpPr>
+          <p:nvPr>
+            <p:extLst>
+              <p:ext uri="{386F3935-93C4-4BCD-93E2-E3B085C9AB24}">
+                <p16:designElem xmlns:p16="http://schemas.microsoft.com/office/powerpoint/2015/main" val="1"/>
+              </p:ext>
+            </p:extLst>
+          </p:nvPr>
+        </p:nvSpPr>
+        <p:spPr>
+          <a:xfrm>
+            <a:off x="15" y="6334316"/>
+            <a:ext cx="12188825" cy="64008"/>
+          </a:xfrm>
+          <a:prstGeom prst="rect">
+            <a:avLst/>
+          </a:prstGeom>
+          <a:solidFill>
+            <a:schemeClr val="accent1"/>
+          </a:solidFill>
+          <a:ln>
+            <a:noFill/>
+          </a:ln>
+        </p:spPr>
+        <p:style>
+          <a:lnRef idx="2">
+            <a:schemeClr val="accent1">
+              <a:shade val="50000"/>
+            </a:schemeClr>
+          </a:lnRef>
+          <a:fillRef idx="1">
+            <a:schemeClr val="accent1"/>
+          </a:fillRef>
+          <a:effectRef idx="0">
+            <a:schemeClr val="accent1"/>
+          </a:effectRef>
+          <a:fontRef idx="minor">
+            <a:schemeClr val="lt1"/>
+          </a:fontRef>
+        </p:style>
+      </p:sp>
+      <p:cxnSp>
+        <p:nvCxnSpPr>
+          <p:cNvPr id="45" name="Straight Connector 44">
+            <a:extLst>
+              <a:ext uri="{FF2B5EF4-FFF2-40B4-BE49-F238E27FC236}">
+                <a16:creationId xmlns:a16="http://schemas.microsoft.com/office/drawing/2014/main" id="{7E1D4427-852B-4B37-8E76-0E9F1810BA2A}"/>
+              </a:ext>
+              <a:ext uri="{C183D7F6-B498-43B3-948B-1728B52AA6E4}">
+                <adec:decorative xmlns:adec="http://schemas.microsoft.com/office/drawing/2017/decorative" val="1"/>
+              </a:ext>
+            </a:extLst>
+          </p:cNvPr>
+          <p:cNvCxnSpPr>
+            <a:cxnSpLocks noGrp="1" noRot="1" noChangeAspect="1" noMove="1" noResize="1" noEditPoints="1" noAdjustHandles="1" noChangeArrowheads="1" noChangeShapeType="1"/>
+          </p:cNvCxnSpPr>
+          <p:nvPr>
+            <p:extLst>
+              <p:ext uri="{386F3935-93C4-4BCD-93E2-E3B085C9AB24}">
+                <p16:designElem xmlns:p16="http://schemas.microsoft.com/office/powerpoint/2015/main" val="1"/>
+              </p:ext>
+            </p:extLst>
+          </p:nvPr>
+        </p:nvCxnSpPr>
+        <p:spPr>
+          <a:xfrm>
+            <a:off x="1207658" y="4343400"/>
+            <a:ext cx="9875520" cy="0"/>
+          </a:xfrm>
+          <a:prstGeom prst="line">
+            <a:avLst/>
+          </a:prstGeom>
+          <a:ln w="6350">
+            <a:solidFill>
+              <a:schemeClr val="tx1">
+                <a:lumMod val="50000"/>
+                <a:lumOff val="50000"/>
+              </a:schemeClr>
+            </a:solidFill>
+          </a:ln>
+        </p:spPr>
+        <p:style>
+          <a:lnRef idx="1">
+            <a:schemeClr val="accent1"/>
+          </a:lnRef>
+          <a:fillRef idx="0">
+            <a:schemeClr val="accent1"/>
+          </a:fillRef>
+          <a:effectRef idx="0">
+            <a:schemeClr val="accent1"/>
+          </a:effectRef>
+          <a:fontRef idx="minor">
+            <a:schemeClr val="tx1"/>
+          </a:fontRef>
+        </p:style>
+      </p:cxnSp>
+      <p:sp useBgFill="1">
+        <p:nvSpPr>
+          <p:cNvPr id="47" name="Rectangle 46">
+            <a:extLst>
+              <a:ext uri="{FF2B5EF4-FFF2-40B4-BE49-F238E27FC236}">
+                <a16:creationId xmlns:a16="http://schemas.microsoft.com/office/drawing/2014/main" id="{FA4CD5CB-D209-4D70-8CA4-629731C59219}"/>
+              </a:ext>
+              <a:ext uri="{C183D7F6-B498-43B3-948B-1728B52AA6E4}">
+                <adec:decorative xmlns:adec="http://schemas.microsoft.com/office/drawing/2017/decorative" val="1"/>
+              </a:ext>
+            </a:extLst>
+          </p:cNvPr>
+          <p:cNvSpPr>
+            <a:spLocks noGrp="1" noRot="1" noChangeAspect="1" noMove="1" noResize="1" noEditPoints="1" noAdjustHandles="1" noChangeArrowheads="1" noChangeShapeType="1" noTextEdit="1"/>
+          </p:cNvSpPr>
+          <p:nvPr>
+            <p:extLst>
+              <p:ext uri="{386F3935-93C4-4BCD-93E2-E3B085C9AB24}">
+                <p16:designElem xmlns:p16="http://schemas.microsoft.com/office/powerpoint/2015/main" val="1"/>
+              </p:ext>
+            </p:extLst>
+          </p:nvPr>
+        </p:nvSpPr>
+        <p:spPr>
+          <a:xfrm>
+            <a:off x="0" y="0"/>
+            <a:ext cx="12192001" cy="6334316"/>
+          </a:xfrm>
+          <a:prstGeom prst="rect">
+            <a:avLst/>
+          </a:prstGeom>
+          <a:ln>
+            <a:noFill/>
+          </a:ln>
+        </p:spPr>
+        <p:style>
+          <a:lnRef idx="2">
+            <a:schemeClr val="accent1">
+              <a:shade val="50000"/>
+            </a:schemeClr>
+          </a:lnRef>
+          <a:fillRef idx="1">
+            <a:schemeClr val="accent1"/>
+          </a:fillRef>
+          <a:effectRef idx="0">
+            <a:schemeClr val="accent1"/>
+          </a:effectRef>
+          <a:fontRef idx="minor">
+            <a:schemeClr val="lt1"/>
+          </a:fontRef>
+        </p:style>
+        <p:txBody>
+          <a:bodyPr rtlCol="0" anchor="ctr"/>
+          <a:lstStyle/>
+          <a:p>
+            <a:pPr marL="0" marR="0" lvl="0" indent="0" algn="ctr" defTabSz="457200" rtl="0" eaLnBrk="1" fontAlgn="auto" latinLnBrk="0" hangingPunct="1">
+              <a:lnSpc>
+                <a:spcPct val="100000"/>
+              </a:lnSpc>
+              <a:spcBef>
+                <a:spcPts val="0"/>
+              </a:spcBef>
+              <a:spcAft>
+                <a:spcPts val="0"/>
+              </a:spcAft>
+              <a:buClrTx/>
+              <a:buSzTx/>
+              <a:buFontTx/>
+              <a:buNone/>
+              <a:tabLst/>
+              <a:defRPr/>
+            </a:pPr>
+            <a:endParaRPr kumimoji="0" lang="en-US" sz="1800" b="0" i="0" u="none" strike="noStrike" kern="1200" cap="none" spc="0" normalizeH="0" baseline="0" noProof="0">
+              <a:ln>
+                <a:noFill/>
+              </a:ln>
+              <a:solidFill>
+                <a:prstClr val="white"/>
+              </a:solidFill>
+              <a:effectLst/>
+              <a:uLnTx/>
+              <a:uFillTx/>
+              <a:latin typeface="Calibri" panose="020F0502020204030204"/>
+              <a:ea typeface="+mn-ea"/>
+              <a:cs typeface="+mn-cs"/>
+            </a:endParaRPr>
+          </a:p>
+        </p:txBody>
+      </p:sp>
       <p:sp>
         <p:nvSpPr>
           <p:cNvPr id="2" name="Title 1">
@@ -8605,6 +10632,170 @@
           </a:prstGeom>
         </p:spPr>
       </p:pic>
+      <p:cxnSp>
+        <p:nvCxnSpPr>
+          <p:cNvPr id="49" name="Straight Connector 48">
+            <a:extLst>
+              <a:ext uri="{FF2B5EF4-FFF2-40B4-BE49-F238E27FC236}">
+                <a16:creationId xmlns:a16="http://schemas.microsoft.com/office/drawing/2014/main" id="{5C6A2BAE-B461-4B55-8E1F-0722ABDD1393}"/>
+              </a:ext>
+              <a:ext uri="{C183D7F6-B498-43B3-948B-1728B52AA6E4}">
+                <adec:decorative xmlns:adec="http://schemas.microsoft.com/office/drawing/2017/decorative" val="1"/>
+              </a:ext>
+            </a:extLst>
+          </p:cNvPr>
+          <p:cNvCxnSpPr>
+            <a:cxnSpLocks noGrp="1" noRot="1" noChangeAspect="1" noMove="1" noResize="1" noEditPoints="1" noAdjustHandles="1" noChangeArrowheads="1" noChangeShapeType="1"/>
+          </p:cNvCxnSpPr>
+          <p:nvPr>
+            <p:extLst>
+              <p:ext uri="{386F3935-93C4-4BCD-93E2-E3B085C9AB24}">
+                <p16:designElem xmlns:p16="http://schemas.microsoft.com/office/powerpoint/2015/main" val="1"/>
+              </p:ext>
+            </p:extLst>
+          </p:nvPr>
+        </p:nvCxnSpPr>
+        <p:spPr>
+          <a:xfrm>
+            <a:off x="8209305" y="4343400"/>
+            <a:ext cx="3200400" cy="0"/>
+          </a:xfrm>
+          <a:prstGeom prst="line">
+            <a:avLst/>
+          </a:prstGeom>
+          <a:ln w="6350">
+            <a:solidFill>
+              <a:schemeClr val="tx2">
+                <a:alpha val="90000"/>
+              </a:schemeClr>
+            </a:solidFill>
+          </a:ln>
+        </p:spPr>
+        <p:style>
+          <a:lnRef idx="1">
+            <a:schemeClr val="accent1"/>
+          </a:lnRef>
+          <a:fillRef idx="0">
+            <a:schemeClr val="accent1"/>
+          </a:fillRef>
+          <a:effectRef idx="0">
+            <a:schemeClr val="accent1"/>
+          </a:effectRef>
+          <a:fontRef idx="minor">
+            <a:schemeClr val="tx1"/>
+          </a:fontRef>
+        </p:style>
+      </p:cxnSp>
+      <p:sp>
+        <p:nvSpPr>
+          <p:cNvPr id="51" name="Rectangle 50">
+            <a:extLst>
+              <a:ext uri="{FF2B5EF4-FFF2-40B4-BE49-F238E27FC236}">
+                <a16:creationId xmlns:a16="http://schemas.microsoft.com/office/drawing/2014/main" id="{B4C27B90-DF2B-4D00-BA07-18ED774CD2F1}"/>
+              </a:ext>
+              <a:ext uri="{C183D7F6-B498-43B3-948B-1728B52AA6E4}">
+                <adec:decorative xmlns:adec="http://schemas.microsoft.com/office/drawing/2017/decorative" val="1"/>
+              </a:ext>
+            </a:extLst>
+          </p:cNvPr>
+          <p:cNvSpPr>
+            <a:spLocks noGrp="1" noRot="1" noChangeAspect="1" noMove="1" noResize="1" noEditPoints="1" noAdjustHandles="1" noChangeArrowheads="1" noChangeShapeType="1" noTextEdit="1"/>
+          </p:cNvSpPr>
+          <p:nvPr>
+            <p:extLst>
+              <p:ext uri="{386F3935-93C4-4BCD-93E2-E3B085C9AB24}">
+                <p16:designElem xmlns:p16="http://schemas.microsoft.com/office/powerpoint/2015/main" val="1"/>
+              </p:ext>
+            </p:extLst>
+          </p:nvPr>
+        </p:nvSpPr>
+        <p:spPr>
+          <a:xfrm>
+            <a:off x="15" y="6334316"/>
+            <a:ext cx="12191985" cy="66484"/>
+          </a:xfrm>
+          <a:prstGeom prst="rect">
+            <a:avLst/>
+          </a:prstGeom>
+          <a:solidFill>
+            <a:schemeClr val="accent1"/>
+          </a:solidFill>
+          <a:ln>
+            <a:noFill/>
+          </a:ln>
+        </p:spPr>
+        <p:style>
+          <a:lnRef idx="2">
+            <a:schemeClr val="accent1">
+              <a:shade val="50000"/>
+            </a:schemeClr>
+          </a:lnRef>
+          <a:fillRef idx="1">
+            <a:schemeClr val="accent1"/>
+          </a:fillRef>
+          <a:effectRef idx="0">
+            <a:schemeClr val="accent1"/>
+          </a:effectRef>
+          <a:fontRef idx="minor">
+            <a:schemeClr val="lt1"/>
+          </a:fontRef>
+        </p:style>
+      </p:sp>
+      <p:sp>
+        <p:nvSpPr>
+          <p:cNvPr id="53" name="Rectangle 52">
+            <a:extLst>
+              <a:ext uri="{FF2B5EF4-FFF2-40B4-BE49-F238E27FC236}">
+                <a16:creationId xmlns:a16="http://schemas.microsoft.com/office/drawing/2014/main" id="{593ACC25-C262-417A-8AA9-0641C772BDB6}"/>
+              </a:ext>
+              <a:ext uri="{C183D7F6-B498-43B3-948B-1728B52AA6E4}">
+                <adec:decorative xmlns:adec="http://schemas.microsoft.com/office/drawing/2017/decorative" val="1"/>
+              </a:ext>
+            </a:extLst>
+          </p:cNvPr>
+          <p:cNvSpPr>
+            <a:spLocks noGrp="1" noRot="1" noChangeAspect="1" noMove="1" noResize="1" noEditPoints="1" noAdjustHandles="1" noChangeArrowheads="1" noChangeShapeType="1" noTextEdit="1"/>
+          </p:cNvSpPr>
+          <p:nvPr>
+            <p:extLst>
+              <p:ext uri="{386F3935-93C4-4BCD-93E2-E3B085C9AB24}">
+                <p16:designElem xmlns:p16="http://schemas.microsoft.com/office/powerpoint/2015/main" val="1"/>
+              </p:ext>
+            </p:extLst>
+          </p:nvPr>
+        </p:nvSpPr>
+        <p:spPr>
+          <a:xfrm>
+            <a:off x="1" y="6400800"/>
+            <a:ext cx="12192000" cy="457200"/>
+          </a:xfrm>
+          <a:prstGeom prst="rect">
+            <a:avLst/>
+          </a:prstGeom>
+          <a:solidFill>
+            <a:schemeClr val="accent2"/>
+          </a:solidFill>
+          <a:ln>
+            <a:noFill/>
+          </a:ln>
+        </p:spPr>
+        <p:style>
+          <a:lnRef idx="2">
+            <a:schemeClr val="accent1">
+              <a:shade val="50000"/>
+            </a:schemeClr>
+          </a:lnRef>
+          <a:fillRef idx="1">
+            <a:schemeClr val="accent1"/>
+          </a:fillRef>
+          <a:effectRef idx="0">
+            <a:schemeClr val="accent1"/>
+          </a:effectRef>
+          <a:fontRef idx="minor">
+            <a:schemeClr val="lt1"/>
+          </a:fontRef>
+        </p:style>
+      </p:sp>
       <p:graphicFrame>
         <p:nvGraphicFramePr>
           <p:cNvPr id="39" name="Table 12">
@@ -9024,6 +11215,14 @@
 <file path=ppt/slides/slide15.xml><?xml version="1.0" encoding="utf-8"?>
 <p:sld xmlns:a="http://schemas.openxmlformats.org/drawingml/2006/main" xmlns:r="http://schemas.openxmlformats.org/officeDocument/2006/relationships" xmlns:p="http://schemas.openxmlformats.org/presentationml/2006/main">
   <p:cSld>
+    <p:bg>
+      <p:bgPr>
+        <a:solidFill>
+          <a:schemeClr val="bg1"/>
+        </a:solidFill>
+        <a:effectLst/>
+      </p:bgPr>
+    </p:bg>
     <p:spTree>
       <p:nvGrpSpPr>
         <p:cNvPr id="1" name=""/>
@@ -9038,6 +11237,260 @@
           <a:chExt cx="0" cy="0"/>
         </a:xfrm>
       </p:grpSpPr>
+      <p:sp>
+        <p:nvSpPr>
+          <p:cNvPr id="49" name="Rectangle 48">
+            <a:extLst>
+              <a:ext uri="{FF2B5EF4-FFF2-40B4-BE49-F238E27FC236}">
+                <a16:creationId xmlns:a16="http://schemas.microsoft.com/office/drawing/2014/main" id="{4E4490D0-3672-446A-AC12-B4830333BDDD}"/>
+              </a:ext>
+              <a:ext uri="{C183D7F6-B498-43B3-948B-1728B52AA6E4}">
+                <adec:decorative xmlns:adec="http://schemas.microsoft.com/office/drawing/2017/decorative" val="1"/>
+              </a:ext>
+            </a:extLst>
+          </p:cNvPr>
+          <p:cNvSpPr>
+            <a:spLocks noGrp="1" noRot="1" noChangeAspect="1" noMove="1" noResize="1" noEditPoints="1" noAdjustHandles="1" noChangeArrowheads="1" noChangeShapeType="1" noTextEdit="1"/>
+          </p:cNvSpPr>
+          <p:nvPr>
+            <p:extLst>
+              <p:ext uri="{386F3935-93C4-4BCD-93E2-E3B085C9AB24}">
+                <p16:designElem xmlns:p16="http://schemas.microsoft.com/office/powerpoint/2015/main" val="1"/>
+              </p:ext>
+            </p:extLst>
+          </p:nvPr>
+        </p:nvSpPr>
+        <p:spPr>
+          <a:xfrm>
+            <a:off x="3175" y="6400800"/>
+            <a:ext cx="12188825" cy="457200"/>
+          </a:xfrm>
+          <a:prstGeom prst="rect">
+            <a:avLst/>
+          </a:prstGeom>
+          <a:solidFill>
+            <a:schemeClr val="accent2"/>
+          </a:solidFill>
+          <a:ln>
+            <a:noFill/>
+          </a:ln>
+        </p:spPr>
+        <p:style>
+          <a:lnRef idx="2">
+            <a:schemeClr val="accent1">
+              <a:shade val="50000"/>
+            </a:schemeClr>
+          </a:lnRef>
+          <a:fillRef idx="1">
+            <a:schemeClr val="accent1"/>
+          </a:fillRef>
+          <a:effectRef idx="0">
+            <a:schemeClr val="accent1"/>
+          </a:effectRef>
+          <a:fontRef idx="minor">
+            <a:schemeClr val="lt1"/>
+          </a:fontRef>
+        </p:style>
+      </p:sp>
+      <p:sp>
+        <p:nvSpPr>
+          <p:cNvPr id="51" name="Rectangle 50">
+            <a:extLst>
+              <a:ext uri="{FF2B5EF4-FFF2-40B4-BE49-F238E27FC236}">
+                <a16:creationId xmlns:a16="http://schemas.microsoft.com/office/drawing/2014/main" id="{39CB82C2-DF65-4EC1-8280-F201D50F570B}"/>
+              </a:ext>
+              <a:ext uri="{C183D7F6-B498-43B3-948B-1728B52AA6E4}">
+                <adec:decorative xmlns:adec="http://schemas.microsoft.com/office/drawing/2017/decorative" val="1"/>
+              </a:ext>
+            </a:extLst>
+          </p:cNvPr>
+          <p:cNvSpPr>
+            <a:spLocks noGrp="1" noRot="1" noChangeAspect="1" noMove="1" noResize="1" noEditPoints="1" noAdjustHandles="1" noChangeArrowheads="1" noChangeShapeType="1" noTextEdit="1"/>
+          </p:cNvSpPr>
+          <p:nvPr>
+            <p:extLst>
+              <p:ext uri="{386F3935-93C4-4BCD-93E2-E3B085C9AB24}">
+                <p16:designElem xmlns:p16="http://schemas.microsoft.com/office/powerpoint/2015/main" val="1"/>
+              </p:ext>
+            </p:extLst>
+          </p:nvPr>
+        </p:nvSpPr>
+        <p:spPr>
+          <a:xfrm>
+            <a:off x="15" y="6334316"/>
+            <a:ext cx="12188825" cy="64008"/>
+          </a:xfrm>
+          <a:prstGeom prst="rect">
+            <a:avLst/>
+          </a:prstGeom>
+          <a:solidFill>
+            <a:schemeClr val="accent1"/>
+          </a:solidFill>
+          <a:ln>
+            <a:noFill/>
+          </a:ln>
+        </p:spPr>
+        <p:style>
+          <a:lnRef idx="2">
+            <a:schemeClr val="accent1">
+              <a:shade val="50000"/>
+            </a:schemeClr>
+          </a:lnRef>
+          <a:fillRef idx="1">
+            <a:schemeClr val="accent1"/>
+          </a:fillRef>
+          <a:effectRef idx="0">
+            <a:schemeClr val="accent1"/>
+          </a:effectRef>
+          <a:fontRef idx="minor">
+            <a:schemeClr val="lt1"/>
+          </a:fontRef>
+        </p:style>
+      </p:sp>
+      <p:cxnSp>
+        <p:nvCxnSpPr>
+          <p:cNvPr id="53" name="Straight Connector 52">
+            <a:extLst>
+              <a:ext uri="{FF2B5EF4-FFF2-40B4-BE49-F238E27FC236}">
+                <a16:creationId xmlns:a16="http://schemas.microsoft.com/office/drawing/2014/main" id="{7E1D4427-852B-4B37-8E76-0E9F1810BA2A}"/>
+              </a:ext>
+              <a:ext uri="{C183D7F6-B498-43B3-948B-1728B52AA6E4}">
+                <adec:decorative xmlns:adec="http://schemas.microsoft.com/office/drawing/2017/decorative" val="1"/>
+              </a:ext>
+            </a:extLst>
+          </p:cNvPr>
+          <p:cNvCxnSpPr>
+            <a:cxnSpLocks noGrp="1" noRot="1" noChangeAspect="1" noMove="1" noResize="1" noEditPoints="1" noAdjustHandles="1" noChangeArrowheads="1" noChangeShapeType="1"/>
+          </p:cNvCxnSpPr>
+          <p:nvPr>
+            <p:extLst>
+              <p:ext uri="{386F3935-93C4-4BCD-93E2-E3B085C9AB24}">
+                <p16:designElem xmlns:p16="http://schemas.microsoft.com/office/powerpoint/2015/main" val="1"/>
+              </p:ext>
+            </p:extLst>
+          </p:nvPr>
+        </p:nvCxnSpPr>
+        <p:spPr>
+          <a:xfrm>
+            <a:off x="1207658" y="4343400"/>
+            <a:ext cx="9875520" cy="0"/>
+          </a:xfrm>
+          <a:prstGeom prst="line">
+            <a:avLst/>
+          </a:prstGeom>
+          <a:ln w="6350">
+            <a:solidFill>
+              <a:schemeClr val="tx1">
+                <a:lumMod val="50000"/>
+                <a:lumOff val="50000"/>
+              </a:schemeClr>
+            </a:solidFill>
+          </a:ln>
+        </p:spPr>
+        <p:style>
+          <a:lnRef idx="1">
+            <a:schemeClr val="accent1"/>
+          </a:lnRef>
+          <a:fillRef idx="0">
+            <a:schemeClr val="accent1"/>
+          </a:fillRef>
+          <a:effectRef idx="0">
+            <a:schemeClr val="accent1"/>
+          </a:effectRef>
+          <a:fontRef idx="minor">
+            <a:schemeClr val="tx1"/>
+          </a:fontRef>
+        </p:style>
+      </p:cxnSp>
+      <p:sp useBgFill="1">
+        <p:nvSpPr>
+          <p:cNvPr id="55" name="Rectangle 54">
+            <a:extLst>
+              <a:ext uri="{FF2B5EF4-FFF2-40B4-BE49-F238E27FC236}">
+                <a16:creationId xmlns:a16="http://schemas.microsoft.com/office/drawing/2014/main" id="{FA4CD5CB-D209-4D70-8CA4-629731C59219}"/>
+              </a:ext>
+              <a:ext uri="{C183D7F6-B498-43B3-948B-1728B52AA6E4}">
+                <adec:decorative xmlns:adec="http://schemas.microsoft.com/office/drawing/2017/decorative" val="1"/>
+              </a:ext>
+            </a:extLst>
+          </p:cNvPr>
+          <p:cNvSpPr>
+            <a:spLocks noGrp="1" noRot="1" noChangeAspect="1" noMove="1" noResize="1" noEditPoints="1" noAdjustHandles="1" noChangeArrowheads="1" noChangeShapeType="1" noTextEdit="1"/>
+          </p:cNvSpPr>
+          <p:nvPr>
+            <p:extLst>
+              <p:ext uri="{386F3935-93C4-4BCD-93E2-E3B085C9AB24}">
+                <p16:designElem xmlns:p16="http://schemas.microsoft.com/office/powerpoint/2015/main" val="1"/>
+              </p:ext>
+            </p:extLst>
+          </p:nvPr>
+        </p:nvSpPr>
+        <p:spPr>
+          <a:xfrm>
+            <a:off x="0" y="0"/>
+            <a:ext cx="12192001" cy="6334316"/>
+          </a:xfrm>
+          <a:prstGeom prst="rect">
+            <a:avLst/>
+          </a:prstGeom>
+          <a:ln>
+            <a:noFill/>
+          </a:ln>
+        </p:spPr>
+        <p:style>
+          <a:lnRef idx="2">
+            <a:schemeClr val="accent1">
+              <a:shade val="50000"/>
+            </a:schemeClr>
+          </a:lnRef>
+          <a:fillRef idx="1">
+            <a:schemeClr val="accent1"/>
+          </a:fillRef>
+          <a:effectRef idx="0">
+            <a:schemeClr val="accent1"/>
+          </a:effectRef>
+          <a:fontRef idx="minor">
+            <a:schemeClr val="lt1"/>
+          </a:fontRef>
+        </p:style>
+        <p:txBody>
+          <a:bodyPr rtlCol="0" anchor="ctr"/>
+          <a:lstStyle/>
+          <a:p>
+            <a:pPr marL="0" marR="0" lvl="0" indent="0" algn="ctr" defTabSz="457200" rtl="0" eaLnBrk="1" fontAlgn="auto" latinLnBrk="0" hangingPunct="1">
+              <a:lnSpc>
+                <a:spcPct val="100000"/>
+              </a:lnSpc>
+              <a:spcBef>
+                <a:spcPts val="0"/>
+              </a:spcBef>
+              <a:spcAft>
+                <a:spcPts val="0"/>
+              </a:spcAft>
+              <a:buClrTx/>
+              <a:buSzTx/>
+              <a:buFontTx/>
+              <a:buNone/>
+              <a:tabLst/>
+              <a:defRPr/>
+            </a:pPr>
+            <a:endParaRPr kumimoji="0" lang="en-US" sz="1800" b="0" i="0" u="none" strike="noStrike" kern="1200" cap="none" spc="0" normalizeH="0" baseline="0" noProof="0">
+              <a:ln>
+                <a:noFill/>
+              </a:ln>
+              <a:solidFill>
+                <a:prstClr val="white"/>
+              </a:solidFill>
+              <a:effectLst/>
+              <a:uLnTx/>
+              <a:uFillTx/>
+              <a:latin typeface="Calibri" panose="020F0502020204030204"/>
+              <a:ea typeface="+mn-ea"/>
+              <a:cs typeface="+mn-cs"/>
+            </a:endParaRPr>
+          </a:p>
+        </p:txBody>
+      </p:sp>
       <p:sp>
         <p:nvSpPr>
           <p:cNvPr id="2" name="Title 1">
@@ -9116,6 +11569,170 @@
           </a:prstGeom>
         </p:spPr>
       </p:pic>
+      <p:cxnSp>
+        <p:nvCxnSpPr>
+          <p:cNvPr id="57" name="Straight Connector 56">
+            <a:extLst>
+              <a:ext uri="{FF2B5EF4-FFF2-40B4-BE49-F238E27FC236}">
+                <a16:creationId xmlns:a16="http://schemas.microsoft.com/office/drawing/2014/main" id="{5C6A2BAE-B461-4B55-8E1F-0722ABDD1393}"/>
+              </a:ext>
+              <a:ext uri="{C183D7F6-B498-43B3-948B-1728B52AA6E4}">
+                <adec:decorative xmlns:adec="http://schemas.microsoft.com/office/drawing/2017/decorative" val="1"/>
+              </a:ext>
+            </a:extLst>
+          </p:cNvPr>
+          <p:cNvCxnSpPr>
+            <a:cxnSpLocks noGrp="1" noRot="1" noChangeAspect="1" noMove="1" noResize="1" noEditPoints="1" noAdjustHandles="1" noChangeArrowheads="1" noChangeShapeType="1"/>
+          </p:cNvCxnSpPr>
+          <p:nvPr>
+            <p:extLst>
+              <p:ext uri="{386F3935-93C4-4BCD-93E2-E3B085C9AB24}">
+                <p16:designElem xmlns:p16="http://schemas.microsoft.com/office/powerpoint/2015/main" val="1"/>
+              </p:ext>
+            </p:extLst>
+          </p:nvPr>
+        </p:nvCxnSpPr>
+        <p:spPr>
+          <a:xfrm>
+            <a:off x="8209305" y="4343400"/>
+            <a:ext cx="3200400" cy="0"/>
+          </a:xfrm>
+          <a:prstGeom prst="line">
+            <a:avLst/>
+          </a:prstGeom>
+          <a:ln w="6350">
+            <a:solidFill>
+              <a:schemeClr val="tx2">
+                <a:alpha val="90000"/>
+              </a:schemeClr>
+            </a:solidFill>
+          </a:ln>
+        </p:spPr>
+        <p:style>
+          <a:lnRef idx="1">
+            <a:schemeClr val="accent1"/>
+          </a:lnRef>
+          <a:fillRef idx="0">
+            <a:schemeClr val="accent1"/>
+          </a:fillRef>
+          <a:effectRef idx="0">
+            <a:schemeClr val="accent1"/>
+          </a:effectRef>
+          <a:fontRef idx="minor">
+            <a:schemeClr val="tx1"/>
+          </a:fontRef>
+        </p:style>
+      </p:cxnSp>
+      <p:sp>
+        <p:nvSpPr>
+          <p:cNvPr id="59" name="Rectangle 58">
+            <a:extLst>
+              <a:ext uri="{FF2B5EF4-FFF2-40B4-BE49-F238E27FC236}">
+                <a16:creationId xmlns:a16="http://schemas.microsoft.com/office/drawing/2014/main" id="{B4C27B90-DF2B-4D00-BA07-18ED774CD2F1}"/>
+              </a:ext>
+              <a:ext uri="{C183D7F6-B498-43B3-948B-1728B52AA6E4}">
+                <adec:decorative xmlns:adec="http://schemas.microsoft.com/office/drawing/2017/decorative" val="1"/>
+              </a:ext>
+            </a:extLst>
+          </p:cNvPr>
+          <p:cNvSpPr>
+            <a:spLocks noGrp="1" noRot="1" noChangeAspect="1" noMove="1" noResize="1" noEditPoints="1" noAdjustHandles="1" noChangeArrowheads="1" noChangeShapeType="1" noTextEdit="1"/>
+          </p:cNvSpPr>
+          <p:nvPr>
+            <p:extLst>
+              <p:ext uri="{386F3935-93C4-4BCD-93E2-E3B085C9AB24}">
+                <p16:designElem xmlns:p16="http://schemas.microsoft.com/office/powerpoint/2015/main" val="1"/>
+              </p:ext>
+            </p:extLst>
+          </p:nvPr>
+        </p:nvSpPr>
+        <p:spPr>
+          <a:xfrm>
+            <a:off x="15" y="6334316"/>
+            <a:ext cx="12191985" cy="66484"/>
+          </a:xfrm>
+          <a:prstGeom prst="rect">
+            <a:avLst/>
+          </a:prstGeom>
+          <a:solidFill>
+            <a:schemeClr val="accent1"/>
+          </a:solidFill>
+          <a:ln>
+            <a:noFill/>
+          </a:ln>
+        </p:spPr>
+        <p:style>
+          <a:lnRef idx="2">
+            <a:schemeClr val="accent1">
+              <a:shade val="50000"/>
+            </a:schemeClr>
+          </a:lnRef>
+          <a:fillRef idx="1">
+            <a:schemeClr val="accent1"/>
+          </a:fillRef>
+          <a:effectRef idx="0">
+            <a:schemeClr val="accent1"/>
+          </a:effectRef>
+          <a:fontRef idx="minor">
+            <a:schemeClr val="lt1"/>
+          </a:fontRef>
+        </p:style>
+      </p:sp>
+      <p:sp>
+        <p:nvSpPr>
+          <p:cNvPr id="61" name="Rectangle 60">
+            <a:extLst>
+              <a:ext uri="{FF2B5EF4-FFF2-40B4-BE49-F238E27FC236}">
+                <a16:creationId xmlns:a16="http://schemas.microsoft.com/office/drawing/2014/main" id="{593ACC25-C262-417A-8AA9-0641C772BDB6}"/>
+              </a:ext>
+              <a:ext uri="{C183D7F6-B498-43B3-948B-1728B52AA6E4}">
+                <adec:decorative xmlns:adec="http://schemas.microsoft.com/office/drawing/2017/decorative" val="1"/>
+              </a:ext>
+            </a:extLst>
+          </p:cNvPr>
+          <p:cNvSpPr>
+            <a:spLocks noGrp="1" noRot="1" noChangeAspect="1" noMove="1" noResize="1" noEditPoints="1" noAdjustHandles="1" noChangeArrowheads="1" noChangeShapeType="1" noTextEdit="1"/>
+          </p:cNvSpPr>
+          <p:nvPr>
+            <p:extLst>
+              <p:ext uri="{386F3935-93C4-4BCD-93E2-E3B085C9AB24}">
+                <p16:designElem xmlns:p16="http://schemas.microsoft.com/office/powerpoint/2015/main" val="1"/>
+              </p:ext>
+            </p:extLst>
+          </p:nvPr>
+        </p:nvSpPr>
+        <p:spPr>
+          <a:xfrm>
+            <a:off x="1" y="6400800"/>
+            <a:ext cx="12192000" cy="457200"/>
+          </a:xfrm>
+          <a:prstGeom prst="rect">
+            <a:avLst/>
+          </a:prstGeom>
+          <a:solidFill>
+            <a:schemeClr val="accent2"/>
+          </a:solidFill>
+          <a:ln>
+            <a:noFill/>
+          </a:ln>
+        </p:spPr>
+        <p:style>
+          <a:lnRef idx="2">
+            <a:schemeClr val="accent1">
+              <a:shade val="50000"/>
+            </a:schemeClr>
+          </a:lnRef>
+          <a:fillRef idx="1">
+            <a:schemeClr val="accent1"/>
+          </a:fillRef>
+          <a:effectRef idx="0">
+            <a:schemeClr val="accent1"/>
+          </a:effectRef>
+          <a:fontRef idx="minor">
+            <a:schemeClr val="lt1"/>
+          </a:fontRef>
+        </p:style>
+      </p:sp>
       <p:graphicFrame>
         <p:nvGraphicFramePr>
           <p:cNvPr id="52" name="Table 12">
@@ -9407,6 +12024,14 @@
 <file path=ppt/slides/slide16.xml><?xml version="1.0" encoding="utf-8"?>
 <p:sld xmlns:a="http://schemas.openxmlformats.org/drawingml/2006/main" xmlns:r="http://schemas.openxmlformats.org/officeDocument/2006/relationships" xmlns:p="http://schemas.openxmlformats.org/presentationml/2006/main">
   <p:cSld>
+    <p:bg>
+      <p:bgPr>
+        <a:solidFill>
+          <a:schemeClr val="bg1"/>
+        </a:solidFill>
+        <a:effectLst/>
+      </p:bgPr>
+    </p:bg>
     <p:spTree>
       <p:nvGrpSpPr>
         <p:cNvPr id="1" name=""/>
@@ -9421,6 +12046,315 @@
           <a:chExt cx="0" cy="0"/>
         </a:xfrm>
       </p:grpSpPr>
+      <p:sp>
+        <p:nvSpPr>
+          <p:cNvPr id="11" name="Rectangle 10">
+            <a:extLst>
+              <a:ext uri="{FF2B5EF4-FFF2-40B4-BE49-F238E27FC236}">
+                <a16:creationId xmlns:a16="http://schemas.microsoft.com/office/drawing/2014/main" id="{4E4490D0-3672-446A-AC12-B4830333BDDD}"/>
+              </a:ext>
+              <a:ext uri="{C183D7F6-B498-43B3-948B-1728B52AA6E4}">
+                <adec:decorative xmlns:adec="http://schemas.microsoft.com/office/drawing/2017/decorative" val="1"/>
+              </a:ext>
+            </a:extLst>
+          </p:cNvPr>
+          <p:cNvSpPr>
+            <a:spLocks noGrp="1" noRot="1" noChangeAspect="1" noMove="1" noResize="1" noEditPoints="1" noAdjustHandles="1" noChangeArrowheads="1" noChangeShapeType="1" noTextEdit="1"/>
+          </p:cNvSpPr>
+          <p:nvPr>
+            <p:extLst>
+              <p:ext uri="{386F3935-93C4-4BCD-93E2-E3B085C9AB24}">
+                <p16:designElem xmlns:p16="http://schemas.microsoft.com/office/powerpoint/2015/main" val="1"/>
+              </p:ext>
+            </p:extLst>
+          </p:nvPr>
+        </p:nvSpPr>
+        <p:spPr>
+          <a:xfrm>
+            <a:off x="3175" y="6400800"/>
+            <a:ext cx="12188825" cy="457200"/>
+          </a:xfrm>
+          <a:prstGeom prst="rect">
+            <a:avLst/>
+          </a:prstGeom>
+          <a:solidFill>
+            <a:schemeClr val="accent2"/>
+          </a:solidFill>
+          <a:ln>
+            <a:noFill/>
+          </a:ln>
+        </p:spPr>
+        <p:style>
+          <a:lnRef idx="2">
+            <a:schemeClr val="accent1">
+              <a:shade val="50000"/>
+            </a:schemeClr>
+          </a:lnRef>
+          <a:fillRef idx="1">
+            <a:schemeClr val="accent1"/>
+          </a:fillRef>
+          <a:effectRef idx="0">
+            <a:schemeClr val="accent1"/>
+          </a:effectRef>
+          <a:fontRef idx="minor">
+            <a:schemeClr val="lt1"/>
+          </a:fontRef>
+        </p:style>
+      </p:sp>
+      <p:sp>
+        <p:nvSpPr>
+          <p:cNvPr id="13" name="Rectangle 12">
+            <a:extLst>
+              <a:ext uri="{FF2B5EF4-FFF2-40B4-BE49-F238E27FC236}">
+                <a16:creationId xmlns:a16="http://schemas.microsoft.com/office/drawing/2014/main" id="{39CB82C2-DF65-4EC1-8280-F201D50F570B}"/>
+              </a:ext>
+              <a:ext uri="{C183D7F6-B498-43B3-948B-1728B52AA6E4}">
+                <adec:decorative xmlns:adec="http://schemas.microsoft.com/office/drawing/2017/decorative" val="1"/>
+              </a:ext>
+            </a:extLst>
+          </p:cNvPr>
+          <p:cNvSpPr>
+            <a:spLocks noGrp="1" noRot="1" noChangeAspect="1" noMove="1" noResize="1" noEditPoints="1" noAdjustHandles="1" noChangeArrowheads="1" noChangeShapeType="1" noTextEdit="1"/>
+          </p:cNvSpPr>
+          <p:nvPr>
+            <p:extLst>
+              <p:ext uri="{386F3935-93C4-4BCD-93E2-E3B085C9AB24}">
+                <p16:designElem xmlns:p16="http://schemas.microsoft.com/office/powerpoint/2015/main" val="1"/>
+              </p:ext>
+            </p:extLst>
+          </p:nvPr>
+        </p:nvSpPr>
+        <p:spPr>
+          <a:xfrm>
+            <a:off x="15" y="6334316"/>
+            <a:ext cx="12188825" cy="64008"/>
+          </a:xfrm>
+          <a:prstGeom prst="rect">
+            <a:avLst/>
+          </a:prstGeom>
+          <a:solidFill>
+            <a:schemeClr val="accent1"/>
+          </a:solidFill>
+          <a:ln>
+            <a:noFill/>
+          </a:ln>
+        </p:spPr>
+        <p:style>
+          <a:lnRef idx="2">
+            <a:schemeClr val="accent1">
+              <a:shade val="50000"/>
+            </a:schemeClr>
+          </a:lnRef>
+          <a:fillRef idx="1">
+            <a:schemeClr val="accent1"/>
+          </a:fillRef>
+          <a:effectRef idx="0">
+            <a:schemeClr val="accent1"/>
+          </a:effectRef>
+          <a:fontRef idx="minor">
+            <a:schemeClr val="lt1"/>
+          </a:fontRef>
+        </p:style>
+      </p:sp>
+      <p:cxnSp>
+        <p:nvCxnSpPr>
+          <p:cNvPr id="15" name="Straight Connector 14">
+            <a:extLst>
+              <a:ext uri="{FF2B5EF4-FFF2-40B4-BE49-F238E27FC236}">
+                <a16:creationId xmlns:a16="http://schemas.microsoft.com/office/drawing/2014/main" id="{7E1D4427-852B-4B37-8E76-0E9F1810BA2A}"/>
+              </a:ext>
+              <a:ext uri="{C183D7F6-B498-43B3-948B-1728B52AA6E4}">
+                <adec:decorative xmlns:adec="http://schemas.microsoft.com/office/drawing/2017/decorative" val="1"/>
+              </a:ext>
+            </a:extLst>
+          </p:cNvPr>
+          <p:cNvCxnSpPr>
+            <a:cxnSpLocks noGrp="1" noRot="1" noChangeAspect="1" noMove="1" noResize="1" noEditPoints="1" noAdjustHandles="1" noChangeArrowheads="1" noChangeShapeType="1"/>
+          </p:cNvCxnSpPr>
+          <p:nvPr>
+            <p:extLst>
+              <p:ext uri="{386F3935-93C4-4BCD-93E2-E3B085C9AB24}">
+                <p16:designElem xmlns:p16="http://schemas.microsoft.com/office/powerpoint/2015/main" val="1"/>
+              </p:ext>
+            </p:extLst>
+          </p:nvPr>
+        </p:nvCxnSpPr>
+        <p:spPr>
+          <a:xfrm>
+            <a:off x="1207658" y="4343400"/>
+            <a:ext cx="9875520" cy="0"/>
+          </a:xfrm>
+          <a:prstGeom prst="line">
+            <a:avLst/>
+          </a:prstGeom>
+          <a:ln w="6350">
+            <a:solidFill>
+              <a:schemeClr val="tx1">
+                <a:lumMod val="50000"/>
+                <a:lumOff val="50000"/>
+              </a:schemeClr>
+            </a:solidFill>
+          </a:ln>
+        </p:spPr>
+        <p:style>
+          <a:lnRef idx="1">
+            <a:schemeClr val="accent1"/>
+          </a:lnRef>
+          <a:fillRef idx="0">
+            <a:schemeClr val="accent1"/>
+          </a:fillRef>
+          <a:effectRef idx="0">
+            <a:schemeClr val="accent1"/>
+          </a:effectRef>
+          <a:fontRef idx="minor">
+            <a:schemeClr val="tx1"/>
+          </a:fontRef>
+        </p:style>
+      </p:cxnSp>
+      <p:sp useBgFill="1">
+        <p:nvSpPr>
+          <p:cNvPr id="17" name="Rectangle 16">
+            <a:extLst>
+              <a:ext uri="{FF2B5EF4-FFF2-40B4-BE49-F238E27FC236}">
+                <a16:creationId xmlns:a16="http://schemas.microsoft.com/office/drawing/2014/main" id="{5A1B47C8-47A0-4A88-8830-6DEA3B5DE392}"/>
+              </a:ext>
+              <a:ext uri="{C183D7F6-B498-43B3-948B-1728B52AA6E4}">
+                <adec:decorative xmlns:adec="http://schemas.microsoft.com/office/drawing/2017/decorative" val="1"/>
+              </a:ext>
+            </a:extLst>
+          </p:cNvPr>
+          <p:cNvSpPr>
+            <a:spLocks noGrp="1" noRot="1" noChangeAspect="1" noMove="1" noResize="1" noEditPoints="1" noAdjustHandles="1" noChangeArrowheads="1" noChangeShapeType="1" noTextEdit="1"/>
+          </p:cNvSpPr>
+          <p:nvPr>
+            <p:extLst>
+              <p:ext uri="{386F3935-93C4-4BCD-93E2-E3B085C9AB24}">
+                <p16:designElem xmlns:p16="http://schemas.microsoft.com/office/powerpoint/2015/main" val="1"/>
+              </p:ext>
+            </p:extLst>
+          </p:nvPr>
+        </p:nvSpPr>
+        <p:spPr>
+          <a:xfrm>
+            <a:off x="0" y="0"/>
+            <a:ext cx="12192000" cy="6858000"/>
+          </a:xfrm>
+          <a:prstGeom prst="rect">
+            <a:avLst/>
+          </a:prstGeom>
+          <a:ln>
+            <a:noFill/>
+          </a:ln>
+        </p:spPr>
+        <p:style>
+          <a:lnRef idx="2">
+            <a:schemeClr val="accent1">
+              <a:shade val="50000"/>
+            </a:schemeClr>
+          </a:lnRef>
+          <a:fillRef idx="1001">
+            <a:schemeClr val="lt1"/>
+          </a:fillRef>
+          <a:effectRef idx="0">
+            <a:schemeClr val="accent1"/>
+          </a:effectRef>
+          <a:fontRef idx="minor">
+            <a:schemeClr val="lt1"/>
+          </a:fontRef>
+        </p:style>
+        <p:txBody>
+          <a:bodyPr rtlCol="0" anchor="ctr"/>
+          <a:lstStyle/>
+          <a:p>
+            <a:pPr marL="0" marR="0" lvl="0" indent="0" algn="ctr" defTabSz="457200" rtl="0" eaLnBrk="1" fontAlgn="auto" latinLnBrk="0" hangingPunct="1">
+              <a:lnSpc>
+                <a:spcPct val="100000"/>
+              </a:lnSpc>
+              <a:spcBef>
+                <a:spcPts val="0"/>
+              </a:spcBef>
+              <a:spcAft>
+                <a:spcPts val="0"/>
+              </a:spcAft>
+              <a:buClrTx/>
+              <a:buSzTx/>
+              <a:buFontTx/>
+              <a:buNone/>
+              <a:tabLst/>
+              <a:defRPr/>
+            </a:pPr>
+            <a:endParaRPr kumimoji="0" lang="en-US" sz="1800" b="0" i="0" u="none" strike="noStrike" kern="1200" cap="none" spc="0" normalizeH="0" baseline="0" noProof="0">
+              <a:ln>
+                <a:noFill/>
+              </a:ln>
+              <a:solidFill>
+                <a:prstClr val="white"/>
+              </a:solidFill>
+              <a:effectLst/>
+              <a:uLnTx/>
+              <a:uFillTx/>
+              <a:latin typeface="Calibri" panose="020F0502020204030204"/>
+              <a:ea typeface="+mn-ea"/>
+              <a:cs typeface="+mn-cs"/>
+            </a:endParaRPr>
+          </a:p>
+        </p:txBody>
+      </p:sp>
+      <p:sp>
+        <p:nvSpPr>
+          <p:cNvPr id="19" name="Rectangle 18">
+            <a:extLst>
+              <a:ext uri="{FF2B5EF4-FFF2-40B4-BE49-F238E27FC236}">
+                <a16:creationId xmlns:a16="http://schemas.microsoft.com/office/drawing/2014/main" id="{984BBFDD-E720-4805-A9C8-129FBBF6DD70}"/>
+              </a:ext>
+              <a:ext uri="{C183D7F6-B498-43B3-948B-1728B52AA6E4}">
+                <adec:decorative xmlns:adec="http://schemas.microsoft.com/office/drawing/2017/decorative" val="1"/>
+              </a:ext>
+            </a:extLst>
+          </p:cNvPr>
+          <p:cNvSpPr>
+            <a:spLocks noGrp="1" noRot="1" noChangeAspect="1" noMove="1" noResize="1" noEditPoints="1" noAdjustHandles="1" noChangeArrowheads="1" noChangeShapeType="1" noTextEdit="1"/>
+          </p:cNvSpPr>
+          <p:nvPr>
+            <p:extLst>
+              <p:ext uri="{386F3935-93C4-4BCD-93E2-E3B085C9AB24}">
+                <p16:designElem xmlns:p16="http://schemas.microsoft.com/office/powerpoint/2015/main" val="1"/>
+              </p:ext>
+            </p:extLst>
+          </p:nvPr>
+        </p:nvSpPr>
+        <p:spPr bwMode="white">
+          <a:xfrm>
+            <a:off x="7613486" y="0"/>
+            <a:ext cx="4584734" cy="6858000"/>
+          </a:xfrm>
+          <a:prstGeom prst="rect">
+            <a:avLst/>
+          </a:prstGeom>
+          <a:solidFill>
+            <a:schemeClr val="accent2"/>
+          </a:solidFill>
+          <a:ln>
+            <a:noFill/>
+          </a:ln>
+        </p:spPr>
+        <p:style>
+          <a:lnRef idx="2">
+            <a:schemeClr val="accent1">
+              <a:shade val="50000"/>
+            </a:schemeClr>
+          </a:lnRef>
+          <a:fillRef idx="1">
+            <a:schemeClr val="accent1"/>
+          </a:fillRef>
+          <a:effectRef idx="0">
+            <a:schemeClr val="accent1"/>
+          </a:effectRef>
+          <a:fontRef idx="minor">
+            <a:schemeClr val="lt1"/>
+          </a:fontRef>
+        </p:style>
+      </p:sp>
       <p:sp>
         <p:nvSpPr>
           <p:cNvPr id="2" name="Title 1">
@@ -9459,6 +12393,61 @@
             </a:r>
           </a:p>
         </p:txBody>
+      </p:sp>
+      <p:sp>
+        <p:nvSpPr>
+          <p:cNvPr id="21" name="Rectangle 20">
+            <a:extLst>
+              <a:ext uri="{FF2B5EF4-FFF2-40B4-BE49-F238E27FC236}">
+                <a16:creationId xmlns:a16="http://schemas.microsoft.com/office/drawing/2014/main" id="{5AC4BE46-4A77-42FE-9D15-065CDB2F847C}"/>
+              </a:ext>
+              <a:ext uri="{C183D7F6-B498-43B3-948B-1728B52AA6E4}">
+                <adec:decorative xmlns:adec="http://schemas.microsoft.com/office/drawing/2017/decorative" val="1"/>
+              </a:ext>
+            </a:extLst>
+          </p:cNvPr>
+          <p:cNvSpPr>
+            <a:spLocks noGrp="1" noRot="1" noChangeAspect="1" noMove="1" noResize="1" noEditPoints="1" noAdjustHandles="1" noChangeArrowheads="1" noChangeShapeType="1" noTextEdit="1"/>
+          </p:cNvSpPr>
+          <p:nvPr>
+            <p:extLst>
+              <p:ext uri="{386F3935-93C4-4BCD-93E2-E3B085C9AB24}">
+                <p16:designElem xmlns:p16="http://schemas.microsoft.com/office/powerpoint/2015/main" val="1"/>
+              </p:ext>
+            </p:extLst>
+          </p:nvPr>
+        </p:nvSpPr>
+        <p:spPr>
+          <a:xfrm>
+            <a:off x="7556906" y="0"/>
+            <a:ext cx="64008" cy="6858000"/>
+          </a:xfrm>
+          <a:prstGeom prst="rect">
+            <a:avLst/>
+          </a:prstGeom>
+          <a:solidFill>
+            <a:schemeClr val="accent1"/>
+          </a:solidFill>
+          <a:ln>
+            <a:noFill/>
+          </a:ln>
+        </p:spPr>
+        <p:style>
+          <a:lnRef idx="2">
+            <a:schemeClr val="accent1">
+              <a:shade val="50000"/>
+            </a:schemeClr>
+          </a:lnRef>
+          <a:fillRef idx="1">
+            <a:schemeClr val="accent1"/>
+          </a:fillRef>
+          <a:effectRef idx="0">
+            <a:schemeClr val="accent1"/>
+          </a:effectRef>
+          <a:fontRef idx="minor">
+            <a:schemeClr val="lt1"/>
+          </a:fontRef>
+        </p:style>
       </p:sp>
       <p:graphicFrame>
         <p:nvGraphicFramePr>
@@ -11558,45 +14547,6 @@
           </a:graphicData>
         </a:graphic>
       </p:graphicFrame>
-      <p:sp>
-        <p:nvSpPr>
-          <p:cNvPr id="7" name="TextBox 6">
-            <a:extLst>
-              <a:ext uri="{FF2B5EF4-FFF2-40B4-BE49-F238E27FC236}">
-                <a16:creationId xmlns:a16="http://schemas.microsoft.com/office/drawing/2014/main" id="{60B02CB4-679C-479B-8384-42997BF44C54}"/>
-              </a:ext>
-            </a:extLst>
-          </p:cNvPr>
-          <p:cNvSpPr txBox="1"/>
-          <p:nvPr/>
-        </p:nvSpPr>
-        <p:spPr>
-          <a:xfrm>
-            <a:off x="98834" y="6398324"/>
-            <a:ext cx="7367193" cy="369332"/>
-          </a:xfrm>
-          <a:prstGeom prst="rect">
-            <a:avLst/>
-          </a:prstGeom>
-          <a:noFill/>
-        </p:spPr>
-        <p:txBody>
-          <a:bodyPr wrap="square" rtlCol="0">
-            <a:spAutoFit/>
-          </a:bodyPr>
-          <a:lstStyle/>
-          <a:p>
-            <a:pPr marL="285750" indent="-285750">
-              <a:buFont typeface="Wingdings" panose="05000000000000000000" pitchFamily="2" charset="2"/>
-              <a:buChar char="ü"/>
-            </a:pPr>
-            <a:r>
-              <a:rPr lang="en-US" dirty="0"/>
-              <a:t>+2 models: TF-IDF &amp; POS Tagging (Headword), didn’t improve results</a:t>
-            </a:r>
-          </a:p>
-        </p:txBody>
-      </p:sp>
     </p:spTree>
     <p:extLst>
       <p:ext uri="{BB962C8B-B14F-4D97-AF65-F5344CB8AC3E}">
@@ -11649,18 +14599,17 @@
           <a:lstStyle/>
           <a:p>
             <a:r>
-              <a:rPr lang="tr-TR" dirty="0" err="1"/>
+              <a:rPr lang="en-US" dirty="0"/>
               <a:t>Future</a:t>
             </a:r>
             <a:r>
               <a:rPr lang="tr-TR" dirty="0"/>
-              <a:t> </a:t>
-            </a:r>
-            <a:r>
-              <a:rPr lang="tr-TR" dirty="0" err="1"/>
-              <a:t>Work</a:t>
-            </a:r>
-            <a:endParaRPr lang="en-US" dirty="0"/>
+              <a:t> Work</a:t>
+            </a:r>
+            <a:r>
+              <a:rPr lang="en-US" dirty="0"/>
+              <a:t>(1)</a:t>
+            </a:r>
           </a:p>
         </p:txBody>
       </p:sp>
@@ -11695,36 +14644,8 @@
               <a:buChar char="Ø"/>
             </a:pPr>
             <a:r>
-              <a:rPr lang="en-US" dirty="0"/>
-              <a:t>[1]</a:t>
-            </a:r>
-            <a:r>
               <a:rPr lang="tr-TR" dirty="0"/>
-              <a:t> </a:t>
-            </a:r>
-            <a:r>
-              <a:rPr lang="tr-TR" dirty="0" err="1"/>
-              <a:t>Graph</a:t>
-            </a:r>
-            <a:r>
-              <a:rPr lang="tr-TR" dirty="0"/>
-              <a:t> </a:t>
-            </a:r>
-            <a:r>
-              <a:rPr lang="tr-TR" dirty="0" err="1"/>
-              <a:t>based</a:t>
-            </a:r>
-            <a:r>
-              <a:rPr lang="tr-TR" dirty="0"/>
-              <a:t> </a:t>
-            </a:r>
-            <a:r>
-              <a:rPr lang="tr-TR" dirty="0" err="1"/>
-              <a:t>representation</a:t>
-            </a:r>
-            <a:r>
-              <a:rPr lang="tr-TR" dirty="0"/>
-              <a:t> </a:t>
+              <a:t>Graph based representation</a:t>
             </a:r>
           </a:p>
           <a:p>
@@ -11733,15 +14654,7 @@
             </a:pPr>
             <a:r>
               <a:rPr lang="tr-TR" dirty="0"/>
-              <a:t>of </a:t>
-            </a:r>
-            <a:r>
-              <a:rPr lang="tr-TR" dirty="0" err="1"/>
-              <a:t>Ontology</a:t>
-            </a:r>
-            <a:r>
-              <a:rPr lang="tr-TR" dirty="0"/>
-              <a:t> set</a:t>
+              <a:t>of Ontology set</a:t>
             </a:r>
           </a:p>
           <a:p>
@@ -11751,31 +14664,7 @@
             </a:pPr>
             <a:r>
               <a:rPr lang="tr-TR" dirty="0"/>
-              <a:t>Using </a:t>
-            </a:r>
-            <a:r>
-              <a:rPr lang="tr-TR" dirty="0" err="1"/>
-              <a:t>is_a</a:t>
-            </a:r>
-            <a:r>
-              <a:rPr lang="tr-TR" dirty="0"/>
-              <a:t> / </a:t>
-            </a:r>
-            <a:r>
-              <a:rPr lang="tr-TR" dirty="0" err="1"/>
-              <a:t>synonym</a:t>
-            </a:r>
-            <a:r>
-              <a:rPr lang="tr-TR" dirty="0"/>
-              <a:t> </a:t>
-            </a:r>
-            <a:r>
-              <a:rPr lang="tr-TR" dirty="0" err="1"/>
-              <a:t>relations</a:t>
-            </a:r>
-            <a:r>
-              <a:rPr lang="tr-TR" dirty="0"/>
-              <a:t> </a:t>
+              <a:t>Using is_a/synonym relations </a:t>
             </a:r>
           </a:p>
           <a:p>
@@ -11919,18 +14808,13 @@
           <a:lstStyle/>
           <a:p>
             <a:r>
-              <a:rPr lang="tr-TR" dirty="0" err="1"/>
-              <a:t>Future</a:t>
-            </a:r>
-            <a:r>
               <a:rPr lang="tr-TR" dirty="0"/>
-              <a:t> </a:t>
-            </a:r>
-            <a:r>
-              <a:rPr lang="tr-TR" dirty="0" err="1"/>
-              <a:t>Work</a:t>
-            </a:r>
-            <a:endParaRPr lang="en-US" dirty="0"/>
+              <a:t>Future Work</a:t>
+            </a:r>
+            <a:r>
+              <a:rPr lang="en-US" dirty="0"/>
+              <a:t>(2)</a:t>
+            </a:r>
           </a:p>
         </p:txBody>
       </p:sp>
@@ -11952,12 +14836,14 @@
         </p:nvSpPr>
         <p:spPr>
           <a:xfrm>
-            <a:off x="1262742" y="1876778"/>
+            <a:off x="1272169" y="1886205"/>
             <a:ext cx="9892937" cy="3992316"/>
           </a:xfrm>
         </p:spPr>
         <p:txBody>
-          <a:bodyPr/>
+          <a:bodyPr>
+            <a:normAutofit/>
+          </a:bodyPr>
           <a:lstStyle/>
           <a:p>
             <a:pPr>
@@ -11965,32 +14851,112 @@
               <a:buChar char="Ø"/>
             </a:pPr>
             <a:r>
-              <a:rPr lang="tr-TR" dirty="0" err="1"/>
-              <a:t>BioNLP</a:t>
-            </a:r>
+              <a:rPr lang="en-US" dirty="0" err="1"/>
+              <a:t>BioWordVec</a:t>
+            </a:r>
+            <a:r>
+              <a:rPr lang="en-US" dirty="0"/>
+              <a:t> [2,3]</a:t>
+            </a:r>
+          </a:p>
+          <a:p>
+            <a:pPr lvl="1">
+              <a:buFont typeface="Wingdings" panose="05000000000000000000" pitchFamily="2" charset="2"/>
+              <a:buChar char="Ø"/>
+            </a:pPr>
             <a:r>
               <a:rPr lang="tr-TR" dirty="0"/>
-              <a:t> </a:t>
-            </a:r>
-            <a:r>
-              <a:rPr lang="tr-TR" dirty="0" err="1"/>
-              <a:t>word</a:t>
-            </a:r>
+              <a:t>Uses subword tokens as n-grams of characters</a:t>
+            </a:r>
+          </a:p>
+          <a:p>
+            <a:pPr lvl="1">
+              <a:buFont typeface="Wingdings" panose="05000000000000000000" pitchFamily="2" charset="2"/>
+              <a:buChar char="Ø"/>
+            </a:pPr>
+            <a:r>
+              <a:rPr lang="en-US" dirty="0"/>
+              <a:t>To capture the meaning of sub-words, prefixes, and suffixes</a:t>
+            </a:r>
+          </a:p>
+          <a:p>
+            <a:pPr lvl="1">
+              <a:buFont typeface="Wingdings" panose="05000000000000000000" pitchFamily="2" charset="2"/>
+              <a:buChar char="Ø"/>
+            </a:pPr>
             <a:r>
               <a:rPr lang="tr-TR" dirty="0"/>
-              <a:t> </a:t>
-            </a:r>
-            <a:r>
-              <a:rPr lang="tr-TR" dirty="0" err="1"/>
-              <a:t>embeddings</a:t>
-            </a:r>
-            <a:endParaRPr lang="tr-TR" dirty="0"/>
+              <a:t>Fasttext Based Word Embedding</a:t>
+            </a:r>
           </a:p>
           <a:p>
             <a:pPr>
               <a:buFont typeface="Wingdings" panose="05000000000000000000" pitchFamily="2" charset="2"/>
               <a:buChar char="Ø"/>
             </a:pPr>
+            <a:r>
+              <a:rPr lang="en-US" dirty="0"/>
+              <a:t>Example</a:t>
+            </a:r>
+          </a:p>
+          <a:p>
+            <a:pPr lvl="1">
+              <a:buFont typeface="Wingdings" panose="05000000000000000000" pitchFamily="2" charset="2"/>
+              <a:buChar char="Ø"/>
+            </a:pPr>
+            <a:r>
+              <a:rPr lang="en-US" dirty="0" err="1"/>
+              <a:t>TermName</a:t>
+            </a:r>
+            <a:r>
+              <a:rPr lang="en-US" dirty="0"/>
+              <a:t>: gastroenteritis patients || Found: patient || Actual: patient with infectious disease</a:t>
+            </a:r>
+            <a:r>
+              <a:rPr lang="tr-TR" dirty="0"/>
+              <a:t> </a:t>
+            </a:r>
+          </a:p>
+          <a:p>
+            <a:pPr lvl="1">
+              <a:buFont typeface="Wingdings" panose="05000000000000000000" pitchFamily="2" charset="2"/>
+              <a:buChar char="Ø"/>
+            </a:pPr>
+            <a:r>
+              <a:rPr lang="en-US" dirty="0"/>
+              <a:t>Gastroenteritis</a:t>
+            </a:r>
+            <a:r>
+              <a:rPr lang="tr-TR" dirty="0"/>
+              <a:t>:</a:t>
+            </a:r>
+            <a:r>
+              <a:rPr lang="tr-TR" b="1" dirty="0"/>
+              <a:t> </a:t>
+            </a:r>
+            <a:r>
+              <a:rPr lang="en-US" dirty="0"/>
+              <a:t>known as infectious diarrhea</a:t>
+            </a:r>
+            <a:endParaRPr lang="tr-TR" dirty="0"/>
+          </a:p>
+          <a:p>
+            <a:pPr lvl="2">
+              <a:buFont typeface="Wingdings" panose="05000000000000000000" pitchFamily="2" charset="2"/>
+              <a:buChar char="Ø"/>
+            </a:pPr>
+            <a:r>
+              <a:rPr lang="tr-TR" dirty="0"/>
+              <a:t>-itis:</a:t>
+            </a:r>
+            <a:r>
+              <a:rPr lang="tr-TR" b="1" dirty="0"/>
+              <a:t> </a:t>
+            </a:r>
+            <a:r>
+              <a:rPr lang="en-US" dirty="0"/>
+              <a:t>diseases characterized by inflammation</a:t>
+            </a:r>
             <a:endParaRPr lang="tr-TR" dirty="0"/>
           </a:p>
         </p:txBody>
@@ -11998,7 +14964,7 @@
     </p:spTree>
     <p:extLst>
       <p:ext uri="{BB962C8B-B14F-4D97-AF65-F5344CB8AC3E}">
-        <p14:creationId xmlns:p14="http://schemas.microsoft.com/office/powerpoint/2010/main" val="2015450309"/>
+        <p14:creationId xmlns:p14="http://schemas.microsoft.com/office/powerpoint/2010/main" val="3830064637"/>
       </p:ext>
     </p:extLst>
   </p:cSld>
@@ -12047,18 +15013,17 @@
           <a:lstStyle/>
           <a:p>
             <a:r>
-              <a:rPr lang="tr-TR" dirty="0" err="1"/>
-              <a:t>Future</a:t>
-            </a:r>
-            <a:r>
-              <a:rPr lang="tr-TR" dirty="0"/>
-              <a:t> </a:t>
-            </a:r>
-            <a:r>
-              <a:rPr lang="tr-TR" dirty="0" err="1"/>
-              <a:t>Work</a:t>
-            </a:r>
-            <a:endParaRPr lang="en-US" dirty="0"/>
+              <a:rPr lang="tr-TR"/>
+              <a:t>Future Work</a:t>
+            </a:r>
+            <a:r>
+              <a:rPr lang="en-US"/>
+              <a:t>(</a:t>
+            </a:r>
+            <a:r>
+              <a:rPr lang="en-US" dirty="0"/>
+              <a:t>3)</a:t>
+            </a:r>
           </a:p>
         </p:txBody>
       </p:sp>
@@ -12093,157 +15058,82 @@
               <a:buChar char="Ø"/>
             </a:pPr>
             <a:r>
-              <a:rPr lang="tr-TR" sz="3000" dirty="0" err="1"/>
+              <a:rPr lang="tr-TR" dirty="0"/>
               <a:t>Part</a:t>
             </a:r>
             <a:r>
-              <a:rPr lang="tr-TR" sz="3000" dirty="0"/>
-              <a:t> of Speech </a:t>
-            </a:r>
-            <a:r>
-              <a:rPr lang="tr-TR" sz="3000" dirty="0" err="1"/>
-              <a:t>Tagger</a:t>
-            </a:r>
-            <a:r>
-              <a:rPr lang="tr-TR" sz="3000" dirty="0"/>
-              <a:t> </a:t>
-            </a:r>
-            <a:r>
-              <a:rPr lang="tr-TR" sz="3000" dirty="0" err="1"/>
-              <a:t>to</a:t>
-            </a:r>
-            <a:r>
-              <a:rPr lang="tr-TR" sz="3000" dirty="0"/>
-              <a:t> </a:t>
-            </a:r>
-            <a:r>
-              <a:rPr lang="tr-TR" sz="3000" dirty="0" err="1"/>
-              <a:t>extract</a:t>
-            </a:r>
-            <a:r>
-              <a:rPr lang="tr-TR" sz="3000" dirty="0"/>
-              <a:t> </a:t>
-            </a:r>
-            <a:r>
-              <a:rPr lang="tr-TR" sz="3000" dirty="0" err="1"/>
-              <a:t>valuable</a:t>
-            </a:r>
-            <a:r>
-              <a:rPr lang="tr-TR" sz="3000" dirty="0"/>
-              <a:t> </a:t>
-            </a:r>
-            <a:r>
-              <a:rPr lang="tr-TR" sz="3000" dirty="0" err="1"/>
-              <a:t>information</a:t>
-            </a:r>
-            <a:endParaRPr lang="tr-TR" sz="3000" dirty="0"/>
+              <a:rPr lang="en-US" dirty="0"/>
+              <a:t>-</a:t>
+            </a:r>
+            <a:r>
+              <a:rPr lang="tr-TR" dirty="0"/>
+              <a:t>of</a:t>
+            </a:r>
+            <a:r>
+              <a:rPr lang="en-US" dirty="0"/>
+              <a:t>-</a:t>
+            </a:r>
+            <a:r>
+              <a:rPr lang="tr-TR" dirty="0"/>
+              <a:t>Speech</a:t>
+            </a:r>
+            <a:r>
+              <a:rPr lang="en-US" dirty="0"/>
+              <a:t> (POS)</a:t>
+            </a:r>
+            <a:r>
+              <a:rPr lang="tr-TR" dirty="0"/>
+              <a:t> Tagger to extract valuable information</a:t>
+            </a:r>
           </a:p>
           <a:p>
-            <a:pPr>
+            <a:pPr lvl="1">
               <a:buFont typeface="Wingdings" panose="05000000000000000000" pitchFamily="2" charset="2"/>
               <a:buChar char="Ø"/>
             </a:pPr>
             <a:r>
-              <a:rPr lang="tr-TR" dirty="0" err="1"/>
-              <a:t>Noun</a:t>
-            </a:r>
-            <a:r>
               <a:rPr lang="tr-TR" dirty="0"/>
-              <a:t> </a:t>
-            </a:r>
-            <a:r>
-              <a:rPr lang="tr-TR" dirty="0" err="1"/>
-              <a:t>phrases</a:t>
-            </a:r>
-            <a:r>
-              <a:rPr lang="tr-TR" dirty="0"/>
-              <a:t>, </a:t>
-            </a:r>
-            <a:r>
-              <a:rPr lang="tr-TR" dirty="0" err="1"/>
-              <a:t>noun</a:t>
-            </a:r>
-            <a:r>
-              <a:rPr lang="tr-TR" dirty="0"/>
-              <a:t> </a:t>
-            </a:r>
-            <a:r>
-              <a:rPr lang="tr-TR" dirty="0" err="1"/>
-              <a:t>clauses</a:t>
-            </a:r>
-            <a:r>
-              <a:rPr lang="tr-TR" dirty="0"/>
-              <a:t> (NN)</a:t>
+              <a:t>Noun phrases, noun clauses (NN)</a:t>
             </a:r>
           </a:p>
           <a:p>
-            <a:pPr>
+            <a:pPr lvl="1">
               <a:buFont typeface="Wingdings" panose="05000000000000000000" pitchFamily="2" charset="2"/>
               <a:buChar char="Ø"/>
             </a:pPr>
             <a:r>
-              <a:rPr lang="tr-TR" dirty="0" err="1"/>
-              <a:t>e.g</a:t>
-            </a:r>
-            <a:r>
-              <a:rPr lang="tr-TR" dirty="0"/>
-              <a:t>. </a:t>
-            </a:r>
+              <a:rPr lang="en-US" dirty="0"/>
+              <a:t>Examples</a:t>
+            </a:r>
+          </a:p>
+          <a:p>
+            <a:pPr lvl="2">
+              <a:buFont typeface="Wingdings" panose="05000000000000000000" pitchFamily="2" charset="2"/>
+              <a:buChar char="Ø"/>
+            </a:pPr>
             <a:r>
               <a:rPr lang="en-US" dirty="0" err="1"/>
               <a:t>TermName</a:t>
             </a:r>
             <a:r>
               <a:rPr lang="en-US" dirty="0"/>
-              <a:t>: sexually transmitted infection clinics. Found: patient with infectious disease. Actual: clinic</a:t>
+              <a:t>: sexually transmitted infection clinics || Found: patient with infectious disease || Actual: clinic</a:t>
             </a:r>
             <a:endParaRPr lang="tr-TR" dirty="0"/>
           </a:p>
           <a:p>
-            <a:pPr>
+            <a:pPr lvl="2">
               <a:buFont typeface="Wingdings" panose="05000000000000000000" pitchFamily="2" charset="2"/>
               <a:buChar char="Ø"/>
             </a:pPr>
             <a:r>
-              <a:rPr lang="tr-TR" dirty="0" err="1"/>
-              <a:t>e.g</a:t>
-            </a:r>
-            <a:r>
-              <a:rPr lang="tr-TR" dirty="0"/>
-              <a:t>. </a:t>
-            </a:r>
-            <a:r>
               <a:rPr lang="en-US" dirty="0" err="1"/>
               <a:t>TermName</a:t>
             </a:r>
             <a:r>
               <a:rPr lang="en-US" dirty="0"/>
-              <a:t>: marine organisms. Found: marine environment. Actual: living organism</a:t>
-            </a:r>
-            <a:endParaRPr lang="tr-TR" dirty="0"/>
-          </a:p>
-          <a:p>
-            <a:pPr>
-              <a:buFont typeface="Wingdings" panose="05000000000000000000" pitchFamily="2" charset="2"/>
-              <a:buChar char="Ø"/>
-            </a:pPr>
-            <a:r>
-              <a:rPr lang="tr-TR" dirty="0" err="1"/>
-              <a:t>e.g</a:t>
-            </a:r>
-            <a:r>
-              <a:rPr lang="tr-TR" dirty="0"/>
-              <a:t>. </a:t>
-            </a:r>
-            <a:r>
-              <a:rPr lang="en-US" dirty="0" err="1"/>
-              <a:t>TermName</a:t>
-            </a:r>
-            <a:r>
-              <a:rPr lang="en-US" dirty="0"/>
-              <a:t>: animal blood. Found: animal blood. Actual: blood</a:t>
-            </a:r>
-            <a:endParaRPr lang="tr-TR" dirty="0"/>
+              <a:t>: marine organisms || Found: marine environment || Actual: living organism</a:t>
+            </a:r>
           </a:p>
         </p:txBody>
       </p:sp>
@@ -12334,25 +15224,20 @@
               <a:buChar char="Ø"/>
             </a:pPr>
             <a:r>
-              <a:rPr lang="tr-TR" sz="2500" dirty="0" err="1"/>
-              <a:t>Baseline</a:t>
-            </a:r>
-            <a:r>
-              <a:rPr lang="tr-TR" sz="2500" dirty="0"/>
-              <a:t> </a:t>
-            </a:r>
-            <a:r>
-              <a:rPr lang="tr-TR" sz="2500" dirty="0" err="1"/>
-              <a:t>System</a:t>
-            </a:r>
-            <a:r>
-              <a:rPr lang="tr-TR" sz="2500" dirty="0"/>
-              <a:t>, </a:t>
-            </a:r>
-            <a:r>
-              <a:rPr lang="en-US" sz="2500" dirty="0"/>
+              <a:rPr lang="en-US" sz="2500" b="1" dirty="0"/>
               <a:t>Mansur Yeşilbursa</a:t>
             </a:r>
+          </a:p>
+          <a:p>
+            <a:pPr lvl="1">
+              <a:buFont typeface="Wingdings" panose="05000000000000000000" pitchFamily="2" charset="2"/>
+              <a:buChar char="Ø"/>
+            </a:pPr>
+            <a:r>
+              <a:rPr lang="en-US" sz="2400" dirty="0"/>
+              <a:t>Before Progress Presentations</a:t>
+            </a:r>
+            <a:endParaRPr lang="en-US" sz="2300" dirty="0"/>
           </a:p>
           <a:p>
             <a:pPr>
@@ -12360,18 +15245,24 @@
               <a:buChar char="Ø"/>
             </a:pPr>
             <a:r>
-              <a:rPr lang="tr-TR" sz="2500" dirty="0" err="1"/>
-              <a:t>Improvements</a:t>
-            </a:r>
-            <a:r>
-              <a:rPr lang="en-US" sz="2500" dirty="0"/>
-              <a:t>, Can </a:t>
-            </a:r>
-            <a:r>
-              <a:rPr lang="en-US" sz="2500" dirty="0" err="1"/>
-              <a:t>Deveci</a:t>
-            </a:r>
-            <a:endParaRPr lang="tr-TR" sz="2500" dirty="0"/>
+              <a:rPr lang="en-US" sz="2500" b="1" dirty="0"/>
+              <a:t>Can Deveci </a:t>
+            </a:r>
+          </a:p>
+          <a:p>
+            <a:pPr lvl="1">
+              <a:buFont typeface="Wingdings" panose="05000000000000000000" pitchFamily="2" charset="2"/>
+              <a:buChar char="Ø"/>
+            </a:pPr>
+            <a:r>
+              <a:rPr lang="en-US" sz="2300" dirty="0"/>
+              <a:t>After Progress Presentations &amp; Official </a:t>
+            </a:r>
+            <a:r>
+              <a:rPr lang="tr-TR" sz="2300" dirty="0"/>
+              <a:t>Evaluations</a:t>
+            </a:r>
+            <a:endParaRPr lang="en-US" sz="2300" dirty="0"/>
           </a:p>
           <a:p>
             <a:pPr>
@@ -12379,31 +15270,18 @@
               <a:buChar char="Ø"/>
             </a:pPr>
             <a:r>
-              <a:rPr lang="tr-TR" sz="2500" dirty="0" err="1"/>
-              <a:t>Evaluations</a:t>
-            </a:r>
-            <a:r>
-              <a:rPr lang="tr-TR" sz="2500" dirty="0"/>
-              <a:t>, </a:t>
-            </a:r>
-            <a:endParaRPr lang="en-US" sz="2500" dirty="0"/>
+              <a:rPr lang="en-US" sz="2500" b="1" dirty="0"/>
+              <a:t>Abdullah Yıldız</a:t>
+            </a:r>
           </a:p>
           <a:p>
-            <a:pPr>
+            <a:pPr lvl="1">
               <a:buFont typeface="Wingdings" panose="05000000000000000000" pitchFamily="2" charset="2"/>
               <a:buChar char="Ø"/>
             </a:pPr>
             <a:r>
-              <a:rPr lang="tr-TR" sz="2500" dirty="0" err="1"/>
-              <a:t>Thoughts</a:t>
-            </a:r>
-            <a:r>
-              <a:rPr lang="tr-TR" sz="2500" dirty="0"/>
-              <a:t> on </a:t>
-            </a:r>
-            <a:r>
-              <a:rPr lang="en-US" sz="2500" dirty="0"/>
-              <a:t>Future Work, Abdullah Yıldız</a:t>
+              <a:rPr lang="en-US" sz="2300" dirty="0"/>
+              <a:t>Future Work</a:t>
             </a:r>
           </a:p>
         </p:txBody>
@@ -12443,7 +15321,7 @@
           <p:cNvPr id="2" name="Title 1">
             <a:extLst>
               <a:ext uri="{FF2B5EF4-FFF2-40B4-BE49-F238E27FC236}">
-                <a16:creationId xmlns:a16="http://schemas.microsoft.com/office/drawing/2014/main" id="{1AE67C95-A1CD-44F8-99D2-4640264C88CA}"/>
+                <a16:creationId xmlns:a16="http://schemas.microsoft.com/office/drawing/2014/main" id="{B0438022-53A6-4B75-B614-7579B0DA0C4E}"/>
               </a:ext>
             </a:extLst>
           </p:cNvPr>
@@ -12460,18 +15338,9 @@
           <a:lstStyle/>
           <a:p>
             <a:r>
-              <a:rPr lang="tr-TR" dirty="0" err="1"/>
-              <a:t>Future</a:t>
-            </a:r>
-            <a:r>
-              <a:rPr lang="tr-TR" dirty="0"/>
-              <a:t> </a:t>
-            </a:r>
-            <a:r>
-              <a:rPr lang="tr-TR" dirty="0" err="1"/>
-              <a:t>Work</a:t>
-            </a:r>
-            <a:endParaRPr lang="en-US" dirty="0"/>
+              <a:rPr lang="en-US" dirty="0"/>
+              <a:t>References</a:t>
+            </a:r>
           </a:p>
         </p:txBody>
       </p:sp>
@@ -12480,7 +15349,7 @@
           <p:cNvPr id="3" name="Content Placeholder 2">
             <a:extLst>
               <a:ext uri="{FF2B5EF4-FFF2-40B4-BE49-F238E27FC236}">
-                <a16:creationId xmlns:a16="http://schemas.microsoft.com/office/drawing/2014/main" id="{3B9B51B1-383B-4A8B-9C5B-9FD704B0BC1B}"/>
+                <a16:creationId xmlns:a16="http://schemas.microsoft.com/office/drawing/2014/main" id="{6CE8CAB2-E462-43BE-9DC3-C3AADB78BB97}"/>
               </a:ext>
             </a:extLst>
           </p:cNvPr>
@@ -12491,197 +15360,106 @@
             <p:ph idx="1"/>
           </p:nvPr>
         </p:nvSpPr>
-        <p:spPr>
-          <a:xfrm>
-            <a:off x="1262742" y="1876778"/>
-            <a:ext cx="9892937" cy="3992316"/>
-          </a:xfrm>
-        </p:spPr>
+        <p:spPr/>
         <p:txBody>
           <a:bodyPr/>
           <a:lstStyle/>
           <a:p>
-            <a:pPr>
-              <a:buFont typeface="Wingdings" panose="05000000000000000000" pitchFamily="2" charset="2"/>
-              <a:buChar char="Ø"/>
-            </a:pPr>
-            <a:r>
-              <a:rPr lang="tr-TR" dirty="0" err="1"/>
-              <a:t>Fasttext</a:t>
-            </a:r>
-            <a:r>
-              <a:rPr lang="tr-TR" dirty="0"/>
-              <a:t> </a:t>
-            </a:r>
-            <a:r>
-              <a:rPr lang="tr-TR" dirty="0" err="1"/>
-              <a:t>Based</a:t>
-            </a:r>
-            <a:r>
-              <a:rPr lang="tr-TR" dirty="0"/>
-              <a:t> Word </a:t>
-            </a:r>
-            <a:r>
-              <a:rPr lang="tr-TR" dirty="0" err="1"/>
-              <a:t>Embedding</a:t>
-            </a:r>
-            <a:endParaRPr lang="tr-TR" dirty="0"/>
+            <a:r>
+              <a:rPr lang="en-US" dirty="0"/>
+              <a:t>[1] C. D. Manning, P. Raghavan, and H. </a:t>
+            </a:r>
+            <a:r>
+              <a:rPr lang="en-US" dirty="0" err="1"/>
+              <a:t>Schütze</a:t>
+            </a:r>
+            <a:r>
+              <a:rPr lang="en-US" dirty="0"/>
+              <a:t>, Introduction to Information Retrieval. Cambridge: Cambridge University Press, 2008.</a:t>
+            </a:r>
           </a:p>
           <a:p>
-            <a:pPr>
-              <a:buFont typeface="Wingdings" panose="05000000000000000000" pitchFamily="2" charset="2"/>
-              <a:buChar char="Ø"/>
-            </a:pPr>
-            <a:r>
-              <a:rPr lang="tr-TR" dirty="0" err="1"/>
-              <a:t>Extention</a:t>
-            </a:r>
-            <a:r>
-              <a:rPr lang="tr-TR" dirty="0"/>
-              <a:t> of word2vec </a:t>
-            </a:r>
-            <a:r>
-              <a:rPr lang="tr-TR" dirty="0" err="1"/>
-              <a:t>modelling</a:t>
-            </a:r>
-            <a:endParaRPr lang="tr-TR" dirty="0"/>
+            <a:r>
+              <a:rPr lang="en-US" dirty="0"/>
+              <a:t>[2] Zhang, Y., Chen, Q., Yang, Z. </a:t>
+            </a:r>
+            <a:r>
+              <a:rPr lang="en-US" i="1" dirty="0"/>
+              <a:t>et al.</a:t>
+            </a:r>
+            <a:r>
+              <a:rPr lang="en-US" dirty="0"/>
+              <a:t> </a:t>
+            </a:r>
+            <a:r>
+              <a:rPr lang="en-US" dirty="0" err="1"/>
+              <a:t>BioWordVec</a:t>
+            </a:r>
+            <a:r>
+              <a:rPr lang="en-US" dirty="0"/>
+              <a:t>, improving biomedical word embeddings with </a:t>
+            </a:r>
+            <a:r>
+              <a:rPr lang="en-US" dirty="0" err="1"/>
+              <a:t>subword</a:t>
+            </a:r>
+            <a:r>
+              <a:rPr lang="en-US" dirty="0"/>
+              <a:t> information and </a:t>
+            </a:r>
+            <a:r>
+              <a:rPr lang="en-US" dirty="0" err="1"/>
+              <a:t>MeSH</a:t>
+            </a:r>
+            <a:r>
+              <a:rPr lang="en-US" dirty="0"/>
+              <a:t>. </a:t>
+            </a:r>
+            <a:r>
+              <a:rPr lang="en-US" i="1" dirty="0"/>
+              <a:t>Sci Data</a:t>
+            </a:r>
+            <a:r>
+              <a:rPr lang="en-US" dirty="0"/>
+              <a:t> </a:t>
+            </a:r>
+            <a:r>
+              <a:rPr lang="en-US" b="1" dirty="0"/>
+              <a:t>6, </a:t>
+            </a:r>
+            <a:r>
+              <a:rPr lang="en-US" dirty="0"/>
+              <a:t>52 (2019). https://doi.org/10.1038/s41597-019-0055-0</a:t>
+            </a:r>
           </a:p>
           <a:p>
-            <a:pPr>
-              <a:buFont typeface="Wingdings" panose="05000000000000000000" pitchFamily="2" charset="2"/>
-              <a:buChar char="Ø"/>
-            </a:pPr>
-            <a:r>
-              <a:rPr lang="tr-TR" dirty="0" err="1"/>
-              <a:t>Uses</a:t>
-            </a:r>
-            <a:r>
-              <a:rPr lang="tr-TR" dirty="0"/>
-              <a:t> </a:t>
-            </a:r>
-            <a:r>
-              <a:rPr lang="tr-TR" dirty="0" err="1"/>
-              <a:t>subword</a:t>
-            </a:r>
-            <a:r>
-              <a:rPr lang="tr-TR" dirty="0"/>
-              <a:t> </a:t>
-            </a:r>
-            <a:r>
-              <a:rPr lang="tr-TR" dirty="0" err="1"/>
-              <a:t>tokens</a:t>
-            </a:r>
-            <a:r>
-              <a:rPr lang="tr-TR" dirty="0"/>
-              <a:t> as n-</a:t>
-            </a:r>
-            <a:r>
-              <a:rPr lang="tr-TR" dirty="0" err="1"/>
-              <a:t>grams</a:t>
-            </a:r>
-            <a:r>
-              <a:rPr lang="tr-TR" dirty="0"/>
-              <a:t> of </a:t>
-            </a:r>
-            <a:r>
-              <a:rPr lang="tr-TR" dirty="0" err="1"/>
-              <a:t>characters</a:t>
-            </a:r>
-            <a:endParaRPr lang="tr-TR" dirty="0"/>
-          </a:p>
-          <a:p>
-            <a:pPr>
-              <a:buFont typeface="Wingdings" panose="05000000000000000000" pitchFamily="2" charset="2"/>
-              <a:buChar char="Ø"/>
-            </a:pPr>
             <a:r>
               <a:rPr lang="en-US" dirty="0"/>
-              <a:t>This helps capture the meaning of shorter words and allows the </a:t>
-            </a:r>
-            <a:r>
-              <a:rPr lang="en-US" b="1" dirty="0"/>
-              <a:t>embeddings</a:t>
+              <a:t>[3] "</a:t>
+            </a:r>
+            <a:r>
+              <a:rPr lang="en-US" dirty="0" err="1"/>
+              <a:t>ncbi-nlp</a:t>
             </a:r>
             <a:r>
               <a:rPr lang="en-US" dirty="0"/>
-              <a:t> to understand suffixes and prefixes</a:t>
-            </a:r>
-            <a:endParaRPr lang="tr-TR" dirty="0"/>
-          </a:p>
-          <a:p>
-            <a:pPr>
-              <a:buFont typeface="Wingdings" panose="05000000000000000000" pitchFamily="2" charset="2"/>
-              <a:buChar char="Ø"/>
-            </a:pPr>
-            <a:r>
-              <a:rPr lang="tr-TR" dirty="0" err="1"/>
-              <a:t>e.g</a:t>
-            </a:r>
-            <a:r>
-              <a:rPr lang="tr-TR" dirty="0"/>
-              <a:t>. </a:t>
+              <a:t>/</a:t>
             </a:r>
             <a:r>
               <a:rPr lang="en-US" dirty="0" err="1"/>
-              <a:t>TermName</a:t>
+              <a:t>BioSentVec</a:t>
             </a:r>
             <a:r>
               <a:rPr lang="en-US" dirty="0"/>
-              <a:t>: gastroenteritis patients. Found: patient. Actual: patient with infectious disease</a:t>
-            </a:r>
-            <a:r>
-              <a:rPr lang="tr-TR" dirty="0"/>
-              <a:t> </a:t>
-            </a:r>
-          </a:p>
-          <a:p>
-            <a:pPr>
-              <a:buFont typeface="Wingdings" panose="05000000000000000000" pitchFamily="2" charset="2"/>
-              <a:buChar char="Ø"/>
-            </a:pPr>
-            <a:r>
-              <a:rPr lang="en-US" b="1" dirty="0"/>
-              <a:t>Gastroenteritis</a:t>
-            </a:r>
-            <a:r>
-              <a:rPr lang="tr-TR" b="1" dirty="0"/>
-              <a:t> : </a:t>
-            </a:r>
-            <a:r>
-              <a:rPr lang="en-US" dirty="0"/>
-              <a:t>known as infectious diarrhea </a:t>
-            </a:r>
-            <a:endParaRPr lang="tr-TR" dirty="0"/>
-          </a:p>
-          <a:p>
-            <a:pPr>
-              <a:buFont typeface="Wingdings" panose="05000000000000000000" pitchFamily="2" charset="2"/>
-              <a:buChar char="Ø"/>
-            </a:pPr>
-            <a:r>
-              <a:rPr lang="tr-TR" b="1" dirty="0"/>
-              <a:t>-</a:t>
-            </a:r>
-            <a:r>
-              <a:rPr lang="tr-TR" b="1" dirty="0" err="1"/>
-              <a:t>itis</a:t>
-            </a:r>
-            <a:r>
-              <a:rPr lang="tr-TR" b="1" dirty="0"/>
-              <a:t>  : </a:t>
-            </a:r>
-            <a:r>
-              <a:rPr lang="en-US" dirty="0"/>
-              <a:t>diseases characterized by inflammation</a:t>
-            </a:r>
-            <a:endParaRPr lang="tr-TR" dirty="0"/>
+              <a:t>", GitHub, 2020. [Online]. Available: https://github.com/ncbi-nlp/BioSentVec. [Accessed: 21- Jun- 2020].</a:t>
+            </a:r>
           </a:p>
         </p:txBody>
       </p:sp>
     </p:spTree>
     <p:extLst>
       <p:ext uri="{BB962C8B-B14F-4D97-AF65-F5344CB8AC3E}">
-        <p14:creationId xmlns:p14="http://schemas.microsoft.com/office/powerpoint/2010/main" val="3830064637"/>
+        <p14:creationId xmlns:p14="http://schemas.microsoft.com/office/powerpoint/2010/main" val="546294327"/>
       </p:ext>
     </p:extLst>
   </p:cSld>
@@ -12739,17 +15517,8 @@
             <a:pPr algn="ctr"/>
             <a:r>
               <a:rPr lang="en-US" sz="8000" dirty="0"/>
-              <a:t>Thank</a:t>
-            </a:r>
-            <a:r>
-              <a:rPr lang="tr-TR" sz="8000" dirty="0"/>
-              <a:t> </a:t>
-            </a:r>
-            <a:r>
-              <a:rPr lang="tr-TR" sz="8000" dirty="0" err="1"/>
-              <a:t>you</a:t>
-            </a:r>
-            <a:endParaRPr lang="en-US" sz="8000" dirty="0"/>
+              <a:t>Thanks</a:t>
+            </a:r>
           </a:p>
         </p:txBody>
       </p:sp>
@@ -12806,18 +15575,18 @@
           <a:p>
             <a:pPr algn="ctr"/>
             <a:r>
-              <a:rPr lang="tr-TR" b="1" dirty="0" err="1"/>
+              <a:rPr lang="tr-TR" dirty="0" err="1"/>
               <a:t>Baseline</a:t>
             </a:r>
             <a:r>
-              <a:rPr lang="tr-TR" b="1" dirty="0"/>
+              <a:rPr lang="tr-TR" dirty="0"/>
               <a:t> </a:t>
             </a:r>
             <a:r>
-              <a:rPr lang="tr-TR" b="1" dirty="0" err="1"/>
+              <a:rPr lang="tr-TR" dirty="0" err="1"/>
               <a:t>System</a:t>
             </a:r>
-            <a:endParaRPr lang="en-US" b="1" dirty="0"/>
+            <a:endParaRPr lang="en-US" dirty="0"/>
           </a:p>
         </p:txBody>
       </p:sp>
@@ -12849,10 +15618,10 @@
               <a:buChar char="Ø"/>
             </a:pPr>
             <a:r>
-              <a:rPr lang="tr-TR" sz="2400" b="1" dirty="0"/>
+              <a:rPr lang="tr-TR" sz="2400" dirty="0"/>
               <a:t>Exact Match</a:t>
             </a:r>
-            <a:endParaRPr lang="en-US" sz="2400" b="1" dirty="0"/>
+            <a:endParaRPr lang="en-US" sz="2400" dirty="0"/>
           </a:p>
           <a:p>
             <a:pPr lvl="2">
@@ -12860,38 +15629,22 @@
               <a:buChar char="ü"/>
             </a:pPr>
             <a:r>
-              <a:rPr lang="tr-TR" b="1" dirty="0"/>
+              <a:rPr lang="tr-TR" dirty="0"/>
               <a:t>On Training Set</a:t>
             </a:r>
-            <a:endParaRPr lang="en-US" b="1" dirty="0"/>
+            <a:endParaRPr lang="en-US" dirty="0"/>
           </a:p>
           <a:p>
             <a:pPr lvl="3"/>
             <a:r>
-              <a:rPr lang="tr-TR" sz="1800" b="1" dirty="0" err="1"/>
-              <a:t>Performance</a:t>
+              <a:rPr lang="en-US" sz="1800" dirty="0"/>
+              <a:t>Accuracy</a:t>
             </a:r>
             <a:r>
               <a:rPr lang="tr-TR" sz="1800" dirty="0"/>
-              <a:t>: 22% </a:t>
-            </a:r>
-            <a:r>
-              <a:rPr lang="tr-TR" sz="1800" dirty="0" err="1"/>
-              <a:t>correct</a:t>
-            </a:r>
-            <a:r>
-              <a:rPr lang="tr-TR" sz="1800" dirty="0"/>
-              <a:t> </a:t>
-            </a:r>
-            <a:r>
-              <a:rPr lang="tr-TR" sz="1800" dirty="0" err="1"/>
-              <a:t>normalization</a:t>
-            </a:r>
-            <a:r>
-              <a:rPr lang="tr-TR" sz="1800" dirty="0"/>
-              <a:t> on dev set</a:t>
-            </a:r>
-            <a:endParaRPr lang="en-US" b="1" dirty="0"/>
+              <a:t>: 22% on dev set</a:t>
+            </a:r>
+            <a:endParaRPr lang="en-US" dirty="0"/>
           </a:p>
           <a:p>
             <a:pPr lvl="2">
@@ -12899,63 +15652,32 @@
               <a:buChar char="ü"/>
             </a:pPr>
             <a:r>
-              <a:rPr lang="tr-TR" b="1" dirty="0"/>
+              <a:rPr lang="tr-TR" dirty="0"/>
               <a:t>On Ontology</a:t>
             </a:r>
-            <a:endParaRPr lang="en-US" b="1" dirty="0"/>
+            <a:endParaRPr lang="en-US" dirty="0"/>
           </a:p>
           <a:p>
             <a:pPr lvl="3"/>
             <a:r>
-              <a:rPr lang="tr-TR" sz="1800" dirty="0" err="1"/>
-              <a:t>Improved</a:t>
+              <a:rPr lang="en-US" sz="1800" dirty="0"/>
+              <a:t>Accuracy</a:t>
             </a:r>
             <a:r>
               <a:rPr lang="tr-TR" sz="1800" dirty="0"/>
+              <a:t>: 33%</a:t>
+            </a:r>
+            <a:r>
+              <a:rPr lang="en-US" sz="1800" dirty="0"/>
               <a:t> </a:t>
             </a:r>
             <a:r>
-              <a:rPr lang="tr-TR" sz="1800" dirty="0" err="1"/>
-              <a:t>performance</a:t>
-            </a:r>
-            <a:r>
               <a:rPr lang="tr-TR" sz="1800" dirty="0"/>
-              <a:t> </a:t>
-            </a:r>
-            <a:r>
-              <a:rPr lang="tr-TR" sz="1800" dirty="0" err="1"/>
-              <a:t>by</a:t>
-            </a:r>
-            <a:r>
-              <a:rPr lang="tr-TR" sz="1800" dirty="0"/>
-              <a:t> 11%</a:t>
-            </a:r>
-          </a:p>
-          <a:p>
-            <a:pPr lvl="3"/>
-            <a:r>
-              <a:rPr lang="tr-TR" sz="1800" b="1" dirty="0" err="1"/>
-              <a:t>Performance</a:t>
-            </a:r>
-            <a:r>
-              <a:rPr lang="tr-TR" sz="1800" dirty="0"/>
-              <a:t>: 33% </a:t>
-            </a:r>
-            <a:r>
-              <a:rPr lang="tr-TR" sz="1800" dirty="0" err="1"/>
-              <a:t>correct</a:t>
-            </a:r>
-            <a:r>
-              <a:rPr lang="tr-TR" sz="1800" dirty="0"/>
-              <a:t> </a:t>
-            </a:r>
-            <a:r>
-              <a:rPr lang="tr-TR" sz="1800" dirty="0" err="1"/>
-              <a:t>normalization</a:t>
-            </a:r>
-            <a:r>
-              <a:rPr lang="tr-TR" sz="1800" dirty="0"/>
-              <a:t> on dev set</a:t>
+              <a:t>on dev set</a:t>
+            </a:r>
+            <a:r>
+              <a:rPr lang="en-US" sz="1800" dirty="0"/>
+              <a:t> (+11%)</a:t>
             </a:r>
           </a:p>
           <a:p>
@@ -12967,10 +15689,9 @@
               <a:buChar char="ü"/>
             </a:pPr>
             <a:r>
-              <a:rPr lang="tr-TR" b="1" dirty="0" err="1"/>
+              <a:rPr lang="tr-TR" dirty="0"/>
               <a:t>Lemmatization</a:t>
             </a:r>
-            <a:endParaRPr lang="tr-TR" b="1" dirty="0"/>
           </a:p>
           <a:p>
             <a:pPr lvl="3">
@@ -12979,64 +15700,26 @@
               </a:lnSpc>
             </a:pPr>
             <a:r>
-              <a:rPr lang="tr-TR" sz="1800" dirty="0" err="1"/>
-              <a:t>Improved</a:t>
+              <a:rPr lang="en-US" sz="1800" dirty="0"/>
+              <a:t>Accuracy</a:t>
             </a:r>
             <a:r>
               <a:rPr lang="tr-TR" sz="1800" dirty="0"/>
-              <a:t> </a:t>
-            </a:r>
-            <a:r>
-              <a:rPr lang="tr-TR" sz="1800" dirty="0" err="1"/>
-              <a:t>performance</a:t>
+              <a:t>: 37% </a:t>
+            </a:r>
+            <a:r>
+              <a:rPr lang="en-US" sz="1800" dirty="0"/>
+              <a:t>on </a:t>
             </a:r>
             <a:r>
               <a:rPr lang="tr-TR" sz="1800" dirty="0"/>
-              <a:t> </a:t>
-            </a:r>
-            <a:r>
-              <a:rPr lang="tr-TR" sz="1800" dirty="0" err="1"/>
-              <a:t>by</a:t>
-            </a:r>
-            <a:r>
-              <a:rPr lang="tr-TR" sz="1800" dirty="0"/>
-              <a:t> 4% </a:t>
-            </a:r>
-          </a:p>
-          <a:p>
-            <a:pPr lvl="3">
-              <a:lnSpc>
-                <a:spcPct val="100000"/>
-              </a:lnSpc>
-            </a:pPr>
-            <a:r>
-              <a:rPr lang="tr-TR" sz="1800" b="1" dirty="0" err="1"/>
-              <a:t>Performance</a:t>
-            </a:r>
-            <a:r>
-              <a:rPr lang="tr-TR" sz="1800" b="1" dirty="0"/>
-              <a:t>: </a:t>
-            </a:r>
-            <a:r>
-              <a:rPr lang="tr-TR" sz="1800" dirty="0"/>
-              <a:t>37%  </a:t>
-            </a:r>
-            <a:r>
-              <a:rPr lang="tr-TR" sz="1800" dirty="0" err="1"/>
-              <a:t>correct</a:t>
-            </a:r>
-            <a:r>
-              <a:rPr lang="tr-TR" sz="1800" dirty="0"/>
-              <a:t> </a:t>
-            </a:r>
-            <a:r>
-              <a:rPr lang="tr-TR" sz="1800" dirty="0" err="1"/>
-              <a:t>normalization</a:t>
-            </a:r>
-            <a:r>
-              <a:rPr lang="tr-TR" sz="1800" dirty="0"/>
-              <a:t> in dev set</a:t>
-            </a:r>
+              <a:t>dev set</a:t>
+            </a:r>
+            <a:r>
+              <a:rPr lang="en-US" sz="1800" dirty="0"/>
+              <a:t> (+4%)</a:t>
+            </a:r>
+            <a:endParaRPr lang="tr-TR" sz="1800" dirty="0"/>
           </a:p>
           <a:p>
             <a:pPr lvl="2">
@@ -13047,40 +15730,8 @@
               <a:buChar char="ü"/>
             </a:pPr>
             <a:r>
-              <a:rPr lang="tr-TR" b="1" dirty="0" err="1"/>
-              <a:t>Abbreviation</a:t>
-            </a:r>
-            <a:r>
-              <a:rPr lang="tr-TR" b="1" dirty="0"/>
-              <a:t> </a:t>
-            </a:r>
-            <a:r>
-              <a:rPr lang="tr-TR" b="1" dirty="0" err="1"/>
-              <a:t>Resolution</a:t>
-            </a:r>
-            <a:endParaRPr lang="tr-TR" b="1" dirty="0"/>
-          </a:p>
-          <a:p>
-            <a:pPr lvl="3">
-              <a:lnSpc>
-                <a:spcPct val="100000"/>
-              </a:lnSpc>
-            </a:pPr>
-            <a:r>
-              <a:rPr lang="tr-TR" sz="1800" dirty="0"/>
-              <a:t>No </a:t>
-            </a:r>
-            <a:r>
-              <a:rPr lang="tr-TR" sz="1800" dirty="0" err="1"/>
-              <a:t>improvement</a:t>
-            </a:r>
-            <a:r>
-              <a:rPr lang="tr-TR" sz="1800" dirty="0"/>
-              <a:t> on </a:t>
-            </a:r>
-            <a:r>
-              <a:rPr lang="tr-TR" sz="1800" dirty="0" err="1"/>
-              <a:t>performance</a:t>
+              <a:rPr lang="tr-TR" dirty="0"/>
+              <a:t>Abbreviation Resolution</a:t>
             </a:r>
             <a:endParaRPr lang="tr-TR" sz="1800" dirty="0"/>
           </a:p>
@@ -13091,38 +15742,29 @@
               </a:lnSpc>
             </a:pPr>
             <a:r>
-              <a:rPr lang="tr-TR" sz="1800" b="1" dirty="0" err="1"/>
-              <a:t>Performance</a:t>
-            </a:r>
-            <a:r>
-              <a:rPr lang="tr-TR" sz="1800" b="1" dirty="0"/>
-              <a:t>: </a:t>
+              <a:rPr lang="en-US" sz="1800" dirty="0"/>
+              <a:t>Accuracy</a:t>
             </a:r>
             <a:r>
               <a:rPr lang="tr-TR" sz="1800" dirty="0"/>
-              <a:t>37% </a:t>
-            </a:r>
-            <a:r>
-              <a:rPr lang="tr-TR" sz="1800" dirty="0" err="1"/>
-              <a:t>correct</a:t>
+              <a:t>: 37% </a:t>
+            </a:r>
+            <a:r>
+              <a:rPr lang="en-US" sz="1800" dirty="0"/>
+              <a:t>on </a:t>
             </a:r>
             <a:r>
               <a:rPr lang="tr-TR" sz="1800" dirty="0"/>
-              <a:t> </a:t>
-            </a:r>
-            <a:r>
-              <a:rPr lang="tr-TR" sz="1800" dirty="0" err="1"/>
-              <a:t>normalization</a:t>
-            </a:r>
-            <a:r>
-              <a:rPr lang="tr-TR" sz="1800" dirty="0"/>
-              <a:t> in dev set</a:t>
-            </a:r>
+              <a:t>dev set</a:t>
+            </a:r>
+            <a:r>
+              <a:rPr lang="en-US" sz="1800" dirty="0"/>
+              <a:t> (~0%)</a:t>
+            </a:r>
+            <a:endParaRPr lang="tr-TR" sz="1800" dirty="0"/>
           </a:p>
           <a:p>
-            <a:pPr marL="566928" lvl="3" indent="0">
-              <a:buNone/>
-            </a:pPr>
+            <a:pPr lvl="3"/>
             <a:endParaRPr lang="tr-TR" sz="1800" dirty="0"/>
           </a:p>
           <a:p>
@@ -13183,18 +15825,18 @@
           <a:p>
             <a:pPr algn="ctr"/>
             <a:r>
-              <a:rPr lang="tr-TR" b="1" dirty="0" err="1"/>
+              <a:rPr lang="tr-TR" dirty="0" err="1"/>
               <a:t>Baseline</a:t>
             </a:r>
             <a:r>
-              <a:rPr lang="tr-TR" b="1" dirty="0"/>
+              <a:rPr lang="tr-TR" dirty="0"/>
               <a:t> </a:t>
             </a:r>
             <a:r>
-              <a:rPr lang="tr-TR" b="1" dirty="0" err="1"/>
+              <a:rPr lang="tr-TR" dirty="0" err="1"/>
               <a:t>System</a:t>
             </a:r>
-            <a:endParaRPr lang="en-US" b="1" dirty="0"/>
+            <a:endParaRPr lang="en-US" dirty="0"/>
           </a:p>
         </p:txBody>
       </p:sp>
@@ -13228,7 +15870,7 @@
               <a:buSzPct val="100000"/>
               <a:buNone/>
             </a:pPr>
-            <a:endParaRPr lang="tr-TR" sz="1500" b="1" dirty="0"/>
+            <a:endParaRPr lang="tr-TR" sz="1500" dirty="0"/>
           </a:p>
           <a:p>
             <a:pPr marL="91440" lvl="1" indent="-91440">
@@ -13246,18 +15888,10 @@
               <a:buChar char="Ø"/>
             </a:pPr>
             <a:r>
-              <a:rPr lang="tr-TR" sz="2400" b="1" dirty="0" err="1"/>
-              <a:t>Cosine</a:t>
-            </a:r>
-            <a:r>
-              <a:rPr lang="tr-TR" sz="2400" b="1" dirty="0"/>
-              <a:t> </a:t>
-            </a:r>
-            <a:r>
-              <a:rPr lang="tr-TR" sz="2400" b="1" dirty="0" err="1"/>
-              <a:t>Similarity</a:t>
-            </a:r>
-            <a:endParaRPr lang="tr-TR" sz="2400" b="1" dirty="0"/>
+              <a:rPr lang="en-US" sz="2400" dirty="0"/>
+              <a:t>TF-IDF</a:t>
+            </a:r>
+            <a:endParaRPr lang="tr-TR" sz="2400" dirty="0"/>
           </a:p>
           <a:p>
             <a:pPr marL="274320" lvl="3" indent="-91440">
@@ -13275,34 +15909,10 @@
               <a:buChar char="Ø"/>
             </a:pPr>
             <a:r>
-              <a:rPr lang="tr-TR" sz="1900" dirty="0" err="1"/>
-              <a:t>If</a:t>
-            </a:r>
-            <a:r>
               <a:rPr lang="tr-TR" sz="1900" dirty="0"/>
-              <a:t> </a:t>
-            </a:r>
-            <a:r>
-              <a:rPr lang="tr-TR" sz="1900" dirty="0" err="1"/>
-              <a:t>exact</a:t>
-            </a:r>
-            <a:r>
-              <a:rPr lang="tr-TR" sz="1900" dirty="0"/>
-              <a:t> </a:t>
-            </a:r>
-            <a:r>
-              <a:rPr lang="tr-TR" sz="1900" dirty="0" err="1"/>
-              <a:t>match</a:t>
-            </a:r>
-            <a:r>
-              <a:rPr lang="tr-TR" sz="1900" dirty="0"/>
-              <a:t> is not </a:t>
-            </a:r>
-            <a:r>
-              <a:rPr lang="tr-TR" sz="1900" dirty="0" err="1"/>
-              <a:t>possible</a:t>
-            </a:r>
-            <a:endParaRPr lang="tr-TR" sz="1900" dirty="0"/>
+              <a:t>If exact match is not possible</a:t>
+            </a:r>
+            <a:endParaRPr lang="en-US" sz="1900" dirty="0"/>
           </a:p>
           <a:p>
             <a:pPr marL="274320" lvl="3" indent="-91440">
@@ -13320,12 +15930,8 @@
               <a:buChar char="Ø"/>
             </a:pPr>
             <a:r>
-              <a:rPr lang="tr-TR" sz="1900" dirty="0" err="1"/>
-              <a:t>Improves</a:t>
-            </a:r>
-            <a:r>
-              <a:rPr lang="tr-TR" sz="1900" dirty="0"/>
-              <a:t> performance by 10%</a:t>
+              <a:rPr lang="en-US" sz="1900" dirty="0"/>
+              <a:t>Cosine similarity of vectors</a:t>
             </a:r>
           </a:p>
           <a:p>
@@ -13344,14 +15950,37 @@
               <a:buChar char="Ø"/>
             </a:pPr>
             <a:r>
-              <a:rPr lang="tr-TR" sz="1900" b="1" dirty="0"/>
-              <a:t>Performance</a:t>
+              <a:rPr lang="en-US" sz="1900" dirty="0"/>
+              <a:t>TF: binary, IDF: unary [1]</a:t>
+            </a:r>
+          </a:p>
+          <a:p>
+            <a:pPr marL="274320" lvl="3" indent="-91440">
+              <a:lnSpc>
+                <a:spcPct val="70000"/>
+              </a:lnSpc>
+              <a:spcBef>
+                <a:spcPts val="1200"/>
+              </a:spcBef>
+              <a:spcAft>
+                <a:spcPts val="200"/>
+              </a:spcAft>
+              <a:buSzPct val="100000"/>
+              <a:buFont typeface="Wingdings" panose="05000000000000000000" pitchFamily="2" charset="2"/>
+              <a:buChar char="Ø"/>
+            </a:pPr>
+            <a:r>
+              <a:rPr lang="en-US" sz="1900" dirty="0"/>
+              <a:t>Accuracy</a:t>
             </a:r>
             <a:r>
               <a:rPr lang="tr-TR" sz="1900" dirty="0"/>
-              <a:t>: 47% correct normalization on dev set</a:t>
-            </a:r>
-            <a:endParaRPr lang="en-US" sz="1900" dirty="0"/>
+              <a:t>: 47% on dev set</a:t>
+            </a:r>
+            <a:r>
+              <a:rPr lang="en-US" sz="1900" dirty="0"/>
+              <a:t> (+10%)</a:t>
+            </a:r>
           </a:p>
         </p:txBody>
       </p:sp>
@@ -13437,6 +16066,11 @@
           </p:cNvGraphicFramePr>
           <p:nvPr>
             <p:ph idx="1"/>
+            <p:extLst>
+              <p:ext uri="{D42A27DB-BD31-4B8C-83A1-F6EECF244321}">
+                <p14:modId xmlns:p14="http://schemas.microsoft.com/office/powerpoint/2010/main" val="1521971753"/>
+              </p:ext>
+            </p:extLst>
           </p:nvPr>
         </p:nvGraphicFramePr>
         <p:xfrm>
@@ -13518,14 +16152,9 @@
                     <a:p>
                       <a:pPr algn="ctr"/>
                       <a:r>
-                        <a:rPr lang="tr-TR" dirty="0"/>
-                        <a:t>Total </a:t>
-                      </a:r>
-                      <a:r>
-                        <a:rPr lang="tr-TR" dirty="0" err="1"/>
-                        <a:t>Performance</a:t>
-                      </a:r>
-                      <a:endParaRPr lang="en-US" dirty="0"/>
+                        <a:rPr lang="en-US" dirty="0"/>
+                        <a:t>Accuracy</a:t>
+                      </a:r>
                     </a:p>
                   </a:txBody>
                   <a:tcPr anchor="ctr"/>
@@ -13578,10 +16207,9 @@
                     <a:p>
                       <a:pPr algn="ctr"/>
                       <a:r>
-                        <a:rPr lang="tr-TR" dirty="0"/>
-                        <a:t>-</a:t>
-                      </a:r>
-                      <a:endParaRPr lang="en-US" dirty="0"/>
+                        <a:rPr lang="en-US" dirty="0"/>
+                        <a:t>NA</a:t>
+                      </a:r>
                     </a:p>
                   </a:txBody>
                   <a:tcPr anchor="ctr"/>
@@ -13615,7 +16243,7 @@
                     <a:p>
                       <a:pPr algn="l"/>
                       <a:r>
-                        <a:rPr lang="tr-TR" dirty="0" err="1"/>
+                        <a:rPr lang="tr-TR" dirty="0"/>
                         <a:t>Lemmatization</a:t>
                       </a:r>
                       <a:endParaRPr lang="en-US" dirty="0"/>
@@ -13667,18 +16295,9 @@
                     <a:p>
                       <a:pPr algn="l"/>
                       <a:r>
-                        <a:rPr lang="tr-TR" dirty="0" err="1"/>
-                        <a:t>Cosine</a:t>
-                      </a:r>
-                      <a:r>
-                        <a:rPr lang="tr-TR" baseline="0" dirty="0"/>
-                        <a:t> </a:t>
-                      </a:r>
-                      <a:r>
-                        <a:rPr lang="tr-TR" baseline="0" dirty="0" err="1"/>
-                        <a:t>Similarity</a:t>
-                      </a:r>
-                      <a:endParaRPr lang="en-US" dirty="0"/>
+                        <a:rPr lang="en-US" dirty="0"/>
+                        <a:t>TF-IDF</a:t>
+                      </a:r>
                     </a:p>
                   </a:txBody>
                   <a:tcPr anchor="ctr"/>
@@ -13739,6 +16358,14 @@
 <file path=ppt/slides/slide6.xml><?xml version="1.0" encoding="utf-8"?>
 <p:sld xmlns:a="http://schemas.openxmlformats.org/drawingml/2006/main" xmlns:r="http://schemas.openxmlformats.org/officeDocument/2006/relationships" xmlns:p="http://schemas.openxmlformats.org/presentationml/2006/main">
   <p:cSld>
+    <p:bg>
+      <p:bgPr>
+        <a:solidFill>
+          <a:schemeClr val="bg1"/>
+        </a:solidFill>
+        <a:effectLst/>
+      </p:bgPr>
+    </p:bg>
     <p:spTree>
       <p:nvGrpSpPr>
         <p:cNvPr id="1" name=""/>
@@ -13753,6 +16380,95 @@
           <a:chExt cx="0" cy="0"/>
         </a:xfrm>
       </p:grpSpPr>
+      <p:sp useBgFill="1">
+        <p:nvSpPr>
+          <p:cNvPr id="9" name="Rectangle 8">
+            <a:extLst>
+              <a:ext uri="{FF2B5EF4-FFF2-40B4-BE49-F238E27FC236}">
+                <a16:creationId xmlns:a16="http://schemas.microsoft.com/office/drawing/2014/main" id="{A6B16355-27FB-445B-B646-02AB73637459}"/>
+              </a:ext>
+              <a:ext uri="{C183D7F6-B498-43B3-948B-1728B52AA6E4}">
+                <adec:decorative xmlns:adec="http://schemas.microsoft.com/office/drawing/2017/decorative" val="1"/>
+              </a:ext>
+            </a:extLst>
+          </p:cNvPr>
+          <p:cNvSpPr>
+            <a:spLocks noGrp="1" noRot="1" noChangeAspect="1" noMove="1" noResize="1" noEditPoints="1" noAdjustHandles="1" noChangeArrowheads="1" noChangeShapeType="1" noTextEdit="1"/>
+          </p:cNvSpPr>
+          <p:nvPr>
+            <p:extLst>
+              <p:ext uri="{386F3935-93C4-4BCD-93E2-E3B085C9AB24}">
+                <p16:designElem xmlns:p16="http://schemas.microsoft.com/office/powerpoint/2015/main" val="1"/>
+              </p:ext>
+            </p:extLst>
+          </p:nvPr>
+        </p:nvSpPr>
+        <p:spPr>
+          <a:xfrm>
+            <a:off x="0" y="0"/>
+            <a:ext cx="12192001" cy="6334316"/>
+          </a:xfrm>
+          <a:prstGeom prst="rect">
+            <a:avLst/>
+          </a:prstGeom>
+          <a:ln>
+            <a:noFill/>
+          </a:ln>
+        </p:spPr>
+        <p:style>
+          <a:lnRef idx="2">
+            <a:schemeClr val="accent1">
+              <a:shade val="50000"/>
+            </a:schemeClr>
+          </a:lnRef>
+          <a:fillRef idx="1">
+            <a:schemeClr val="accent1"/>
+          </a:fillRef>
+          <a:effectRef idx="0">
+            <a:schemeClr val="accent1"/>
+          </a:effectRef>
+          <a:fontRef idx="minor">
+            <a:schemeClr val="lt1"/>
+          </a:fontRef>
+        </p:style>
+        <p:txBody>
+          <a:bodyPr rtlCol="0" anchor="ctr"/>
+          <a:lstStyle/>
+          <a:p>
+            <a:pPr marL="0" marR="0" lvl="0" indent="0" algn="ctr" defTabSz="457200" rtl="0" eaLnBrk="1" fontAlgn="auto" latinLnBrk="0" hangingPunct="1">
+              <a:lnSpc>
+                <a:spcPct val="100000"/>
+              </a:lnSpc>
+              <a:spcBef>
+                <a:spcPts val="0"/>
+              </a:spcBef>
+              <a:spcAft>
+                <a:spcPts val="0"/>
+              </a:spcAft>
+              <a:buClrTx/>
+              <a:buSzTx/>
+              <a:buFontTx/>
+              <a:buNone/>
+              <a:tabLst/>
+              <a:defRPr/>
+            </a:pPr>
+            <a:endParaRPr kumimoji="0" lang="en-US" sz="1800" b="0" i="0" u="none" strike="noStrike" kern="1200" cap="none" spc="0" normalizeH="0" baseline="0" noProof="0" dirty="0">
+              <a:ln>
+                <a:noFill/>
+              </a:ln>
+              <a:solidFill>
+                <a:prstClr val="white"/>
+              </a:solidFill>
+              <a:effectLst/>
+              <a:uLnTx/>
+              <a:uFillTx/>
+              <a:latin typeface="Calibri" panose="020F0502020204030204"/>
+              <a:ea typeface="+mn-ea"/>
+              <a:cs typeface="+mn-cs"/>
+            </a:endParaRPr>
+          </a:p>
+        </p:txBody>
+      </p:sp>
       <p:sp>
         <p:nvSpPr>
           <p:cNvPr id="2" name="Title 1">
@@ -13788,6 +16504,171 @@
           </a:p>
         </p:txBody>
       </p:sp>
+      <p:cxnSp>
+        <p:nvCxnSpPr>
+          <p:cNvPr id="11" name="Straight Connector 10">
+            <a:extLst>
+              <a:ext uri="{FF2B5EF4-FFF2-40B4-BE49-F238E27FC236}">
+                <a16:creationId xmlns:a16="http://schemas.microsoft.com/office/drawing/2014/main" id="{06DA680F-F6AC-453E-A8BF-C5BDED2851DE}"/>
+              </a:ext>
+              <a:ext uri="{C183D7F6-B498-43B3-948B-1728B52AA6E4}">
+                <adec:decorative xmlns:adec="http://schemas.microsoft.com/office/drawing/2017/decorative" val="1"/>
+              </a:ext>
+            </a:extLst>
+          </p:cNvPr>
+          <p:cNvCxnSpPr>
+            <a:cxnSpLocks noGrp="1" noRot="1" noChangeAspect="1" noMove="1" noResize="1" noEditPoints="1" noAdjustHandles="1" noChangeArrowheads="1" noChangeShapeType="1"/>
+          </p:cNvCxnSpPr>
+          <p:nvPr>
+            <p:extLst>
+              <p:ext uri="{386F3935-93C4-4BCD-93E2-E3B085C9AB24}">
+                <p16:designElem xmlns:p16="http://schemas.microsoft.com/office/powerpoint/2015/main" val="1"/>
+              </p:ext>
+            </p:extLst>
+          </p:nvPr>
+        </p:nvCxnSpPr>
+        <p:spPr>
+          <a:xfrm>
+            <a:off x="7856978" y="1791298"/>
+            <a:ext cx="0" cy="2743200"/>
+          </a:xfrm>
+          <a:prstGeom prst="line">
+            <a:avLst/>
+          </a:prstGeom>
+          <a:ln w="6350">
+            <a:solidFill>
+              <a:schemeClr val="tx1">
+                <a:lumMod val="50000"/>
+                <a:lumOff val="50000"/>
+              </a:schemeClr>
+            </a:solidFill>
+          </a:ln>
+        </p:spPr>
+        <p:style>
+          <a:lnRef idx="1">
+            <a:schemeClr val="accent1"/>
+          </a:lnRef>
+          <a:fillRef idx="0">
+            <a:schemeClr val="accent1"/>
+          </a:fillRef>
+          <a:effectRef idx="0">
+            <a:schemeClr val="accent1"/>
+          </a:effectRef>
+          <a:fontRef idx="minor">
+            <a:schemeClr val="tx1"/>
+          </a:fontRef>
+        </p:style>
+      </p:cxnSp>
+      <p:sp>
+        <p:nvSpPr>
+          <p:cNvPr id="13" name="Rectangle 12">
+            <a:extLst>
+              <a:ext uri="{FF2B5EF4-FFF2-40B4-BE49-F238E27FC236}">
+                <a16:creationId xmlns:a16="http://schemas.microsoft.com/office/drawing/2014/main" id="{6B3BF2E5-C3AB-441F-A430-491119C56D26}"/>
+              </a:ext>
+              <a:ext uri="{C183D7F6-B498-43B3-948B-1728B52AA6E4}">
+                <adec:decorative xmlns:adec="http://schemas.microsoft.com/office/drawing/2017/decorative" val="1"/>
+              </a:ext>
+            </a:extLst>
+          </p:cNvPr>
+          <p:cNvSpPr>
+            <a:spLocks noGrp="1" noRot="1" noChangeAspect="1" noMove="1" noResize="1" noEditPoints="1" noAdjustHandles="1" noChangeArrowheads="1" noChangeShapeType="1" noTextEdit="1"/>
+          </p:cNvSpPr>
+          <p:nvPr>
+            <p:extLst>
+              <p:ext uri="{386F3935-93C4-4BCD-93E2-E3B085C9AB24}">
+                <p16:designElem xmlns:p16="http://schemas.microsoft.com/office/powerpoint/2015/main" val="1"/>
+              </p:ext>
+            </p:extLst>
+          </p:nvPr>
+        </p:nvSpPr>
+        <p:spPr>
+          <a:xfrm>
+            <a:off x="15" y="6334316"/>
+            <a:ext cx="12191985" cy="66484"/>
+          </a:xfrm>
+          <a:prstGeom prst="rect">
+            <a:avLst/>
+          </a:prstGeom>
+          <a:solidFill>
+            <a:schemeClr val="accent1"/>
+          </a:solidFill>
+          <a:ln>
+            <a:noFill/>
+          </a:ln>
+        </p:spPr>
+        <p:style>
+          <a:lnRef idx="2">
+            <a:schemeClr val="accent1">
+              <a:shade val="50000"/>
+            </a:schemeClr>
+          </a:lnRef>
+          <a:fillRef idx="1">
+            <a:schemeClr val="accent1"/>
+          </a:fillRef>
+          <a:effectRef idx="0">
+            <a:schemeClr val="accent1"/>
+          </a:effectRef>
+          <a:fontRef idx="minor">
+            <a:schemeClr val="lt1"/>
+          </a:fontRef>
+        </p:style>
+      </p:sp>
+      <p:sp>
+        <p:nvSpPr>
+          <p:cNvPr id="15" name="Rectangle 14">
+            <a:extLst>
+              <a:ext uri="{FF2B5EF4-FFF2-40B4-BE49-F238E27FC236}">
+                <a16:creationId xmlns:a16="http://schemas.microsoft.com/office/drawing/2014/main" id="{DD07C90B-B81A-473B-8919-CA924E61FFCF}"/>
+              </a:ext>
+              <a:ext uri="{C183D7F6-B498-43B3-948B-1728B52AA6E4}">
+                <adec:decorative xmlns:adec="http://schemas.microsoft.com/office/drawing/2017/decorative" val="1"/>
+              </a:ext>
+            </a:extLst>
+          </p:cNvPr>
+          <p:cNvSpPr>
+            <a:spLocks noGrp="1" noRot="1" noChangeAspect="1" noMove="1" noResize="1" noEditPoints="1" noAdjustHandles="1" noChangeArrowheads="1" noChangeShapeType="1" noTextEdit="1"/>
+          </p:cNvSpPr>
+          <p:nvPr>
+            <p:extLst>
+              <p:ext uri="{386F3935-93C4-4BCD-93E2-E3B085C9AB24}">
+                <p16:designElem xmlns:p16="http://schemas.microsoft.com/office/powerpoint/2015/main" val="1"/>
+              </p:ext>
+            </p:extLst>
+          </p:nvPr>
+        </p:nvSpPr>
+        <p:spPr>
+          <a:xfrm>
+            <a:off x="1" y="6400800"/>
+            <a:ext cx="12192000" cy="457200"/>
+          </a:xfrm>
+          <a:prstGeom prst="rect">
+            <a:avLst/>
+          </a:prstGeom>
+          <a:solidFill>
+            <a:schemeClr val="accent2"/>
+          </a:solidFill>
+          <a:ln>
+            <a:noFill/>
+          </a:ln>
+        </p:spPr>
+        <p:style>
+          <a:lnRef idx="2">
+            <a:schemeClr val="accent1">
+              <a:shade val="50000"/>
+            </a:schemeClr>
+          </a:lnRef>
+          <a:fillRef idx="1">
+            <a:schemeClr val="accent1"/>
+          </a:fillRef>
+          <a:effectRef idx="0">
+            <a:schemeClr val="accent1"/>
+          </a:effectRef>
+          <a:fontRef idx="minor">
+            <a:schemeClr val="lt1"/>
+          </a:fontRef>
+        </p:style>
+      </p:sp>
       <p:graphicFrame>
         <p:nvGraphicFramePr>
           <p:cNvPr id="5" name="Content Placeholder 2">
@@ -13802,6 +16683,11 @@
           </p:cNvGraphicFramePr>
           <p:nvPr>
             <p:ph idx="1"/>
+            <p:extLst>
+              <p:ext uri="{D42A27DB-BD31-4B8C-83A1-F6EECF244321}">
+                <p14:modId xmlns:p14="http://schemas.microsoft.com/office/powerpoint/2010/main" val="1297774776"/>
+              </p:ext>
+            </p:extLst>
           </p:nvPr>
         </p:nvGraphicFramePr>
         <p:xfrm>
@@ -13830,6 +16716,14 @@
 <file path=ppt/slides/slide7.xml><?xml version="1.0" encoding="utf-8"?>
 <p:sld xmlns:a="http://schemas.openxmlformats.org/drawingml/2006/main" xmlns:r="http://schemas.openxmlformats.org/officeDocument/2006/relationships" xmlns:p="http://schemas.openxmlformats.org/presentationml/2006/main">
   <p:cSld>
+    <p:bg>
+      <p:bgPr>
+        <a:solidFill>
+          <a:schemeClr val="bg1"/>
+        </a:solidFill>
+        <a:effectLst/>
+      </p:bgPr>
+    </p:bg>
     <p:spTree>
       <p:nvGrpSpPr>
         <p:cNvPr id="1" name=""/>
@@ -13844,6 +16738,260 @@
           <a:chExt cx="0" cy="0"/>
         </a:xfrm>
       </p:grpSpPr>
+      <p:sp>
+        <p:nvSpPr>
+          <p:cNvPr id="29" name="Rectangle 28">
+            <a:extLst>
+              <a:ext uri="{FF2B5EF4-FFF2-40B4-BE49-F238E27FC236}">
+                <a16:creationId xmlns:a16="http://schemas.microsoft.com/office/drawing/2014/main" id="{4E4490D0-3672-446A-AC12-B4830333BDDD}"/>
+              </a:ext>
+              <a:ext uri="{C183D7F6-B498-43B3-948B-1728B52AA6E4}">
+                <adec:decorative xmlns:adec="http://schemas.microsoft.com/office/drawing/2017/decorative" val="1"/>
+              </a:ext>
+            </a:extLst>
+          </p:cNvPr>
+          <p:cNvSpPr>
+            <a:spLocks noGrp="1" noRot="1" noChangeAspect="1" noMove="1" noResize="1" noEditPoints="1" noAdjustHandles="1" noChangeArrowheads="1" noChangeShapeType="1" noTextEdit="1"/>
+          </p:cNvSpPr>
+          <p:nvPr>
+            <p:extLst>
+              <p:ext uri="{386F3935-93C4-4BCD-93E2-E3B085C9AB24}">
+                <p16:designElem xmlns:p16="http://schemas.microsoft.com/office/powerpoint/2015/main" val="1"/>
+              </p:ext>
+            </p:extLst>
+          </p:nvPr>
+        </p:nvSpPr>
+        <p:spPr>
+          <a:xfrm>
+            <a:off x="3175" y="6400800"/>
+            <a:ext cx="12188825" cy="457200"/>
+          </a:xfrm>
+          <a:prstGeom prst="rect">
+            <a:avLst/>
+          </a:prstGeom>
+          <a:solidFill>
+            <a:schemeClr val="accent2"/>
+          </a:solidFill>
+          <a:ln>
+            <a:noFill/>
+          </a:ln>
+        </p:spPr>
+        <p:style>
+          <a:lnRef idx="2">
+            <a:schemeClr val="accent1">
+              <a:shade val="50000"/>
+            </a:schemeClr>
+          </a:lnRef>
+          <a:fillRef idx="1">
+            <a:schemeClr val="accent1"/>
+          </a:fillRef>
+          <a:effectRef idx="0">
+            <a:schemeClr val="accent1"/>
+          </a:effectRef>
+          <a:fontRef idx="minor">
+            <a:schemeClr val="lt1"/>
+          </a:fontRef>
+        </p:style>
+      </p:sp>
+      <p:sp>
+        <p:nvSpPr>
+          <p:cNvPr id="31" name="Rectangle 30">
+            <a:extLst>
+              <a:ext uri="{FF2B5EF4-FFF2-40B4-BE49-F238E27FC236}">
+                <a16:creationId xmlns:a16="http://schemas.microsoft.com/office/drawing/2014/main" id="{39CB82C2-DF65-4EC1-8280-F201D50F570B}"/>
+              </a:ext>
+              <a:ext uri="{C183D7F6-B498-43B3-948B-1728B52AA6E4}">
+                <adec:decorative xmlns:adec="http://schemas.microsoft.com/office/drawing/2017/decorative" val="1"/>
+              </a:ext>
+            </a:extLst>
+          </p:cNvPr>
+          <p:cNvSpPr>
+            <a:spLocks noGrp="1" noRot="1" noChangeAspect="1" noMove="1" noResize="1" noEditPoints="1" noAdjustHandles="1" noChangeArrowheads="1" noChangeShapeType="1" noTextEdit="1"/>
+          </p:cNvSpPr>
+          <p:nvPr>
+            <p:extLst>
+              <p:ext uri="{386F3935-93C4-4BCD-93E2-E3B085C9AB24}">
+                <p16:designElem xmlns:p16="http://schemas.microsoft.com/office/powerpoint/2015/main" val="1"/>
+              </p:ext>
+            </p:extLst>
+          </p:nvPr>
+        </p:nvSpPr>
+        <p:spPr>
+          <a:xfrm>
+            <a:off x="15" y="6334316"/>
+            <a:ext cx="12188825" cy="64008"/>
+          </a:xfrm>
+          <a:prstGeom prst="rect">
+            <a:avLst/>
+          </a:prstGeom>
+          <a:solidFill>
+            <a:schemeClr val="accent1"/>
+          </a:solidFill>
+          <a:ln>
+            <a:noFill/>
+          </a:ln>
+        </p:spPr>
+        <p:style>
+          <a:lnRef idx="2">
+            <a:schemeClr val="accent1">
+              <a:shade val="50000"/>
+            </a:schemeClr>
+          </a:lnRef>
+          <a:fillRef idx="1">
+            <a:schemeClr val="accent1"/>
+          </a:fillRef>
+          <a:effectRef idx="0">
+            <a:schemeClr val="accent1"/>
+          </a:effectRef>
+          <a:fontRef idx="minor">
+            <a:schemeClr val="lt1"/>
+          </a:fontRef>
+        </p:style>
+      </p:sp>
+      <p:cxnSp>
+        <p:nvCxnSpPr>
+          <p:cNvPr id="33" name="Straight Connector 32">
+            <a:extLst>
+              <a:ext uri="{FF2B5EF4-FFF2-40B4-BE49-F238E27FC236}">
+                <a16:creationId xmlns:a16="http://schemas.microsoft.com/office/drawing/2014/main" id="{7E1D4427-852B-4B37-8E76-0E9F1810BA2A}"/>
+              </a:ext>
+              <a:ext uri="{C183D7F6-B498-43B3-948B-1728B52AA6E4}">
+                <adec:decorative xmlns:adec="http://schemas.microsoft.com/office/drawing/2017/decorative" val="1"/>
+              </a:ext>
+            </a:extLst>
+          </p:cNvPr>
+          <p:cNvCxnSpPr>
+            <a:cxnSpLocks noGrp="1" noRot="1" noChangeAspect="1" noMove="1" noResize="1" noEditPoints="1" noAdjustHandles="1" noChangeArrowheads="1" noChangeShapeType="1"/>
+          </p:cNvCxnSpPr>
+          <p:nvPr>
+            <p:extLst>
+              <p:ext uri="{386F3935-93C4-4BCD-93E2-E3B085C9AB24}">
+                <p16:designElem xmlns:p16="http://schemas.microsoft.com/office/powerpoint/2015/main" val="1"/>
+              </p:ext>
+            </p:extLst>
+          </p:nvPr>
+        </p:nvCxnSpPr>
+        <p:spPr>
+          <a:xfrm>
+            <a:off x="1207658" y="4343400"/>
+            <a:ext cx="9875520" cy="0"/>
+          </a:xfrm>
+          <a:prstGeom prst="line">
+            <a:avLst/>
+          </a:prstGeom>
+          <a:ln w="6350">
+            <a:solidFill>
+              <a:schemeClr val="tx1">
+                <a:lumMod val="50000"/>
+                <a:lumOff val="50000"/>
+              </a:schemeClr>
+            </a:solidFill>
+          </a:ln>
+        </p:spPr>
+        <p:style>
+          <a:lnRef idx="1">
+            <a:schemeClr val="accent1"/>
+          </a:lnRef>
+          <a:fillRef idx="0">
+            <a:schemeClr val="accent1"/>
+          </a:fillRef>
+          <a:effectRef idx="0">
+            <a:schemeClr val="accent1"/>
+          </a:effectRef>
+          <a:fontRef idx="minor">
+            <a:schemeClr val="tx1"/>
+          </a:fontRef>
+        </p:style>
+      </p:cxnSp>
+      <p:sp useBgFill="1">
+        <p:nvSpPr>
+          <p:cNvPr id="35" name="Rectangle 34">
+            <a:extLst>
+              <a:ext uri="{FF2B5EF4-FFF2-40B4-BE49-F238E27FC236}">
+                <a16:creationId xmlns:a16="http://schemas.microsoft.com/office/drawing/2014/main" id="{FA4CD5CB-D209-4D70-8CA4-629731C59219}"/>
+              </a:ext>
+              <a:ext uri="{C183D7F6-B498-43B3-948B-1728B52AA6E4}">
+                <adec:decorative xmlns:adec="http://schemas.microsoft.com/office/drawing/2017/decorative" val="1"/>
+              </a:ext>
+            </a:extLst>
+          </p:cNvPr>
+          <p:cNvSpPr>
+            <a:spLocks noGrp="1" noRot="1" noChangeAspect="1" noMove="1" noResize="1" noEditPoints="1" noAdjustHandles="1" noChangeArrowheads="1" noChangeShapeType="1" noTextEdit="1"/>
+          </p:cNvSpPr>
+          <p:nvPr>
+            <p:extLst>
+              <p:ext uri="{386F3935-93C4-4BCD-93E2-E3B085C9AB24}">
+                <p16:designElem xmlns:p16="http://schemas.microsoft.com/office/powerpoint/2015/main" val="1"/>
+              </p:ext>
+            </p:extLst>
+          </p:nvPr>
+        </p:nvSpPr>
+        <p:spPr>
+          <a:xfrm>
+            <a:off x="0" y="0"/>
+            <a:ext cx="12192001" cy="6334316"/>
+          </a:xfrm>
+          <a:prstGeom prst="rect">
+            <a:avLst/>
+          </a:prstGeom>
+          <a:ln>
+            <a:noFill/>
+          </a:ln>
+        </p:spPr>
+        <p:style>
+          <a:lnRef idx="2">
+            <a:schemeClr val="accent1">
+              <a:shade val="50000"/>
+            </a:schemeClr>
+          </a:lnRef>
+          <a:fillRef idx="1">
+            <a:schemeClr val="accent1"/>
+          </a:fillRef>
+          <a:effectRef idx="0">
+            <a:schemeClr val="accent1"/>
+          </a:effectRef>
+          <a:fontRef idx="minor">
+            <a:schemeClr val="lt1"/>
+          </a:fontRef>
+        </p:style>
+        <p:txBody>
+          <a:bodyPr rtlCol="0" anchor="ctr"/>
+          <a:lstStyle/>
+          <a:p>
+            <a:pPr marL="0" marR="0" lvl="0" indent="0" algn="ctr" defTabSz="457200" rtl="0" eaLnBrk="1" fontAlgn="auto" latinLnBrk="0" hangingPunct="1">
+              <a:lnSpc>
+                <a:spcPct val="100000"/>
+              </a:lnSpc>
+              <a:spcBef>
+                <a:spcPts val="0"/>
+              </a:spcBef>
+              <a:spcAft>
+                <a:spcPts val="0"/>
+              </a:spcAft>
+              <a:buClrTx/>
+              <a:buSzTx/>
+              <a:buFontTx/>
+              <a:buNone/>
+              <a:tabLst/>
+              <a:defRPr/>
+            </a:pPr>
+            <a:endParaRPr kumimoji="0" lang="en-US" sz="1800" b="0" i="0" u="none" strike="noStrike" kern="1200" cap="none" spc="0" normalizeH="0" baseline="0" noProof="0">
+              <a:ln>
+                <a:noFill/>
+              </a:ln>
+              <a:solidFill>
+                <a:prstClr val="white"/>
+              </a:solidFill>
+              <a:effectLst/>
+              <a:uLnTx/>
+              <a:uFillTx/>
+              <a:latin typeface="Calibri" panose="020F0502020204030204"/>
+              <a:ea typeface="+mn-ea"/>
+              <a:cs typeface="+mn-cs"/>
+            </a:endParaRPr>
+          </a:p>
+        </p:txBody>
+      </p:sp>
       <p:sp>
         <p:nvSpPr>
           <p:cNvPr id="2" name="Title 1">
@@ -13922,6 +17070,170 @@
           </a:prstGeom>
         </p:spPr>
       </p:pic>
+      <p:cxnSp>
+        <p:nvCxnSpPr>
+          <p:cNvPr id="37" name="Straight Connector 36">
+            <a:extLst>
+              <a:ext uri="{FF2B5EF4-FFF2-40B4-BE49-F238E27FC236}">
+                <a16:creationId xmlns:a16="http://schemas.microsoft.com/office/drawing/2014/main" id="{5C6A2BAE-B461-4B55-8E1F-0722ABDD1393}"/>
+              </a:ext>
+              <a:ext uri="{C183D7F6-B498-43B3-948B-1728B52AA6E4}">
+                <adec:decorative xmlns:adec="http://schemas.microsoft.com/office/drawing/2017/decorative" val="1"/>
+              </a:ext>
+            </a:extLst>
+          </p:cNvPr>
+          <p:cNvCxnSpPr>
+            <a:cxnSpLocks noGrp="1" noRot="1" noChangeAspect="1" noMove="1" noResize="1" noEditPoints="1" noAdjustHandles="1" noChangeArrowheads="1" noChangeShapeType="1"/>
+          </p:cNvCxnSpPr>
+          <p:nvPr>
+            <p:extLst>
+              <p:ext uri="{386F3935-93C4-4BCD-93E2-E3B085C9AB24}">
+                <p16:designElem xmlns:p16="http://schemas.microsoft.com/office/powerpoint/2015/main" val="1"/>
+              </p:ext>
+            </p:extLst>
+          </p:nvPr>
+        </p:nvCxnSpPr>
+        <p:spPr>
+          <a:xfrm>
+            <a:off x="8209305" y="4343400"/>
+            <a:ext cx="3200400" cy="0"/>
+          </a:xfrm>
+          <a:prstGeom prst="line">
+            <a:avLst/>
+          </a:prstGeom>
+          <a:ln w="6350">
+            <a:solidFill>
+              <a:schemeClr val="tx2">
+                <a:alpha val="90000"/>
+              </a:schemeClr>
+            </a:solidFill>
+          </a:ln>
+        </p:spPr>
+        <p:style>
+          <a:lnRef idx="1">
+            <a:schemeClr val="accent1"/>
+          </a:lnRef>
+          <a:fillRef idx="0">
+            <a:schemeClr val="accent1"/>
+          </a:fillRef>
+          <a:effectRef idx="0">
+            <a:schemeClr val="accent1"/>
+          </a:effectRef>
+          <a:fontRef idx="minor">
+            <a:schemeClr val="tx1"/>
+          </a:fontRef>
+        </p:style>
+      </p:cxnSp>
+      <p:sp>
+        <p:nvSpPr>
+          <p:cNvPr id="39" name="Rectangle 38">
+            <a:extLst>
+              <a:ext uri="{FF2B5EF4-FFF2-40B4-BE49-F238E27FC236}">
+                <a16:creationId xmlns:a16="http://schemas.microsoft.com/office/drawing/2014/main" id="{B4C27B90-DF2B-4D00-BA07-18ED774CD2F1}"/>
+              </a:ext>
+              <a:ext uri="{C183D7F6-B498-43B3-948B-1728B52AA6E4}">
+                <adec:decorative xmlns:adec="http://schemas.microsoft.com/office/drawing/2017/decorative" val="1"/>
+              </a:ext>
+            </a:extLst>
+          </p:cNvPr>
+          <p:cNvSpPr>
+            <a:spLocks noGrp="1" noRot="1" noChangeAspect="1" noMove="1" noResize="1" noEditPoints="1" noAdjustHandles="1" noChangeArrowheads="1" noChangeShapeType="1" noTextEdit="1"/>
+          </p:cNvSpPr>
+          <p:nvPr>
+            <p:extLst>
+              <p:ext uri="{386F3935-93C4-4BCD-93E2-E3B085C9AB24}">
+                <p16:designElem xmlns:p16="http://schemas.microsoft.com/office/powerpoint/2015/main" val="1"/>
+              </p:ext>
+            </p:extLst>
+          </p:nvPr>
+        </p:nvSpPr>
+        <p:spPr>
+          <a:xfrm>
+            <a:off x="15" y="6334316"/>
+            <a:ext cx="12191985" cy="66484"/>
+          </a:xfrm>
+          <a:prstGeom prst="rect">
+            <a:avLst/>
+          </a:prstGeom>
+          <a:solidFill>
+            <a:schemeClr val="accent1"/>
+          </a:solidFill>
+          <a:ln>
+            <a:noFill/>
+          </a:ln>
+        </p:spPr>
+        <p:style>
+          <a:lnRef idx="2">
+            <a:schemeClr val="accent1">
+              <a:shade val="50000"/>
+            </a:schemeClr>
+          </a:lnRef>
+          <a:fillRef idx="1">
+            <a:schemeClr val="accent1"/>
+          </a:fillRef>
+          <a:effectRef idx="0">
+            <a:schemeClr val="accent1"/>
+          </a:effectRef>
+          <a:fontRef idx="minor">
+            <a:schemeClr val="lt1"/>
+          </a:fontRef>
+        </p:style>
+      </p:sp>
+      <p:sp>
+        <p:nvSpPr>
+          <p:cNvPr id="41" name="Rectangle 40">
+            <a:extLst>
+              <a:ext uri="{FF2B5EF4-FFF2-40B4-BE49-F238E27FC236}">
+                <a16:creationId xmlns:a16="http://schemas.microsoft.com/office/drawing/2014/main" id="{593ACC25-C262-417A-8AA9-0641C772BDB6}"/>
+              </a:ext>
+              <a:ext uri="{C183D7F6-B498-43B3-948B-1728B52AA6E4}">
+                <adec:decorative xmlns:adec="http://schemas.microsoft.com/office/drawing/2017/decorative" val="1"/>
+              </a:ext>
+            </a:extLst>
+          </p:cNvPr>
+          <p:cNvSpPr>
+            <a:spLocks noGrp="1" noRot="1" noChangeAspect="1" noMove="1" noResize="1" noEditPoints="1" noAdjustHandles="1" noChangeArrowheads="1" noChangeShapeType="1" noTextEdit="1"/>
+          </p:cNvSpPr>
+          <p:nvPr>
+            <p:extLst>
+              <p:ext uri="{386F3935-93C4-4BCD-93E2-E3B085C9AB24}">
+                <p16:designElem xmlns:p16="http://schemas.microsoft.com/office/powerpoint/2015/main" val="1"/>
+              </p:ext>
+            </p:extLst>
+          </p:nvPr>
+        </p:nvSpPr>
+        <p:spPr>
+          <a:xfrm>
+            <a:off x="1" y="6400800"/>
+            <a:ext cx="12192000" cy="457200"/>
+          </a:xfrm>
+          <a:prstGeom prst="rect">
+            <a:avLst/>
+          </a:prstGeom>
+          <a:solidFill>
+            <a:schemeClr val="accent2"/>
+          </a:solidFill>
+          <a:ln>
+            <a:noFill/>
+          </a:ln>
+        </p:spPr>
+        <p:style>
+          <a:lnRef idx="2">
+            <a:schemeClr val="accent1">
+              <a:shade val="50000"/>
+            </a:schemeClr>
+          </a:lnRef>
+          <a:fillRef idx="1">
+            <a:schemeClr val="accent1"/>
+          </a:fillRef>
+          <a:effectRef idx="0">
+            <a:schemeClr val="accent1"/>
+          </a:effectRef>
+          <a:fontRef idx="minor">
+            <a:schemeClr val="lt1"/>
+          </a:fontRef>
+        </p:style>
+      </p:sp>
       <p:graphicFrame>
         <p:nvGraphicFramePr>
           <p:cNvPr id="28" name="Table 12">
@@ -14213,6 +17525,14 @@
 <file path=ppt/slides/slide8.xml><?xml version="1.0" encoding="utf-8"?>
 <p:sld xmlns:a="http://schemas.openxmlformats.org/drawingml/2006/main" xmlns:r="http://schemas.openxmlformats.org/officeDocument/2006/relationships" xmlns:p="http://schemas.openxmlformats.org/presentationml/2006/main">
   <p:cSld>
+    <p:bg>
+      <p:bgPr>
+        <a:solidFill>
+          <a:schemeClr val="bg1"/>
+        </a:solidFill>
+        <a:effectLst/>
+      </p:bgPr>
+    </p:bg>
     <p:spTree>
       <p:nvGrpSpPr>
         <p:cNvPr id="1" name=""/>
@@ -14227,6 +17547,260 @@
           <a:chExt cx="0" cy="0"/>
         </a:xfrm>
       </p:grpSpPr>
+      <p:sp>
+        <p:nvSpPr>
+          <p:cNvPr id="36" name="Rectangle 35">
+            <a:extLst>
+              <a:ext uri="{FF2B5EF4-FFF2-40B4-BE49-F238E27FC236}">
+                <a16:creationId xmlns:a16="http://schemas.microsoft.com/office/drawing/2014/main" id="{4E4490D0-3672-446A-AC12-B4830333BDDD}"/>
+              </a:ext>
+              <a:ext uri="{C183D7F6-B498-43B3-948B-1728B52AA6E4}">
+                <adec:decorative xmlns:adec="http://schemas.microsoft.com/office/drawing/2017/decorative" val="1"/>
+              </a:ext>
+            </a:extLst>
+          </p:cNvPr>
+          <p:cNvSpPr>
+            <a:spLocks noGrp="1" noRot="1" noChangeAspect="1" noMove="1" noResize="1" noEditPoints="1" noAdjustHandles="1" noChangeArrowheads="1" noChangeShapeType="1" noTextEdit="1"/>
+          </p:cNvSpPr>
+          <p:nvPr>
+            <p:extLst>
+              <p:ext uri="{386F3935-93C4-4BCD-93E2-E3B085C9AB24}">
+                <p16:designElem xmlns:p16="http://schemas.microsoft.com/office/powerpoint/2015/main" val="1"/>
+              </p:ext>
+            </p:extLst>
+          </p:nvPr>
+        </p:nvSpPr>
+        <p:spPr>
+          <a:xfrm>
+            <a:off x="3175" y="6400800"/>
+            <a:ext cx="12188825" cy="457200"/>
+          </a:xfrm>
+          <a:prstGeom prst="rect">
+            <a:avLst/>
+          </a:prstGeom>
+          <a:solidFill>
+            <a:schemeClr val="accent2"/>
+          </a:solidFill>
+          <a:ln>
+            <a:noFill/>
+          </a:ln>
+        </p:spPr>
+        <p:style>
+          <a:lnRef idx="2">
+            <a:schemeClr val="accent1">
+              <a:shade val="50000"/>
+            </a:schemeClr>
+          </a:lnRef>
+          <a:fillRef idx="1">
+            <a:schemeClr val="accent1"/>
+          </a:fillRef>
+          <a:effectRef idx="0">
+            <a:schemeClr val="accent1"/>
+          </a:effectRef>
+          <a:fontRef idx="minor">
+            <a:schemeClr val="lt1"/>
+          </a:fontRef>
+        </p:style>
+      </p:sp>
+      <p:sp>
+        <p:nvSpPr>
+          <p:cNvPr id="38" name="Rectangle 37">
+            <a:extLst>
+              <a:ext uri="{FF2B5EF4-FFF2-40B4-BE49-F238E27FC236}">
+                <a16:creationId xmlns:a16="http://schemas.microsoft.com/office/drawing/2014/main" id="{39CB82C2-DF65-4EC1-8280-F201D50F570B}"/>
+              </a:ext>
+              <a:ext uri="{C183D7F6-B498-43B3-948B-1728B52AA6E4}">
+                <adec:decorative xmlns:adec="http://schemas.microsoft.com/office/drawing/2017/decorative" val="1"/>
+              </a:ext>
+            </a:extLst>
+          </p:cNvPr>
+          <p:cNvSpPr>
+            <a:spLocks noGrp="1" noRot="1" noChangeAspect="1" noMove="1" noResize="1" noEditPoints="1" noAdjustHandles="1" noChangeArrowheads="1" noChangeShapeType="1" noTextEdit="1"/>
+          </p:cNvSpPr>
+          <p:nvPr>
+            <p:extLst>
+              <p:ext uri="{386F3935-93C4-4BCD-93E2-E3B085C9AB24}">
+                <p16:designElem xmlns:p16="http://schemas.microsoft.com/office/powerpoint/2015/main" val="1"/>
+              </p:ext>
+            </p:extLst>
+          </p:nvPr>
+        </p:nvSpPr>
+        <p:spPr>
+          <a:xfrm>
+            <a:off x="15" y="6334316"/>
+            <a:ext cx="12188825" cy="64008"/>
+          </a:xfrm>
+          <a:prstGeom prst="rect">
+            <a:avLst/>
+          </a:prstGeom>
+          <a:solidFill>
+            <a:schemeClr val="accent1"/>
+          </a:solidFill>
+          <a:ln>
+            <a:noFill/>
+          </a:ln>
+        </p:spPr>
+        <p:style>
+          <a:lnRef idx="2">
+            <a:schemeClr val="accent1">
+              <a:shade val="50000"/>
+            </a:schemeClr>
+          </a:lnRef>
+          <a:fillRef idx="1">
+            <a:schemeClr val="accent1"/>
+          </a:fillRef>
+          <a:effectRef idx="0">
+            <a:schemeClr val="accent1"/>
+          </a:effectRef>
+          <a:fontRef idx="minor">
+            <a:schemeClr val="lt1"/>
+          </a:fontRef>
+        </p:style>
+      </p:sp>
+      <p:cxnSp>
+        <p:nvCxnSpPr>
+          <p:cNvPr id="40" name="Straight Connector 39">
+            <a:extLst>
+              <a:ext uri="{FF2B5EF4-FFF2-40B4-BE49-F238E27FC236}">
+                <a16:creationId xmlns:a16="http://schemas.microsoft.com/office/drawing/2014/main" id="{7E1D4427-852B-4B37-8E76-0E9F1810BA2A}"/>
+              </a:ext>
+              <a:ext uri="{C183D7F6-B498-43B3-948B-1728B52AA6E4}">
+                <adec:decorative xmlns:adec="http://schemas.microsoft.com/office/drawing/2017/decorative" val="1"/>
+              </a:ext>
+            </a:extLst>
+          </p:cNvPr>
+          <p:cNvCxnSpPr>
+            <a:cxnSpLocks noGrp="1" noRot="1" noChangeAspect="1" noMove="1" noResize="1" noEditPoints="1" noAdjustHandles="1" noChangeArrowheads="1" noChangeShapeType="1"/>
+          </p:cNvCxnSpPr>
+          <p:nvPr>
+            <p:extLst>
+              <p:ext uri="{386F3935-93C4-4BCD-93E2-E3B085C9AB24}">
+                <p16:designElem xmlns:p16="http://schemas.microsoft.com/office/powerpoint/2015/main" val="1"/>
+              </p:ext>
+            </p:extLst>
+          </p:nvPr>
+        </p:nvCxnSpPr>
+        <p:spPr>
+          <a:xfrm>
+            <a:off x="1207658" y="4343400"/>
+            <a:ext cx="9875520" cy="0"/>
+          </a:xfrm>
+          <a:prstGeom prst="line">
+            <a:avLst/>
+          </a:prstGeom>
+          <a:ln w="6350">
+            <a:solidFill>
+              <a:schemeClr val="tx1">
+                <a:lumMod val="50000"/>
+                <a:lumOff val="50000"/>
+              </a:schemeClr>
+            </a:solidFill>
+          </a:ln>
+        </p:spPr>
+        <p:style>
+          <a:lnRef idx="1">
+            <a:schemeClr val="accent1"/>
+          </a:lnRef>
+          <a:fillRef idx="0">
+            <a:schemeClr val="accent1"/>
+          </a:fillRef>
+          <a:effectRef idx="0">
+            <a:schemeClr val="accent1"/>
+          </a:effectRef>
+          <a:fontRef idx="minor">
+            <a:schemeClr val="tx1"/>
+          </a:fontRef>
+        </p:style>
+      </p:cxnSp>
+      <p:sp useBgFill="1">
+        <p:nvSpPr>
+          <p:cNvPr id="42" name="Rectangle 41">
+            <a:extLst>
+              <a:ext uri="{FF2B5EF4-FFF2-40B4-BE49-F238E27FC236}">
+                <a16:creationId xmlns:a16="http://schemas.microsoft.com/office/drawing/2014/main" id="{FA4CD5CB-D209-4D70-8CA4-629731C59219}"/>
+              </a:ext>
+              <a:ext uri="{C183D7F6-B498-43B3-948B-1728B52AA6E4}">
+                <adec:decorative xmlns:adec="http://schemas.microsoft.com/office/drawing/2017/decorative" val="1"/>
+              </a:ext>
+            </a:extLst>
+          </p:cNvPr>
+          <p:cNvSpPr>
+            <a:spLocks noGrp="1" noRot="1" noChangeAspect="1" noMove="1" noResize="1" noEditPoints="1" noAdjustHandles="1" noChangeArrowheads="1" noChangeShapeType="1" noTextEdit="1"/>
+          </p:cNvSpPr>
+          <p:nvPr>
+            <p:extLst>
+              <p:ext uri="{386F3935-93C4-4BCD-93E2-E3B085C9AB24}">
+                <p16:designElem xmlns:p16="http://schemas.microsoft.com/office/powerpoint/2015/main" val="1"/>
+              </p:ext>
+            </p:extLst>
+          </p:nvPr>
+        </p:nvSpPr>
+        <p:spPr>
+          <a:xfrm>
+            <a:off x="0" y="0"/>
+            <a:ext cx="12192001" cy="6334316"/>
+          </a:xfrm>
+          <a:prstGeom prst="rect">
+            <a:avLst/>
+          </a:prstGeom>
+          <a:ln>
+            <a:noFill/>
+          </a:ln>
+        </p:spPr>
+        <p:style>
+          <a:lnRef idx="2">
+            <a:schemeClr val="accent1">
+              <a:shade val="50000"/>
+            </a:schemeClr>
+          </a:lnRef>
+          <a:fillRef idx="1">
+            <a:schemeClr val="accent1"/>
+          </a:fillRef>
+          <a:effectRef idx="0">
+            <a:schemeClr val="accent1"/>
+          </a:effectRef>
+          <a:fontRef idx="minor">
+            <a:schemeClr val="lt1"/>
+          </a:fontRef>
+        </p:style>
+        <p:txBody>
+          <a:bodyPr rtlCol="0" anchor="ctr"/>
+          <a:lstStyle/>
+          <a:p>
+            <a:pPr marL="0" marR="0" lvl="0" indent="0" algn="ctr" defTabSz="457200" rtl="0" eaLnBrk="1" fontAlgn="auto" latinLnBrk="0" hangingPunct="1">
+              <a:lnSpc>
+                <a:spcPct val="100000"/>
+              </a:lnSpc>
+              <a:spcBef>
+                <a:spcPts val="0"/>
+              </a:spcBef>
+              <a:spcAft>
+                <a:spcPts val="0"/>
+              </a:spcAft>
+              <a:buClrTx/>
+              <a:buSzTx/>
+              <a:buFontTx/>
+              <a:buNone/>
+              <a:tabLst/>
+              <a:defRPr/>
+            </a:pPr>
+            <a:endParaRPr kumimoji="0" lang="en-US" sz="1800" b="0" i="0" u="none" strike="noStrike" kern="1200" cap="none" spc="0" normalizeH="0" baseline="0" noProof="0">
+              <a:ln>
+                <a:noFill/>
+              </a:ln>
+              <a:solidFill>
+                <a:prstClr val="white"/>
+              </a:solidFill>
+              <a:effectLst/>
+              <a:uLnTx/>
+              <a:uFillTx/>
+              <a:latin typeface="Calibri" panose="020F0502020204030204"/>
+              <a:ea typeface="+mn-ea"/>
+              <a:cs typeface="+mn-cs"/>
+            </a:endParaRPr>
+          </a:p>
+        </p:txBody>
+      </p:sp>
       <p:sp>
         <p:nvSpPr>
           <p:cNvPr id="2" name="Title 1">
@@ -14305,6 +17879,170 @@
           </a:prstGeom>
         </p:spPr>
       </p:pic>
+      <p:cxnSp>
+        <p:nvCxnSpPr>
+          <p:cNvPr id="44" name="Straight Connector 43">
+            <a:extLst>
+              <a:ext uri="{FF2B5EF4-FFF2-40B4-BE49-F238E27FC236}">
+                <a16:creationId xmlns:a16="http://schemas.microsoft.com/office/drawing/2014/main" id="{5C6A2BAE-B461-4B55-8E1F-0722ABDD1393}"/>
+              </a:ext>
+              <a:ext uri="{C183D7F6-B498-43B3-948B-1728B52AA6E4}">
+                <adec:decorative xmlns:adec="http://schemas.microsoft.com/office/drawing/2017/decorative" val="1"/>
+              </a:ext>
+            </a:extLst>
+          </p:cNvPr>
+          <p:cNvCxnSpPr>
+            <a:cxnSpLocks noGrp="1" noRot="1" noChangeAspect="1" noMove="1" noResize="1" noEditPoints="1" noAdjustHandles="1" noChangeArrowheads="1" noChangeShapeType="1"/>
+          </p:cNvCxnSpPr>
+          <p:nvPr>
+            <p:extLst>
+              <p:ext uri="{386F3935-93C4-4BCD-93E2-E3B085C9AB24}">
+                <p16:designElem xmlns:p16="http://schemas.microsoft.com/office/powerpoint/2015/main" val="1"/>
+              </p:ext>
+            </p:extLst>
+          </p:nvPr>
+        </p:nvCxnSpPr>
+        <p:spPr>
+          <a:xfrm>
+            <a:off x="8209305" y="4343400"/>
+            <a:ext cx="3200400" cy="0"/>
+          </a:xfrm>
+          <a:prstGeom prst="line">
+            <a:avLst/>
+          </a:prstGeom>
+          <a:ln w="6350">
+            <a:solidFill>
+              <a:schemeClr val="tx2">
+                <a:alpha val="90000"/>
+              </a:schemeClr>
+            </a:solidFill>
+          </a:ln>
+        </p:spPr>
+        <p:style>
+          <a:lnRef idx="1">
+            <a:schemeClr val="accent1"/>
+          </a:lnRef>
+          <a:fillRef idx="0">
+            <a:schemeClr val="accent1"/>
+          </a:fillRef>
+          <a:effectRef idx="0">
+            <a:schemeClr val="accent1"/>
+          </a:effectRef>
+          <a:fontRef idx="minor">
+            <a:schemeClr val="tx1"/>
+          </a:fontRef>
+        </p:style>
+      </p:cxnSp>
+      <p:sp>
+        <p:nvSpPr>
+          <p:cNvPr id="46" name="Rectangle 45">
+            <a:extLst>
+              <a:ext uri="{FF2B5EF4-FFF2-40B4-BE49-F238E27FC236}">
+                <a16:creationId xmlns:a16="http://schemas.microsoft.com/office/drawing/2014/main" id="{B4C27B90-DF2B-4D00-BA07-18ED774CD2F1}"/>
+              </a:ext>
+              <a:ext uri="{C183D7F6-B498-43B3-948B-1728B52AA6E4}">
+                <adec:decorative xmlns:adec="http://schemas.microsoft.com/office/drawing/2017/decorative" val="1"/>
+              </a:ext>
+            </a:extLst>
+          </p:cNvPr>
+          <p:cNvSpPr>
+            <a:spLocks noGrp="1" noRot="1" noChangeAspect="1" noMove="1" noResize="1" noEditPoints="1" noAdjustHandles="1" noChangeArrowheads="1" noChangeShapeType="1" noTextEdit="1"/>
+          </p:cNvSpPr>
+          <p:nvPr>
+            <p:extLst>
+              <p:ext uri="{386F3935-93C4-4BCD-93E2-E3B085C9AB24}">
+                <p16:designElem xmlns:p16="http://schemas.microsoft.com/office/powerpoint/2015/main" val="1"/>
+              </p:ext>
+            </p:extLst>
+          </p:nvPr>
+        </p:nvSpPr>
+        <p:spPr>
+          <a:xfrm>
+            <a:off x="15" y="6334316"/>
+            <a:ext cx="12191985" cy="66484"/>
+          </a:xfrm>
+          <a:prstGeom prst="rect">
+            <a:avLst/>
+          </a:prstGeom>
+          <a:solidFill>
+            <a:schemeClr val="accent1"/>
+          </a:solidFill>
+          <a:ln>
+            <a:noFill/>
+          </a:ln>
+        </p:spPr>
+        <p:style>
+          <a:lnRef idx="2">
+            <a:schemeClr val="accent1">
+              <a:shade val="50000"/>
+            </a:schemeClr>
+          </a:lnRef>
+          <a:fillRef idx="1">
+            <a:schemeClr val="accent1"/>
+          </a:fillRef>
+          <a:effectRef idx="0">
+            <a:schemeClr val="accent1"/>
+          </a:effectRef>
+          <a:fontRef idx="minor">
+            <a:schemeClr val="lt1"/>
+          </a:fontRef>
+        </p:style>
+      </p:sp>
+      <p:sp>
+        <p:nvSpPr>
+          <p:cNvPr id="48" name="Rectangle 47">
+            <a:extLst>
+              <a:ext uri="{FF2B5EF4-FFF2-40B4-BE49-F238E27FC236}">
+                <a16:creationId xmlns:a16="http://schemas.microsoft.com/office/drawing/2014/main" id="{593ACC25-C262-417A-8AA9-0641C772BDB6}"/>
+              </a:ext>
+              <a:ext uri="{C183D7F6-B498-43B3-948B-1728B52AA6E4}">
+                <adec:decorative xmlns:adec="http://schemas.microsoft.com/office/drawing/2017/decorative" val="1"/>
+              </a:ext>
+            </a:extLst>
+          </p:cNvPr>
+          <p:cNvSpPr>
+            <a:spLocks noGrp="1" noRot="1" noChangeAspect="1" noMove="1" noResize="1" noEditPoints="1" noAdjustHandles="1" noChangeArrowheads="1" noChangeShapeType="1" noTextEdit="1"/>
+          </p:cNvSpPr>
+          <p:nvPr>
+            <p:extLst>
+              <p:ext uri="{386F3935-93C4-4BCD-93E2-E3B085C9AB24}">
+                <p16:designElem xmlns:p16="http://schemas.microsoft.com/office/powerpoint/2015/main" val="1"/>
+              </p:ext>
+            </p:extLst>
+          </p:nvPr>
+        </p:nvSpPr>
+        <p:spPr>
+          <a:xfrm>
+            <a:off x="1" y="6400800"/>
+            <a:ext cx="12192000" cy="457200"/>
+          </a:xfrm>
+          <a:prstGeom prst="rect">
+            <a:avLst/>
+          </a:prstGeom>
+          <a:solidFill>
+            <a:schemeClr val="accent2"/>
+          </a:solidFill>
+          <a:ln>
+            <a:noFill/>
+          </a:ln>
+        </p:spPr>
+        <p:style>
+          <a:lnRef idx="2">
+            <a:schemeClr val="accent1">
+              <a:shade val="50000"/>
+            </a:schemeClr>
+          </a:lnRef>
+          <a:fillRef idx="1">
+            <a:schemeClr val="accent1"/>
+          </a:fillRef>
+          <a:effectRef idx="0">
+            <a:schemeClr val="accent1"/>
+          </a:effectRef>
+          <a:fontRef idx="minor">
+            <a:schemeClr val="lt1"/>
+          </a:fontRef>
+        </p:style>
+      </p:sp>
       <p:graphicFrame>
         <p:nvGraphicFramePr>
           <p:cNvPr id="32" name="Table 12">
@@ -14596,6 +18334,14 @@
 <file path=ppt/slides/slide9.xml><?xml version="1.0" encoding="utf-8"?>
 <p:sld xmlns:a="http://schemas.openxmlformats.org/drawingml/2006/main" xmlns:r="http://schemas.openxmlformats.org/officeDocument/2006/relationships" xmlns:p="http://schemas.openxmlformats.org/presentationml/2006/main">
   <p:cSld>
+    <p:bg>
+      <p:bgPr>
+        <a:solidFill>
+          <a:schemeClr val="bg1"/>
+        </a:solidFill>
+        <a:effectLst/>
+      </p:bgPr>
+    </p:bg>
     <p:spTree>
       <p:nvGrpSpPr>
         <p:cNvPr id="1" name=""/>
@@ -14610,6 +18356,260 @@
           <a:chExt cx="0" cy="0"/>
         </a:xfrm>
       </p:grpSpPr>
+      <p:sp>
+        <p:nvSpPr>
+          <p:cNvPr id="54" name="Rectangle 53">
+            <a:extLst>
+              <a:ext uri="{FF2B5EF4-FFF2-40B4-BE49-F238E27FC236}">
+                <a16:creationId xmlns:a16="http://schemas.microsoft.com/office/drawing/2014/main" id="{4E4490D0-3672-446A-AC12-B4830333BDDD}"/>
+              </a:ext>
+              <a:ext uri="{C183D7F6-B498-43B3-948B-1728B52AA6E4}">
+                <adec:decorative xmlns:adec="http://schemas.microsoft.com/office/drawing/2017/decorative" val="1"/>
+              </a:ext>
+            </a:extLst>
+          </p:cNvPr>
+          <p:cNvSpPr>
+            <a:spLocks noGrp="1" noRot="1" noChangeAspect="1" noMove="1" noResize="1" noEditPoints="1" noAdjustHandles="1" noChangeArrowheads="1" noChangeShapeType="1" noTextEdit="1"/>
+          </p:cNvSpPr>
+          <p:nvPr>
+            <p:extLst>
+              <p:ext uri="{386F3935-93C4-4BCD-93E2-E3B085C9AB24}">
+                <p16:designElem xmlns:p16="http://schemas.microsoft.com/office/powerpoint/2015/main" val="1"/>
+              </p:ext>
+            </p:extLst>
+          </p:nvPr>
+        </p:nvSpPr>
+        <p:spPr>
+          <a:xfrm>
+            <a:off x="3175" y="6400800"/>
+            <a:ext cx="12188825" cy="457200"/>
+          </a:xfrm>
+          <a:prstGeom prst="rect">
+            <a:avLst/>
+          </a:prstGeom>
+          <a:solidFill>
+            <a:schemeClr val="accent2"/>
+          </a:solidFill>
+          <a:ln>
+            <a:noFill/>
+          </a:ln>
+        </p:spPr>
+        <p:style>
+          <a:lnRef idx="2">
+            <a:schemeClr val="accent1">
+              <a:shade val="50000"/>
+            </a:schemeClr>
+          </a:lnRef>
+          <a:fillRef idx="1">
+            <a:schemeClr val="accent1"/>
+          </a:fillRef>
+          <a:effectRef idx="0">
+            <a:schemeClr val="accent1"/>
+          </a:effectRef>
+          <a:fontRef idx="minor">
+            <a:schemeClr val="lt1"/>
+          </a:fontRef>
+        </p:style>
+      </p:sp>
+      <p:sp>
+        <p:nvSpPr>
+          <p:cNvPr id="56" name="Rectangle 55">
+            <a:extLst>
+              <a:ext uri="{FF2B5EF4-FFF2-40B4-BE49-F238E27FC236}">
+                <a16:creationId xmlns:a16="http://schemas.microsoft.com/office/drawing/2014/main" id="{39CB82C2-DF65-4EC1-8280-F201D50F570B}"/>
+              </a:ext>
+              <a:ext uri="{C183D7F6-B498-43B3-948B-1728B52AA6E4}">
+                <adec:decorative xmlns:adec="http://schemas.microsoft.com/office/drawing/2017/decorative" val="1"/>
+              </a:ext>
+            </a:extLst>
+          </p:cNvPr>
+          <p:cNvSpPr>
+            <a:spLocks noGrp="1" noRot="1" noChangeAspect="1" noMove="1" noResize="1" noEditPoints="1" noAdjustHandles="1" noChangeArrowheads="1" noChangeShapeType="1" noTextEdit="1"/>
+          </p:cNvSpPr>
+          <p:nvPr>
+            <p:extLst>
+              <p:ext uri="{386F3935-93C4-4BCD-93E2-E3B085C9AB24}">
+                <p16:designElem xmlns:p16="http://schemas.microsoft.com/office/powerpoint/2015/main" val="1"/>
+              </p:ext>
+            </p:extLst>
+          </p:nvPr>
+        </p:nvSpPr>
+        <p:spPr>
+          <a:xfrm>
+            <a:off x="15" y="6334316"/>
+            <a:ext cx="12188825" cy="64008"/>
+          </a:xfrm>
+          <a:prstGeom prst="rect">
+            <a:avLst/>
+          </a:prstGeom>
+          <a:solidFill>
+            <a:schemeClr val="accent1"/>
+          </a:solidFill>
+          <a:ln>
+            <a:noFill/>
+          </a:ln>
+        </p:spPr>
+        <p:style>
+          <a:lnRef idx="2">
+            <a:schemeClr val="accent1">
+              <a:shade val="50000"/>
+            </a:schemeClr>
+          </a:lnRef>
+          <a:fillRef idx="1">
+            <a:schemeClr val="accent1"/>
+          </a:fillRef>
+          <a:effectRef idx="0">
+            <a:schemeClr val="accent1"/>
+          </a:effectRef>
+          <a:fontRef idx="minor">
+            <a:schemeClr val="lt1"/>
+          </a:fontRef>
+        </p:style>
+      </p:sp>
+      <p:cxnSp>
+        <p:nvCxnSpPr>
+          <p:cNvPr id="58" name="Straight Connector 57">
+            <a:extLst>
+              <a:ext uri="{FF2B5EF4-FFF2-40B4-BE49-F238E27FC236}">
+                <a16:creationId xmlns:a16="http://schemas.microsoft.com/office/drawing/2014/main" id="{7E1D4427-852B-4B37-8E76-0E9F1810BA2A}"/>
+              </a:ext>
+              <a:ext uri="{C183D7F6-B498-43B3-948B-1728B52AA6E4}">
+                <adec:decorative xmlns:adec="http://schemas.microsoft.com/office/drawing/2017/decorative" val="1"/>
+              </a:ext>
+            </a:extLst>
+          </p:cNvPr>
+          <p:cNvCxnSpPr>
+            <a:cxnSpLocks noGrp="1" noRot="1" noChangeAspect="1" noMove="1" noResize="1" noEditPoints="1" noAdjustHandles="1" noChangeArrowheads="1" noChangeShapeType="1"/>
+          </p:cNvCxnSpPr>
+          <p:nvPr>
+            <p:extLst>
+              <p:ext uri="{386F3935-93C4-4BCD-93E2-E3B085C9AB24}">
+                <p16:designElem xmlns:p16="http://schemas.microsoft.com/office/powerpoint/2015/main" val="1"/>
+              </p:ext>
+            </p:extLst>
+          </p:nvPr>
+        </p:nvCxnSpPr>
+        <p:spPr>
+          <a:xfrm>
+            <a:off x="1207658" y="4343400"/>
+            <a:ext cx="9875520" cy="0"/>
+          </a:xfrm>
+          <a:prstGeom prst="line">
+            <a:avLst/>
+          </a:prstGeom>
+          <a:ln w="6350">
+            <a:solidFill>
+              <a:schemeClr val="tx1">
+                <a:lumMod val="50000"/>
+                <a:lumOff val="50000"/>
+              </a:schemeClr>
+            </a:solidFill>
+          </a:ln>
+        </p:spPr>
+        <p:style>
+          <a:lnRef idx="1">
+            <a:schemeClr val="accent1"/>
+          </a:lnRef>
+          <a:fillRef idx="0">
+            <a:schemeClr val="accent1"/>
+          </a:fillRef>
+          <a:effectRef idx="0">
+            <a:schemeClr val="accent1"/>
+          </a:effectRef>
+          <a:fontRef idx="minor">
+            <a:schemeClr val="tx1"/>
+          </a:fontRef>
+        </p:style>
+      </p:cxnSp>
+      <p:sp useBgFill="1">
+        <p:nvSpPr>
+          <p:cNvPr id="60" name="Rectangle 59">
+            <a:extLst>
+              <a:ext uri="{FF2B5EF4-FFF2-40B4-BE49-F238E27FC236}">
+                <a16:creationId xmlns:a16="http://schemas.microsoft.com/office/drawing/2014/main" id="{FA4CD5CB-D209-4D70-8CA4-629731C59219}"/>
+              </a:ext>
+              <a:ext uri="{C183D7F6-B498-43B3-948B-1728B52AA6E4}">
+                <adec:decorative xmlns:adec="http://schemas.microsoft.com/office/drawing/2017/decorative" val="1"/>
+              </a:ext>
+            </a:extLst>
+          </p:cNvPr>
+          <p:cNvSpPr>
+            <a:spLocks noGrp="1" noRot="1" noChangeAspect="1" noMove="1" noResize="1" noEditPoints="1" noAdjustHandles="1" noChangeArrowheads="1" noChangeShapeType="1" noTextEdit="1"/>
+          </p:cNvSpPr>
+          <p:nvPr>
+            <p:extLst>
+              <p:ext uri="{386F3935-93C4-4BCD-93E2-E3B085C9AB24}">
+                <p16:designElem xmlns:p16="http://schemas.microsoft.com/office/powerpoint/2015/main" val="1"/>
+              </p:ext>
+            </p:extLst>
+          </p:nvPr>
+        </p:nvSpPr>
+        <p:spPr>
+          <a:xfrm>
+            <a:off x="0" y="0"/>
+            <a:ext cx="12192001" cy="6334316"/>
+          </a:xfrm>
+          <a:prstGeom prst="rect">
+            <a:avLst/>
+          </a:prstGeom>
+          <a:ln>
+            <a:noFill/>
+          </a:ln>
+        </p:spPr>
+        <p:style>
+          <a:lnRef idx="2">
+            <a:schemeClr val="accent1">
+              <a:shade val="50000"/>
+            </a:schemeClr>
+          </a:lnRef>
+          <a:fillRef idx="1">
+            <a:schemeClr val="accent1"/>
+          </a:fillRef>
+          <a:effectRef idx="0">
+            <a:schemeClr val="accent1"/>
+          </a:effectRef>
+          <a:fontRef idx="minor">
+            <a:schemeClr val="lt1"/>
+          </a:fontRef>
+        </p:style>
+        <p:txBody>
+          <a:bodyPr rtlCol="0" anchor="ctr"/>
+          <a:lstStyle/>
+          <a:p>
+            <a:pPr marL="0" marR="0" lvl="0" indent="0" algn="ctr" defTabSz="457200" rtl="0" eaLnBrk="1" fontAlgn="auto" latinLnBrk="0" hangingPunct="1">
+              <a:lnSpc>
+                <a:spcPct val="100000"/>
+              </a:lnSpc>
+              <a:spcBef>
+                <a:spcPts val="0"/>
+              </a:spcBef>
+              <a:spcAft>
+                <a:spcPts val="0"/>
+              </a:spcAft>
+              <a:buClrTx/>
+              <a:buSzTx/>
+              <a:buFontTx/>
+              <a:buNone/>
+              <a:tabLst/>
+              <a:defRPr/>
+            </a:pPr>
+            <a:endParaRPr kumimoji="0" lang="en-US" sz="1800" b="0" i="0" u="none" strike="noStrike" kern="1200" cap="none" spc="0" normalizeH="0" baseline="0" noProof="0">
+              <a:ln>
+                <a:noFill/>
+              </a:ln>
+              <a:solidFill>
+                <a:prstClr val="white"/>
+              </a:solidFill>
+              <a:effectLst/>
+              <a:uLnTx/>
+              <a:uFillTx/>
+              <a:latin typeface="Calibri" panose="020F0502020204030204"/>
+              <a:ea typeface="+mn-ea"/>
+              <a:cs typeface="+mn-cs"/>
+            </a:endParaRPr>
+          </a:p>
+        </p:txBody>
+      </p:sp>
       <p:sp>
         <p:nvSpPr>
           <p:cNvPr id="2" name="Title 1">
@@ -14688,6 +18688,170 @@
           </a:prstGeom>
         </p:spPr>
       </p:pic>
+      <p:cxnSp>
+        <p:nvCxnSpPr>
+          <p:cNvPr id="62" name="Straight Connector 61">
+            <a:extLst>
+              <a:ext uri="{FF2B5EF4-FFF2-40B4-BE49-F238E27FC236}">
+                <a16:creationId xmlns:a16="http://schemas.microsoft.com/office/drawing/2014/main" id="{5C6A2BAE-B461-4B55-8E1F-0722ABDD1393}"/>
+              </a:ext>
+              <a:ext uri="{C183D7F6-B498-43B3-948B-1728B52AA6E4}">
+                <adec:decorative xmlns:adec="http://schemas.microsoft.com/office/drawing/2017/decorative" val="1"/>
+              </a:ext>
+            </a:extLst>
+          </p:cNvPr>
+          <p:cNvCxnSpPr>
+            <a:cxnSpLocks noGrp="1" noRot="1" noChangeAspect="1" noMove="1" noResize="1" noEditPoints="1" noAdjustHandles="1" noChangeArrowheads="1" noChangeShapeType="1"/>
+          </p:cNvCxnSpPr>
+          <p:nvPr>
+            <p:extLst>
+              <p:ext uri="{386F3935-93C4-4BCD-93E2-E3B085C9AB24}">
+                <p16:designElem xmlns:p16="http://schemas.microsoft.com/office/powerpoint/2015/main" val="1"/>
+              </p:ext>
+            </p:extLst>
+          </p:nvPr>
+        </p:nvCxnSpPr>
+        <p:spPr>
+          <a:xfrm>
+            <a:off x="8209305" y="4343400"/>
+            <a:ext cx="3200400" cy="0"/>
+          </a:xfrm>
+          <a:prstGeom prst="line">
+            <a:avLst/>
+          </a:prstGeom>
+          <a:ln w="6350">
+            <a:solidFill>
+              <a:schemeClr val="tx2">
+                <a:alpha val="90000"/>
+              </a:schemeClr>
+            </a:solidFill>
+          </a:ln>
+        </p:spPr>
+        <p:style>
+          <a:lnRef idx="1">
+            <a:schemeClr val="accent1"/>
+          </a:lnRef>
+          <a:fillRef idx="0">
+            <a:schemeClr val="accent1"/>
+          </a:fillRef>
+          <a:effectRef idx="0">
+            <a:schemeClr val="accent1"/>
+          </a:effectRef>
+          <a:fontRef idx="minor">
+            <a:schemeClr val="tx1"/>
+          </a:fontRef>
+        </p:style>
+      </p:cxnSp>
+      <p:sp>
+        <p:nvSpPr>
+          <p:cNvPr id="64" name="Rectangle 63">
+            <a:extLst>
+              <a:ext uri="{FF2B5EF4-FFF2-40B4-BE49-F238E27FC236}">
+                <a16:creationId xmlns:a16="http://schemas.microsoft.com/office/drawing/2014/main" id="{B4C27B90-DF2B-4D00-BA07-18ED774CD2F1}"/>
+              </a:ext>
+              <a:ext uri="{C183D7F6-B498-43B3-948B-1728B52AA6E4}">
+                <adec:decorative xmlns:adec="http://schemas.microsoft.com/office/drawing/2017/decorative" val="1"/>
+              </a:ext>
+            </a:extLst>
+          </p:cNvPr>
+          <p:cNvSpPr>
+            <a:spLocks noGrp="1" noRot="1" noChangeAspect="1" noMove="1" noResize="1" noEditPoints="1" noAdjustHandles="1" noChangeArrowheads="1" noChangeShapeType="1" noTextEdit="1"/>
+          </p:cNvSpPr>
+          <p:nvPr>
+            <p:extLst>
+              <p:ext uri="{386F3935-93C4-4BCD-93E2-E3B085C9AB24}">
+                <p16:designElem xmlns:p16="http://schemas.microsoft.com/office/powerpoint/2015/main" val="1"/>
+              </p:ext>
+            </p:extLst>
+          </p:nvPr>
+        </p:nvSpPr>
+        <p:spPr>
+          <a:xfrm>
+            <a:off x="15" y="6334316"/>
+            <a:ext cx="12191985" cy="66484"/>
+          </a:xfrm>
+          <a:prstGeom prst="rect">
+            <a:avLst/>
+          </a:prstGeom>
+          <a:solidFill>
+            <a:schemeClr val="accent1"/>
+          </a:solidFill>
+          <a:ln>
+            <a:noFill/>
+          </a:ln>
+        </p:spPr>
+        <p:style>
+          <a:lnRef idx="2">
+            <a:schemeClr val="accent1">
+              <a:shade val="50000"/>
+            </a:schemeClr>
+          </a:lnRef>
+          <a:fillRef idx="1">
+            <a:schemeClr val="accent1"/>
+          </a:fillRef>
+          <a:effectRef idx="0">
+            <a:schemeClr val="accent1"/>
+          </a:effectRef>
+          <a:fontRef idx="minor">
+            <a:schemeClr val="lt1"/>
+          </a:fontRef>
+        </p:style>
+      </p:sp>
+      <p:sp>
+        <p:nvSpPr>
+          <p:cNvPr id="66" name="Rectangle 65">
+            <a:extLst>
+              <a:ext uri="{FF2B5EF4-FFF2-40B4-BE49-F238E27FC236}">
+                <a16:creationId xmlns:a16="http://schemas.microsoft.com/office/drawing/2014/main" id="{593ACC25-C262-417A-8AA9-0641C772BDB6}"/>
+              </a:ext>
+              <a:ext uri="{C183D7F6-B498-43B3-948B-1728B52AA6E4}">
+                <adec:decorative xmlns:adec="http://schemas.microsoft.com/office/drawing/2017/decorative" val="1"/>
+              </a:ext>
+            </a:extLst>
+          </p:cNvPr>
+          <p:cNvSpPr>
+            <a:spLocks noGrp="1" noRot="1" noChangeAspect="1" noMove="1" noResize="1" noEditPoints="1" noAdjustHandles="1" noChangeArrowheads="1" noChangeShapeType="1" noTextEdit="1"/>
+          </p:cNvSpPr>
+          <p:nvPr>
+            <p:extLst>
+              <p:ext uri="{386F3935-93C4-4BCD-93E2-E3B085C9AB24}">
+                <p16:designElem xmlns:p16="http://schemas.microsoft.com/office/powerpoint/2015/main" val="1"/>
+              </p:ext>
+            </p:extLst>
+          </p:nvPr>
+        </p:nvSpPr>
+        <p:spPr>
+          <a:xfrm>
+            <a:off x="1" y="6400800"/>
+            <a:ext cx="12192000" cy="457200"/>
+          </a:xfrm>
+          <a:prstGeom prst="rect">
+            <a:avLst/>
+          </a:prstGeom>
+          <a:solidFill>
+            <a:schemeClr val="accent2"/>
+          </a:solidFill>
+          <a:ln>
+            <a:noFill/>
+          </a:ln>
+        </p:spPr>
+        <p:style>
+          <a:lnRef idx="2">
+            <a:schemeClr val="accent1">
+              <a:shade val="50000"/>
+            </a:schemeClr>
+          </a:lnRef>
+          <a:fillRef idx="1">
+            <a:schemeClr val="accent1"/>
+          </a:fillRef>
+          <a:effectRef idx="0">
+            <a:schemeClr val="accent1"/>
+          </a:effectRef>
+          <a:fontRef idx="minor">
+            <a:schemeClr val="lt1"/>
+          </a:fontRef>
+        </p:style>
+      </p:sp>
       <p:graphicFrame>
         <p:nvGraphicFramePr>
           <p:cNvPr id="36" name="Table 12">
